--- a/introduction.pptx
+++ b/introduction.pptx
@@ -2987,7 +2987,7 @@
           <a:p>
             <a:fld id="{62B690D2-9F6C-4A40-B045-5871089CDE7B}" type="datetimeFigureOut">
               <a:rPr lang="zh-CN" altLang="en-US" smtClean="0"/>
-              <a:t>2018/9/4</a:t>
+              <a:t>2018/9/8</a:t>
             </a:fld>
             <a:endParaRPr lang="zh-CN" altLang="en-US"/>
           </a:p>
@@ -3972,7 +3972,7 @@
           <a:p>
             <a:fld id="{F0A08C6D-CA89-457F-88D7-56281A3E4E44}" type="datetimeFigureOut">
               <a:rPr lang="zh-CN" altLang="en-US" smtClean="0"/>
-              <a:t>2018/9/4</a:t>
+              <a:t>2018/9/8</a:t>
             </a:fld>
             <a:endParaRPr lang="zh-CN" altLang="en-US"/>
           </a:p>
@@ -4218,7 +4218,7 @@
           <a:p>
             <a:fld id="{F0A08C6D-CA89-457F-88D7-56281A3E4E44}" type="datetimeFigureOut">
               <a:rPr lang="zh-CN" altLang="en-US" smtClean="0"/>
-              <a:t>2018/9/4</a:t>
+              <a:t>2018/9/8</a:t>
             </a:fld>
             <a:endParaRPr lang="zh-CN" altLang="en-US"/>
           </a:p>
@@ -4527,7 +4527,7 @@
           <a:p>
             <a:fld id="{F0A08C6D-CA89-457F-88D7-56281A3E4E44}" type="datetimeFigureOut">
               <a:rPr lang="zh-CN" altLang="en-US" smtClean="0"/>
-              <a:t>2018/9/4</a:t>
+              <a:t>2018/9/8</a:t>
             </a:fld>
             <a:endParaRPr lang="zh-CN" altLang="en-US"/>
           </a:p>
@@ -4863,7 +4863,7 @@
           <a:p>
             <a:fld id="{F0A08C6D-CA89-457F-88D7-56281A3E4E44}" type="datetimeFigureOut">
               <a:rPr lang="zh-CN" altLang="en-US" smtClean="0"/>
-              <a:t>2018/9/4</a:t>
+              <a:t>2018/9/8</a:t>
             </a:fld>
             <a:endParaRPr lang="zh-CN" altLang="en-US"/>
           </a:p>
@@ -5172,7 +5172,7 @@
           <a:p>
             <a:fld id="{F0A08C6D-CA89-457F-88D7-56281A3E4E44}" type="datetimeFigureOut">
               <a:rPr lang="zh-CN" altLang="en-US" smtClean="0"/>
-              <a:t>2018/9/4</a:t>
+              <a:t>2018/9/8</a:t>
             </a:fld>
             <a:endParaRPr lang="zh-CN" altLang="en-US"/>
           </a:p>
@@ -5560,7 +5560,7 @@
           <a:p>
             <a:fld id="{F0A08C6D-CA89-457F-88D7-56281A3E4E44}" type="datetimeFigureOut">
               <a:rPr lang="zh-CN" altLang="en-US" smtClean="0"/>
-              <a:t>2018/9/4</a:t>
+              <a:t>2018/9/8</a:t>
             </a:fld>
             <a:endParaRPr lang="zh-CN" altLang="en-US"/>
           </a:p>
@@ -5725,7 +5725,7 @@
           <a:p>
             <a:fld id="{F0A08C6D-CA89-457F-88D7-56281A3E4E44}" type="datetimeFigureOut">
               <a:rPr lang="zh-CN" altLang="en-US" smtClean="0"/>
-              <a:t>2018/9/4</a:t>
+              <a:t>2018/9/8</a:t>
             </a:fld>
             <a:endParaRPr lang="zh-CN" altLang="en-US"/>
           </a:p>
@@ -5900,7 +5900,7 @@
           <a:p>
             <a:fld id="{F0A08C6D-CA89-457F-88D7-56281A3E4E44}" type="datetimeFigureOut">
               <a:rPr lang="zh-CN" altLang="en-US" smtClean="0"/>
-              <a:t>2018/9/4</a:t>
+              <a:t>2018/9/8</a:t>
             </a:fld>
             <a:endParaRPr lang="zh-CN" altLang="en-US"/>
           </a:p>
@@ -6071,7 +6071,7 @@
           <a:p>
             <a:fld id="{F0A08C6D-CA89-457F-88D7-56281A3E4E44}" type="datetimeFigureOut">
               <a:rPr lang="zh-CN" altLang="en-US" smtClean="0"/>
-              <a:t>2018/9/4</a:t>
+              <a:t>2018/9/8</a:t>
             </a:fld>
             <a:endParaRPr lang="zh-CN" altLang="en-US"/>
           </a:p>
@@ -6343,7 +6343,7 @@
           <a:p>
             <a:fld id="{F0A08C6D-CA89-457F-88D7-56281A3E4E44}" type="datetimeFigureOut">
               <a:rPr lang="zh-CN" altLang="en-US" smtClean="0"/>
-              <a:t>2018/9/4</a:t>
+              <a:t>2018/9/8</a:t>
             </a:fld>
             <a:endParaRPr lang="zh-CN" altLang="en-US"/>
           </a:p>
@@ -6570,7 +6570,7 @@
           <a:p>
             <a:fld id="{F0A08C6D-CA89-457F-88D7-56281A3E4E44}" type="datetimeFigureOut">
               <a:rPr lang="zh-CN" altLang="en-US" smtClean="0"/>
-              <a:t>2018/9/4</a:t>
+              <a:t>2018/9/8</a:t>
             </a:fld>
             <a:endParaRPr lang="zh-CN" altLang="en-US"/>
           </a:p>
@@ -6939,7 +6939,7 @@
           <a:p>
             <a:fld id="{F0A08C6D-CA89-457F-88D7-56281A3E4E44}" type="datetimeFigureOut">
               <a:rPr lang="zh-CN" altLang="en-US" smtClean="0"/>
-              <a:t>2018/9/4</a:t>
+              <a:t>2018/9/8</a:t>
             </a:fld>
             <a:endParaRPr lang="zh-CN" altLang="en-US"/>
           </a:p>
@@ -7057,7 +7057,7 @@
           <a:p>
             <a:fld id="{F0A08C6D-CA89-457F-88D7-56281A3E4E44}" type="datetimeFigureOut">
               <a:rPr lang="zh-CN" altLang="en-US" smtClean="0"/>
-              <a:t>2018/9/4</a:t>
+              <a:t>2018/9/8</a:t>
             </a:fld>
             <a:endParaRPr lang="zh-CN" altLang="en-US"/>
           </a:p>
@@ -7147,7 +7147,7 @@
           <a:p>
             <a:fld id="{F0A08C6D-CA89-457F-88D7-56281A3E4E44}" type="datetimeFigureOut">
               <a:rPr lang="zh-CN" altLang="en-US" smtClean="0"/>
-              <a:t>2018/9/4</a:t>
+              <a:t>2018/9/8</a:t>
             </a:fld>
             <a:endParaRPr lang="zh-CN" altLang="en-US"/>
           </a:p>
@@ -7397,7 +7397,7 @@
           <a:p>
             <a:fld id="{F0A08C6D-CA89-457F-88D7-56281A3E4E44}" type="datetimeFigureOut">
               <a:rPr lang="zh-CN" altLang="en-US" smtClean="0"/>
-              <a:t>2018/9/4</a:t>
+              <a:t>2018/9/8</a:t>
             </a:fld>
             <a:endParaRPr lang="zh-CN" altLang="en-US"/>
           </a:p>
@@ -7655,7 +7655,7 @@
           <a:p>
             <a:fld id="{F0A08C6D-CA89-457F-88D7-56281A3E4E44}" type="datetimeFigureOut">
               <a:rPr lang="zh-CN" altLang="en-US" smtClean="0"/>
-              <a:t>2018/9/4</a:t>
+              <a:t>2018/9/8</a:t>
             </a:fld>
             <a:endParaRPr lang="zh-CN" altLang="en-US"/>
           </a:p>
@@ -8393,7 +8393,7 @@
           <a:p>
             <a:fld id="{F0A08C6D-CA89-457F-88D7-56281A3E4E44}" type="datetimeFigureOut">
               <a:rPr lang="zh-CN" altLang="en-US" smtClean="0"/>
-              <a:t>2018/9/4</a:t>
+              <a:t>2018/9/8</a:t>
             </a:fld>
             <a:endParaRPr lang="zh-CN" altLang="en-US"/>
           </a:p>
@@ -8967,17 +8967,7 @@
                   </a:schemeClr>
                 </a:solidFill>
               </a:rPr>
-              <a:t>/</a:t>
-            </a:r>
-            <a:r>
-              <a:rPr lang="en-US" altLang="zh-CN" sz="4000" dirty="0" smtClean="0">
-                <a:solidFill>
-                  <a:schemeClr val="accent1">
-                    <a:lumMod val="75000"/>
-                  </a:schemeClr>
-                </a:solidFill>
-              </a:rPr>
-              <a:t>Windows</a:t>
+              <a:t>/Windows</a:t>
             </a:r>
             <a:r>
               <a:rPr lang="zh-CN" altLang="en-US" sz="4000" dirty="0">
@@ -9085,8 +9075,13 @@
                   <a:schemeClr val="tx1"/>
                 </a:solidFill>
               </a:rPr>
-              <a:t>Com</a:t>
-            </a:r>
+              <a:t>com</a:t>
+            </a:r>
+            <a:endParaRPr lang="en-US" altLang="zh-CN" sz="2800" dirty="0" smtClean="0">
+              <a:solidFill>
+                <a:schemeClr val="tx1"/>
+              </a:solidFill>
+            </a:endParaRPr>
           </a:p>
           <a:p>
             <a:r>
@@ -9105,11 +9100,6 @@
               </a:rPr>
               <a:t>github.com/jichenghu/</a:t>
             </a:r>
-            <a:endParaRPr lang="en-US" altLang="zh-CN" sz="2800" dirty="0" smtClean="0">
-              <a:solidFill>
-                <a:schemeClr val="tx1"/>
-              </a:solidFill>
-            </a:endParaRPr>
           </a:p>
         </p:txBody>
       </p:sp>
@@ -10021,7 +10011,7 @@
           <a:graphicData uri="http://schemas.openxmlformats.org/presentationml/2006/ole">
             <mc:AlternateContent xmlns:mc="http://schemas.openxmlformats.org/markup-compatibility/2006">
               <mc:Choice xmlns:v="urn:schemas-microsoft-com:vml" Requires="v">
-                <p:oleObj spid="_x0000_s2093" r:id="rId3" imgW="3790950" imgH="2914650" progId="">
+                <p:oleObj spid="_x0000_s2095" r:id="rId3" imgW="3790950" imgH="2914650" progId="">
                   <p:embed/>
                 </p:oleObj>
               </mc:Choice>
@@ -10784,21 +10774,7 @@
                 <a:latin typeface="华文新魏" panose="02010800040101010101" pitchFamily="2" charset="-122"/>
                 <a:ea typeface="华文新魏" panose="02010800040101010101" pitchFamily="2" charset="-122"/>
               </a:rPr>
-              <a:t>16</a:t>
-            </a:r>
-            <a:r>
-              <a:rPr lang="zh-CN" altLang="en-US" dirty="0" smtClean="0">
-                <a:latin typeface="华文新魏" panose="02010800040101010101" pitchFamily="2" charset="-122"/>
-                <a:ea typeface="华文新魏" panose="02010800040101010101" pitchFamily="2" charset="-122"/>
-              </a:rPr>
-              <a:t>课时，实验</a:t>
-            </a:r>
-            <a:r>
-              <a:rPr lang="en-US" altLang="zh-CN" dirty="0" smtClean="0">
-                <a:latin typeface="华文新魏" panose="02010800040101010101" pitchFamily="2" charset="-122"/>
-                <a:ea typeface="华文新魏" panose="02010800040101010101" pitchFamily="2" charset="-122"/>
-              </a:rPr>
-              <a:t>16</a:t>
+              <a:t>18</a:t>
             </a:r>
             <a:r>
               <a:rPr lang="zh-CN" altLang="en-US" dirty="0" smtClean="0">
@@ -10807,6 +10783,31 @@
               </a:rPr>
               <a:t>课时</a:t>
             </a:r>
+            <a:r>
+              <a:rPr lang="zh-CN" altLang="en-US" dirty="0" smtClean="0">
+                <a:latin typeface="华文新魏" panose="02010800040101010101" pitchFamily="2" charset="-122"/>
+                <a:ea typeface="华文新魏" panose="02010800040101010101" pitchFamily="2" charset="-122"/>
+              </a:rPr>
+              <a:t>，实验</a:t>
+            </a:r>
+            <a:r>
+              <a:rPr lang="en-US" altLang="zh-CN" smtClean="0">
+                <a:latin typeface="华文新魏" panose="02010800040101010101" pitchFamily="2" charset="-122"/>
+                <a:ea typeface="华文新魏" panose="02010800040101010101" pitchFamily="2" charset="-122"/>
+              </a:rPr>
+              <a:t>18</a:t>
+            </a:r>
+            <a:r>
+              <a:rPr lang="zh-CN" altLang="en-US" smtClean="0">
+                <a:latin typeface="华文新魏" panose="02010800040101010101" pitchFamily="2" charset="-122"/>
+                <a:ea typeface="华文新魏" panose="02010800040101010101" pitchFamily="2" charset="-122"/>
+              </a:rPr>
+              <a:t>课时</a:t>
+            </a:r>
+            <a:endParaRPr lang="zh-CN" altLang="en-US" dirty="0" smtClean="0">
+              <a:latin typeface="华文新魏" panose="02010800040101010101" pitchFamily="2" charset="-122"/>
+              <a:ea typeface="华文新魏" panose="02010800040101010101" pitchFamily="2" charset="-122"/>
+            </a:endParaRPr>
           </a:p>
           <a:p>
             <a:pPr eaLnBrk="1" hangingPunct="1">
@@ -10860,14 +10861,7 @@
                 <a:latin typeface="华文新魏" panose="02010800040101010101" pitchFamily="2" charset="-122"/>
                 <a:ea typeface="华文新魏" panose="02010800040101010101" pitchFamily="2" charset="-122"/>
               </a:rPr>
-              <a:t>单</a:t>
-            </a:r>
-            <a:r>
-              <a:rPr lang="zh-CN" altLang="en-US" dirty="0" smtClean="0">
-                <a:latin typeface="华文新魏" panose="02010800040101010101" pitchFamily="2" charset="-122"/>
-                <a:ea typeface="华文新魏" panose="02010800040101010101" pitchFamily="2" charset="-122"/>
-              </a:rPr>
-              <a:t>周 周五 </a:t>
+              <a:t>单周 周五 </a:t>
             </a:r>
             <a:r>
               <a:rPr lang="en-US" altLang="zh-CN" dirty="0" smtClean="0">
@@ -10888,14 +10882,7 @@
                 <a:latin typeface="华文新魏" panose="02010800040101010101" pitchFamily="2" charset="-122"/>
                 <a:ea typeface="华文新魏" panose="02010800040101010101" pitchFamily="2" charset="-122"/>
               </a:rPr>
-              <a:t> </a:t>
-            </a:r>
-            <a:r>
-              <a:rPr lang="en-US" altLang="zh-CN" dirty="0" smtClean="0">
-                <a:latin typeface="华文新魏" panose="02010800040101010101" pitchFamily="2" charset="-122"/>
-                <a:ea typeface="华文新魏" panose="02010800040101010101" pitchFamily="2" charset="-122"/>
-              </a:rPr>
-              <a:t>3</a:t>
+              <a:t> 3</a:t>
             </a:r>
             <a:r>
               <a:rPr lang="zh-CN" altLang="en-US" dirty="0" smtClean="0">
@@ -12095,11 +12082,7 @@
             </a:r>
             <a:r>
               <a:rPr lang="zh-CN" altLang="en-US" sz="4400" dirty="0" smtClean="0"/>
-              <a:t>考试形式为综合实验</a:t>
-            </a:r>
-            <a:r>
-              <a:rPr lang="zh-CN" altLang="en-US" sz="4400" dirty="0" smtClean="0"/>
-              <a:t>报告</a:t>
+              <a:t>考试形式为综合实验报告</a:t>
             </a:r>
             <a:endParaRPr lang="en-US" altLang="zh-CN" sz="4400" dirty="0"/>
           </a:p>

--- a/introduction.pptx
+++ b/introduction.pptx
@@ -9062,12 +9062,20 @@
           </a:p>
           <a:p>
             <a:r>
+              <a:rPr lang="en-US" altLang="zh-CN" sz="2800" dirty="0" err="1" smtClean="0">
+                <a:solidFill>
+                  <a:schemeClr val="tx1"/>
+                </a:solidFill>
+              </a:rPr>
+              <a:t>jicheng</a:t>
+            </a:r>
+            <a:r>
               <a:rPr lang="en-US" altLang="zh-CN" sz="2800" dirty="0" smtClean="0">
                 <a:solidFill>
                   <a:schemeClr val="tx1"/>
                 </a:solidFill>
               </a:rPr>
-              <a:t>jicheng @ yahoo . </a:t>
+              <a:t> </a:t>
             </a:r>
             <a:r>
               <a:rPr lang="en-US" altLang="zh-CN" sz="2800" dirty="0" smtClean="0">
@@ -9075,13 +9083,16 @@
                   <a:schemeClr val="tx1"/>
                 </a:solidFill>
               </a:rPr>
-              <a:t>com</a:t>
-            </a:r>
-            <a:endParaRPr lang="en-US" altLang="zh-CN" sz="2800" dirty="0" smtClean="0">
-              <a:solidFill>
-                <a:schemeClr val="tx1"/>
-              </a:solidFill>
-            </a:endParaRPr>
+              <a:t>    </a:t>
+            </a:r>
+            <a:r>
+              <a:rPr lang="en-US" altLang="zh-CN" sz="2800" dirty="0" smtClean="0">
+                <a:solidFill>
+                  <a:schemeClr val="tx1"/>
+                </a:solidFill>
+              </a:rPr>
+              <a:t>yahoo . com</a:t>
+            </a:r>
           </a:p>
           <a:p>
             <a:r>
@@ -9142,6 +9153,36 @@
               </a14:hiddenFill>
             </a:ext>
           </a:extLst>
+        </p:spPr>
+      </p:pic>
+      <p:pic>
+        <p:nvPicPr>
+          <p:cNvPr id="4" name="图片 3"/>
+          <p:cNvPicPr>
+            <a:picLocks noChangeAspect="1"/>
+          </p:cNvPicPr>
+          <p:nvPr/>
+        </p:nvPicPr>
+        <p:blipFill>
+          <a:blip r:embed="rId3" cstate="print">
+            <a:extLst>
+              <a:ext uri="{28A0092B-C50C-407E-A947-70E740481C1C}">
+                <a14:useLocalDpi xmlns:a14="http://schemas.microsoft.com/office/drawing/2010/main" val="0"/>
+              </a:ext>
+            </a:extLst>
+          </a:blip>
+          <a:stretch>
+            <a:fillRect/>
+          </a:stretch>
+        </p:blipFill>
+        <p:spPr>
+          <a:xfrm>
+            <a:off x="5372377" y="5550010"/>
+            <a:ext cx="466696" cy="446473"/>
+          </a:xfrm>
+          <a:prstGeom prst="rect">
+            <a:avLst/>
+          </a:prstGeom>
         </p:spPr>
       </p:pic>
     </p:spTree>
@@ -10011,7 +10052,7 @@
           <a:graphicData uri="http://schemas.openxmlformats.org/presentationml/2006/ole">
             <mc:AlternateContent xmlns:mc="http://schemas.openxmlformats.org/markup-compatibility/2006">
               <mc:Choice xmlns:v="urn:schemas-microsoft-com:vml" Requires="v">
-                <p:oleObj spid="_x0000_s2095" r:id="rId3" imgW="3790950" imgH="2914650" progId="">
+                <p:oleObj spid="_x0000_s2096" r:id="rId3" imgW="3790950" imgH="2914650" progId="">
                   <p:embed/>
                 </p:oleObj>
               </mc:Choice>
@@ -10781,14 +10822,7 @@
                 <a:latin typeface="华文新魏" panose="02010800040101010101" pitchFamily="2" charset="-122"/>
                 <a:ea typeface="华文新魏" panose="02010800040101010101" pitchFamily="2" charset="-122"/>
               </a:rPr>
-              <a:t>课时</a:t>
-            </a:r>
-            <a:r>
-              <a:rPr lang="zh-CN" altLang="en-US" dirty="0" smtClean="0">
-                <a:latin typeface="华文新魏" panose="02010800040101010101" pitchFamily="2" charset="-122"/>
-                <a:ea typeface="华文新魏" panose="02010800040101010101" pitchFamily="2" charset="-122"/>
-              </a:rPr>
-              <a:t>，实验</a:t>
+              <a:t>课时，实验</a:t>
             </a:r>
             <a:r>
               <a:rPr lang="en-US" altLang="zh-CN" smtClean="0">

--- a/introduction.pptx
+++ b/introduction.pptx
@@ -9075,23 +9075,7 @@
                   <a:schemeClr val="tx1"/>
                 </a:solidFill>
               </a:rPr>
-              <a:t> </a:t>
-            </a:r>
-            <a:r>
-              <a:rPr lang="en-US" altLang="zh-CN" sz="2800" dirty="0" smtClean="0">
-                <a:solidFill>
-                  <a:schemeClr val="tx1"/>
-                </a:solidFill>
-              </a:rPr>
-              <a:t>    </a:t>
-            </a:r>
-            <a:r>
-              <a:rPr lang="en-US" altLang="zh-CN" sz="2800" dirty="0" smtClean="0">
-                <a:solidFill>
-                  <a:schemeClr val="tx1"/>
-                </a:solidFill>
-              </a:rPr>
-              <a:t>yahoo . com</a:t>
+              <a:t>     yahoo . com</a:t>
             </a:r>
           </a:p>
           <a:p>
@@ -9712,8 +9696,20 @@
               </a:lnSpc>
             </a:pPr>
             <a:r>
+              <a:rPr lang="en-US" altLang="zh-CN" sz="4800" dirty="0" err="1" smtClean="0"/>
+              <a:t>jicheng</a:t>
+            </a:r>
+            <a:r>
               <a:rPr lang="en-US" altLang="zh-CN" sz="4800" dirty="0" smtClean="0"/>
-              <a:t>jicheng @ yahoo . com</a:t>
+              <a:t> </a:t>
+            </a:r>
+            <a:r>
+              <a:rPr lang="en-US" altLang="zh-CN" sz="4800" dirty="0" smtClean="0"/>
+              <a:t>      yahoo </a:t>
+            </a:r>
+            <a:r>
+              <a:rPr lang="en-US" altLang="zh-CN" sz="4800" dirty="0" smtClean="0"/>
+              <a:t>. com</a:t>
             </a:r>
           </a:p>
           <a:p>
@@ -9760,6 +9756,36 @@
           </a:p>
         </p:txBody>
       </p:sp>
+      <p:pic>
+        <p:nvPicPr>
+          <p:cNvPr id="5" name="图片 4"/>
+          <p:cNvPicPr>
+            <a:picLocks noChangeAspect="1"/>
+          </p:cNvPicPr>
+          <p:nvPr/>
+        </p:nvPicPr>
+        <p:blipFill>
+          <a:blip r:embed="rId2" cstate="print">
+            <a:extLst>
+              <a:ext uri="{28A0092B-C50C-407E-A947-70E740481C1C}">
+                <a14:useLocalDpi xmlns:a14="http://schemas.microsoft.com/office/drawing/2010/main" val="0"/>
+              </a:ext>
+            </a:extLst>
+          </a:blip>
+          <a:stretch>
+            <a:fillRect/>
+          </a:stretch>
+        </p:blipFill>
+        <p:spPr>
+          <a:xfrm>
+            <a:off x="3511770" y="2480806"/>
+            <a:ext cx="756343" cy="723569"/>
+          </a:xfrm>
+          <a:prstGeom prst="rect">
+            <a:avLst/>
+          </a:prstGeom>
+        </p:spPr>
+      </p:pic>
     </p:spTree>
   </p:cSld>
   <p:clrMapOvr>
@@ -10052,7 +10078,7 @@
           <a:graphicData uri="http://schemas.openxmlformats.org/presentationml/2006/ole">
             <mc:AlternateContent xmlns:mc="http://schemas.openxmlformats.org/markup-compatibility/2006">
               <mc:Choice xmlns:v="urn:schemas-microsoft-com:vml" Requires="v">
-                <p:oleObj spid="_x0000_s2096" r:id="rId3" imgW="3790950" imgH="2914650" progId="">
+                <p:oleObj spid="_x0000_s2097" r:id="rId3" imgW="3790950" imgH="2914650" progId="">
                   <p:embed/>
                 </p:oleObj>
               </mc:Choice>

--- a/introduction.pptx
+++ b/introduction.pptx
@@ -5,21 +5,21 @@
     <p:sldMasterId id="2147483648" r:id="rId1"/>
   </p:sldMasterIdLst>
   <p:notesMasterIdLst>
-    <p:notesMasterId r:id="rId14"/>
+    <p:notesMasterId r:id="rId15"/>
   </p:notesMasterIdLst>
   <p:sldIdLst>
-    <p:sldId id="256" r:id="rId2"/>
-    <p:sldId id="316" r:id="rId3"/>
-    <p:sldId id="317" r:id="rId4"/>
-    <p:sldId id="304" r:id="rId5"/>
-    <p:sldId id="305" r:id="rId6"/>
-    <p:sldId id="307" r:id="rId7"/>
-    <p:sldId id="308" r:id="rId8"/>
-    <p:sldId id="309" r:id="rId9"/>
-    <p:sldId id="312" r:id="rId10"/>
-    <p:sldId id="313" r:id="rId11"/>
-    <p:sldId id="314" r:id="rId12"/>
-    <p:sldId id="315" r:id="rId13"/>
+    <p:sldId id="256" r:id="rId3"/>
+    <p:sldId id="316" r:id="rId4"/>
+    <p:sldId id="317" r:id="rId5"/>
+    <p:sldId id="304" r:id="rId6"/>
+    <p:sldId id="305" r:id="rId7"/>
+    <p:sldId id="307" r:id="rId8"/>
+    <p:sldId id="308" r:id="rId9"/>
+    <p:sldId id="309" r:id="rId10"/>
+    <p:sldId id="312" r:id="rId11"/>
+    <p:sldId id="313" r:id="rId12"/>
+    <p:sldId id="314" r:id="rId13"/>
+    <p:sldId id="315" r:id="rId14"/>
   </p:sldIdLst>
   <p:sldSz cx="12192000" cy="6858000"/>
   <p:notesSz cx="6858000" cy="9144000"/>
@@ -118,11 +118,6 @@
       </a:defRPr>
     </a:lvl9pPr>
   </p:defaultTextStyle>
-  <p:extLst>
-    <p:ext uri="{EFAFB233-063F-42B5-8137-9DF3F51BA10A}">
-      <p15:sldGuideLst xmlns:p15="http://schemas.microsoft.com/office/powerpoint/2012/main"/>
-    </p:ext>
-  </p:extLst>
 </p:presentation>
 </file>
 
@@ -903,7 +898,7 @@
         </a:p>
       </dgm:t>
     </dgm:pt>
-    <dgm:pt modelId="{AF02B0CB-D4D3-4689-AF3F-63B0CF0E9DB7}" type="parTrans" cxnId="{86628A9E-22D6-4C60-8249-0BFE480BFF5A}">
+    <dgm:pt modelId="{AF02B0CB-D4D3-4689-AF3F-63B0CF0E9DB7}" cxnId="{86628A9E-22D6-4C60-8249-0BFE480BFF5A}" type="parTrans">
       <dgm:prSet/>
       <dgm:spPr/>
       <dgm:t>
@@ -914,7 +909,7 @@
         </a:p>
       </dgm:t>
     </dgm:pt>
-    <dgm:pt modelId="{E62A0279-F5C6-468D-A5C5-4AC2E078B623}" type="sibTrans" cxnId="{86628A9E-22D6-4C60-8249-0BFE480BFF5A}">
+    <dgm:pt modelId="{E62A0279-F5C6-468D-A5C5-4AC2E078B623}" cxnId="{86628A9E-22D6-4C60-8249-0BFE480BFF5A}" type="sibTrans">
       <dgm:prSet/>
       <dgm:spPr/>
       <dgm:t>
@@ -941,7 +936,7 @@
         </a:p>
       </dgm:t>
     </dgm:pt>
-    <dgm:pt modelId="{42EC6CF3-FF18-437E-8D44-AA882D54CEE0}" type="parTrans" cxnId="{851E7807-5DCB-450F-91CB-BC7CE976400B}">
+    <dgm:pt modelId="{42EC6CF3-FF18-437E-8D44-AA882D54CEE0}" cxnId="{851E7807-5DCB-450F-91CB-BC7CE976400B}" type="parTrans">
       <dgm:prSet/>
       <dgm:spPr/>
       <dgm:t>
@@ -952,7 +947,7 @@
         </a:p>
       </dgm:t>
     </dgm:pt>
-    <dgm:pt modelId="{9007DD70-9C54-4477-9E19-C04AF4AA79E1}" type="sibTrans" cxnId="{851E7807-5DCB-450F-91CB-BC7CE976400B}">
+    <dgm:pt modelId="{9007DD70-9C54-4477-9E19-C04AF4AA79E1}" cxnId="{851E7807-5DCB-450F-91CB-BC7CE976400B}" type="sibTrans">
       <dgm:prSet/>
       <dgm:spPr/>
       <dgm:t>
@@ -979,7 +974,7 @@
         </a:p>
       </dgm:t>
     </dgm:pt>
-    <dgm:pt modelId="{06FC63D7-59F4-4FCF-BA3C-82CA82021EE0}" type="parTrans" cxnId="{33A53B55-5868-4CCC-85AD-17C7FB71C2FC}">
+    <dgm:pt modelId="{06FC63D7-59F4-4FCF-BA3C-82CA82021EE0}" cxnId="{33A53B55-5868-4CCC-85AD-17C7FB71C2FC}" type="parTrans">
       <dgm:prSet/>
       <dgm:spPr/>
       <dgm:t>
@@ -990,7 +985,7 @@
         </a:p>
       </dgm:t>
     </dgm:pt>
-    <dgm:pt modelId="{1397822D-B5D6-4C7A-B9A1-9207CFE945C4}" type="sibTrans" cxnId="{33A53B55-5868-4CCC-85AD-17C7FB71C2FC}">
+    <dgm:pt modelId="{1397822D-B5D6-4C7A-B9A1-9207CFE945C4}" cxnId="{33A53B55-5868-4CCC-85AD-17C7FB71C2FC}" type="sibTrans">
       <dgm:prSet/>
       <dgm:spPr/>
       <dgm:t>
@@ -1017,7 +1012,7 @@
         </a:p>
       </dgm:t>
     </dgm:pt>
-    <dgm:pt modelId="{78E91C60-98EE-4736-9F1F-0A4515469F8E}" type="parTrans" cxnId="{57B5F7F3-A8A8-450D-BF33-D78E8B90296E}">
+    <dgm:pt modelId="{78E91C60-98EE-4736-9F1F-0A4515469F8E}" cxnId="{57B5F7F3-A8A8-450D-BF33-D78E8B90296E}" type="parTrans">
       <dgm:prSet/>
       <dgm:spPr/>
       <dgm:t>
@@ -1028,7 +1023,7 @@
         </a:p>
       </dgm:t>
     </dgm:pt>
-    <dgm:pt modelId="{063BDEB1-4B9A-40B2-B26D-744EA8FDC352}" type="sibTrans" cxnId="{57B5F7F3-A8A8-450D-BF33-D78E8B90296E}">
+    <dgm:pt modelId="{063BDEB1-4B9A-40B2-B26D-744EA8FDC352}" cxnId="{57B5F7F3-A8A8-450D-BF33-D78E8B90296E}" type="sibTrans">
       <dgm:prSet/>
       <dgm:spPr/>
       <dgm:t>
@@ -1190,7 +1185,7 @@
   <dgm:whole/>
   <dgm:extLst>
     <a:ext uri="http://schemas.microsoft.com/office/drawing/2008/diagram">
-      <dsp:dataModelExt xmlns:dsp="http://schemas.microsoft.com/office/drawing/2008/diagram" relId="rId6" minVer="http://schemas.openxmlformats.org/drawingml/2006/diagram"/>
+      <dsp:dataModelExt xmlns:dsp="http://schemas.microsoft.com/office/drawing/2008/diagram" relId="rId5" minVer="http://schemas.openxmlformats.org/drawingml/2006/diagram"/>
     </a:ext>
   </dgm:extLst>
 </dgm:dataModel>
@@ -1835,7 +1830,7 @@
           <dgm:alg type="tx"/>
           <dgm:choose name="Name4">
             <dgm:if name="Name5" func="var" arg="dir" op="equ" val="norm">
-              <dgm:shape xmlns:r="http://schemas.openxmlformats.org/officeDocument/2006/relationships" rot="180" type="homePlate" r:blip="" zOrderOff="-1">
+              <dgm:shape xmlns:r="http://schemas.openxmlformats.org/officeDocument/2006/relationships" type="homePlate" r:blip="" rot="180" zOrderOff="-1">
                 <dgm:adjLst/>
               </dgm:shape>
             </dgm:if>
@@ -1887,7 +1882,6 @@
       <a:camera prst="orthographicFront"/>
       <a:lightRig rig="threePt" dir="t"/>
     </dgm:scene3d>
-    <dgm:sp3d/>
     <dgm:txPr/>
     <dgm:style>
       <a:lnRef idx="2">
@@ -1907,7 +1901,6 @@
       <a:camera prst="orthographicFront"/>
       <a:lightRig rig="threePt" dir="t"/>
     </dgm:scene3d>
-    <dgm:sp3d/>
     <dgm:txPr/>
     <dgm:style>
       <a:lnRef idx="2">
@@ -1927,7 +1920,6 @@
       <a:camera prst="orthographicFront"/>
       <a:lightRig rig="threePt" dir="t"/>
     </dgm:scene3d>
-    <dgm:sp3d/>
     <dgm:txPr/>
     <dgm:style>
       <a:lnRef idx="2">
@@ -1947,7 +1939,6 @@
       <a:camera prst="orthographicFront"/>
       <a:lightRig rig="threePt" dir="t"/>
     </dgm:scene3d>
-    <dgm:sp3d/>
     <dgm:txPr/>
     <dgm:style>
       <a:lnRef idx="2">
@@ -1969,7 +1960,6 @@
       <a:camera prst="orthographicFront"/>
       <a:lightRig rig="threePt" dir="t"/>
     </dgm:scene3d>
-    <dgm:sp3d/>
     <dgm:txPr/>
     <dgm:style>
       <a:lnRef idx="2">
@@ -1991,7 +1981,6 @@
       <a:camera prst="orthographicFront"/>
       <a:lightRig rig="threePt" dir="t"/>
     </dgm:scene3d>
-    <dgm:sp3d/>
     <dgm:txPr/>
     <dgm:style>
       <a:lnRef idx="2">
@@ -2013,7 +2002,6 @@
       <a:camera prst="orthographicFront"/>
       <a:lightRig rig="threePt" dir="t"/>
     </dgm:scene3d>
-    <dgm:sp3d/>
     <dgm:txPr/>
     <dgm:style>
       <a:lnRef idx="2">
@@ -2035,7 +2023,6 @@
       <a:camera prst="orthographicFront"/>
       <a:lightRig rig="threePt" dir="t"/>
     </dgm:scene3d>
-    <dgm:sp3d/>
     <dgm:txPr/>
     <dgm:style>
       <a:lnRef idx="2">
@@ -2057,7 +2044,6 @@
       <a:camera prst="orthographicFront"/>
       <a:lightRig rig="threePt" dir="t"/>
     </dgm:scene3d>
-    <dgm:sp3d/>
     <dgm:txPr/>
     <dgm:style>
       <a:lnRef idx="2">
@@ -2079,7 +2065,6 @@
       <a:camera prst="orthographicFront"/>
       <a:lightRig rig="threePt" dir="t"/>
     </dgm:scene3d>
-    <dgm:sp3d/>
     <dgm:txPr/>
     <dgm:style>
       <a:lnRef idx="2">
@@ -2099,7 +2084,6 @@
       <a:camera prst="orthographicFront"/>
       <a:lightRig rig="threePt" dir="t"/>
     </dgm:scene3d>
-    <dgm:sp3d/>
     <dgm:txPr/>
     <dgm:style>
       <a:lnRef idx="2">
@@ -2119,7 +2103,6 @@
       <a:camera prst="orthographicFront"/>
       <a:lightRig rig="threePt" dir="t"/>
     </dgm:scene3d>
-    <dgm:sp3d/>
     <dgm:txPr/>
     <dgm:style>
       <a:lnRef idx="2">
@@ -2139,7 +2122,6 @@
       <a:camera prst="orthographicFront"/>
       <a:lightRig rig="threePt" dir="t"/>
     </dgm:scene3d>
-    <dgm:sp3d/>
     <dgm:txPr/>
     <dgm:style>
       <a:lnRef idx="0">
@@ -2159,7 +2141,6 @@
       <a:camera prst="orthographicFront"/>
       <a:lightRig rig="threePt" dir="t"/>
     </dgm:scene3d>
-    <dgm:sp3d/>
     <dgm:txPr/>
     <dgm:style>
       <a:lnRef idx="0">
@@ -2181,7 +2162,6 @@
       <a:camera prst="orthographicFront"/>
       <a:lightRig rig="threePt" dir="t"/>
     </dgm:scene3d>
-    <dgm:sp3d/>
     <dgm:txPr/>
     <dgm:style>
       <a:lnRef idx="2">
@@ -2201,7 +2181,6 @@
       <a:camera prst="orthographicFront"/>
       <a:lightRig rig="threePt" dir="t"/>
     </dgm:scene3d>
-    <dgm:sp3d/>
     <dgm:txPr/>
     <dgm:style>
       <a:lnRef idx="2">
@@ -2221,7 +2200,6 @@
       <a:camera prst="orthographicFront"/>
       <a:lightRig rig="threePt" dir="t"/>
     </dgm:scene3d>
-    <dgm:sp3d/>
     <dgm:txPr/>
     <dgm:style>
       <a:lnRef idx="0">
@@ -2241,7 +2219,6 @@
       <a:camera prst="orthographicFront"/>
       <a:lightRig rig="threePt" dir="t"/>
     </dgm:scene3d>
-    <dgm:sp3d/>
     <dgm:txPr/>
     <dgm:style>
       <a:lnRef idx="2">
@@ -2261,7 +2238,6 @@
       <a:camera prst="orthographicFront"/>
       <a:lightRig rig="threePt" dir="t"/>
     </dgm:scene3d>
-    <dgm:sp3d/>
     <dgm:txPr/>
     <dgm:style>
       <a:lnRef idx="2">
@@ -2281,7 +2257,6 @@
       <a:camera prst="orthographicFront"/>
       <a:lightRig rig="threePt" dir="t"/>
     </dgm:scene3d>
-    <dgm:sp3d/>
     <dgm:txPr/>
     <dgm:style>
       <a:lnRef idx="2">
@@ -2301,7 +2276,6 @@
       <a:camera prst="orthographicFront"/>
       <a:lightRig rig="threePt" dir="t"/>
     </dgm:scene3d>
-    <dgm:sp3d/>
     <dgm:txPr/>
     <dgm:style>
       <a:lnRef idx="2">
@@ -2321,7 +2295,6 @@
       <a:camera prst="orthographicFront"/>
       <a:lightRig rig="threePt" dir="t"/>
     </dgm:scene3d>
-    <dgm:sp3d/>
     <dgm:txPr/>
     <dgm:style>
       <a:lnRef idx="2">
@@ -2341,7 +2314,6 @@
       <a:camera prst="orthographicFront"/>
       <a:lightRig rig="threePt" dir="t"/>
     </dgm:scene3d>
-    <dgm:sp3d/>
     <dgm:txPr/>
     <dgm:style>
       <a:lnRef idx="2">
@@ -2361,7 +2333,6 @@
       <a:camera prst="orthographicFront"/>
       <a:lightRig rig="threePt" dir="t"/>
     </dgm:scene3d>
-    <dgm:sp3d/>
     <dgm:txPr/>
     <dgm:style>
       <a:lnRef idx="2">
@@ -2381,7 +2352,6 @@
       <a:camera prst="orthographicFront"/>
       <a:lightRig rig="threePt" dir="t"/>
     </dgm:scene3d>
-    <dgm:sp3d/>
     <dgm:txPr/>
     <dgm:style>
       <a:lnRef idx="2">
@@ -2401,7 +2371,6 @@
       <a:camera prst="orthographicFront"/>
       <a:lightRig rig="threePt" dir="t"/>
     </dgm:scene3d>
-    <dgm:sp3d/>
     <dgm:txPr/>
     <dgm:style>
       <a:lnRef idx="0">
@@ -2423,7 +2392,6 @@
       <a:camera prst="orthographicFront"/>
       <a:lightRig rig="threePt" dir="t"/>
     </dgm:scene3d>
-    <dgm:sp3d/>
     <dgm:txPr/>
     <dgm:style>
       <a:lnRef idx="2">
@@ -2445,7 +2413,6 @@
       <a:camera prst="orthographicFront"/>
       <a:lightRig rig="threePt" dir="t"/>
     </dgm:scene3d>
-    <dgm:sp3d/>
     <dgm:txPr/>
     <dgm:style>
       <a:lnRef idx="2">
@@ -2467,7 +2434,6 @@
       <a:camera prst="orthographicFront"/>
       <a:lightRig rig="threePt" dir="t"/>
     </dgm:scene3d>
-    <dgm:sp3d/>
     <dgm:txPr/>
     <dgm:style>
       <a:lnRef idx="2">
@@ -2489,7 +2455,6 @@
       <a:camera prst="orthographicFront"/>
       <a:lightRig rig="threePt" dir="t"/>
     </dgm:scene3d>
-    <dgm:sp3d/>
     <dgm:txPr/>
     <dgm:style>
       <a:lnRef idx="2">
@@ -2511,7 +2476,6 @@
       <a:camera prst="orthographicFront"/>
       <a:lightRig rig="threePt" dir="t"/>
     </dgm:scene3d>
-    <dgm:sp3d/>
     <dgm:txPr/>
     <dgm:style>
       <a:lnRef idx="2">
@@ -2533,7 +2497,6 @@
       <a:camera prst="orthographicFront"/>
       <a:lightRig rig="threePt" dir="t"/>
     </dgm:scene3d>
-    <dgm:sp3d/>
     <dgm:txPr/>
     <dgm:style>
       <a:lnRef idx="2">
@@ -2555,7 +2518,6 @@
       <a:camera prst="orthographicFront"/>
       <a:lightRig rig="threePt" dir="t"/>
     </dgm:scene3d>
-    <dgm:sp3d/>
     <dgm:txPr/>
     <dgm:style>
       <a:lnRef idx="2">
@@ -2575,7 +2537,6 @@
       <a:camera prst="orthographicFront"/>
       <a:lightRig rig="threePt" dir="t"/>
     </dgm:scene3d>
-    <dgm:sp3d/>
     <dgm:txPr/>
     <dgm:style>
       <a:lnRef idx="2">
@@ -2595,7 +2556,6 @@
       <a:camera prst="orthographicFront"/>
       <a:lightRig rig="threePt" dir="t"/>
     </dgm:scene3d>
-    <dgm:sp3d/>
     <dgm:txPr/>
     <dgm:style>
       <a:lnRef idx="2">
@@ -2615,7 +2575,6 @@
       <a:camera prst="orthographicFront"/>
       <a:lightRig rig="threePt" dir="t"/>
     </dgm:scene3d>
-    <dgm:sp3d/>
     <dgm:txPr/>
     <dgm:style>
       <a:lnRef idx="2">
@@ -2635,7 +2594,6 @@
       <a:camera prst="orthographicFront"/>
       <a:lightRig rig="threePt" dir="t"/>
     </dgm:scene3d>
-    <dgm:sp3d/>
     <dgm:txPr/>
     <dgm:style>
       <a:lnRef idx="2">
@@ -2657,7 +2615,6 @@
       <a:camera prst="orthographicFront"/>
       <a:lightRig rig="threePt" dir="t"/>
     </dgm:scene3d>
-    <dgm:sp3d/>
     <dgm:txPr/>
     <dgm:style>
       <a:lnRef idx="2">
@@ -2679,7 +2636,6 @@
       <a:camera prst="orthographicFront"/>
       <a:lightRig rig="threePt" dir="t"/>
     </dgm:scene3d>
-    <dgm:sp3d/>
     <dgm:txPr/>
     <dgm:style>
       <a:lnRef idx="2">
@@ -2701,7 +2657,6 @@
       <a:camera prst="orthographicFront"/>
       <a:lightRig rig="threePt" dir="t"/>
     </dgm:scene3d>
-    <dgm:sp3d/>
     <dgm:txPr/>
     <dgm:style>
       <a:lnRef idx="2">
@@ -2723,7 +2678,6 @@
       <a:camera prst="orthographicFront"/>
       <a:lightRig rig="threePt" dir="t"/>
     </dgm:scene3d>
-    <dgm:sp3d/>
     <dgm:txPr/>
     <dgm:style>
       <a:lnRef idx="0">
@@ -2743,7 +2697,6 @@
       <a:camera prst="orthographicFront"/>
       <a:lightRig rig="threePt" dir="t"/>
     </dgm:scene3d>
-    <dgm:sp3d/>
     <dgm:txPr/>
     <dgm:style>
       <a:lnRef idx="1">
@@ -2763,7 +2716,6 @@
       <a:camera prst="orthographicFront"/>
       <a:lightRig rig="threePt" dir="t"/>
     </dgm:scene3d>
-    <dgm:sp3d/>
     <dgm:txPr/>
     <dgm:style>
       <a:lnRef idx="0">
@@ -2785,7 +2737,6 @@
       <a:camera prst="orthographicFront"/>
       <a:lightRig rig="threePt" dir="t"/>
     </dgm:scene3d>
-    <dgm:sp3d/>
     <dgm:txPr/>
     <dgm:style>
       <a:lnRef idx="2">
@@ -2805,7 +2756,6 @@
       <a:camera prst="orthographicFront"/>
       <a:lightRig rig="threePt" dir="t"/>
     </dgm:scene3d>
-    <dgm:sp3d/>
     <dgm:txPr/>
     <dgm:style>
       <a:lnRef idx="2">
@@ -2825,7 +2775,6 @@
       <a:camera prst="orthographicFront"/>
       <a:lightRig rig="threePt" dir="t"/>
     </dgm:scene3d>
-    <dgm:sp3d/>
     <dgm:txPr/>
     <dgm:style>
       <a:lnRef idx="2">
@@ -2845,7 +2794,6 @@
       <a:camera prst="orthographicFront"/>
       <a:lightRig rig="threePt" dir="t"/>
     </dgm:scene3d>
-    <dgm:sp3d/>
     <dgm:txPr/>
     <dgm:style>
       <a:lnRef idx="1">
@@ -2865,7 +2813,6 @@
       <a:camera prst="orthographicFront"/>
       <a:lightRig rig="threePt" dir="t"/>
     </dgm:scene3d>
-    <dgm:sp3d/>
     <dgm:txPr/>
     <dgm:style>
       <a:lnRef idx="0">
@@ -2885,7 +2832,6 @@
       <a:camera prst="orthographicFront"/>
       <a:lightRig rig="threePt" dir="t"/>
     </dgm:scene3d>
-    <dgm:sp3d/>
     <dgm:txPr/>
     <dgm:style>
       <a:lnRef idx="2">
@@ -2987,7 +2933,6 @@
           <a:p>
             <a:fld id="{62B690D2-9F6C-4A40-B045-5871089CDE7B}" type="datetimeFigureOut">
               <a:rPr lang="zh-CN" altLang="en-US" smtClean="0"/>
-              <a:t>2018/9/8</a:t>
             </a:fld>
             <a:endParaRPr lang="zh-CN" altLang="en-US"/>
           </a:p>
@@ -3054,6 +2999,7 @@
               <a:rPr lang="zh-CN" altLang="en-US" smtClean="0"/>
               <a:t>单击此处编辑母版文本样式</a:t>
             </a:r>
+            <a:endParaRPr lang="zh-CN" altLang="en-US" smtClean="0"/>
           </a:p>
           <a:p>
             <a:pPr lvl="1"/>
@@ -3061,6 +3007,7 @@
               <a:rPr lang="zh-CN" altLang="en-US" smtClean="0"/>
               <a:t>第二级</a:t>
             </a:r>
+            <a:endParaRPr lang="zh-CN" altLang="en-US" smtClean="0"/>
           </a:p>
           <a:p>
             <a:pPr lvl="2"/>
@@ -3068,6 +3015,7 @@
               <a:rPr lang="zh-CN" altLang="en-US" smtClean="0"/>
               <a:t>第三级</a:t>
             </a:r>
+            <a:endParaRPr lang="zh-CN" altLang="en-US" smtClean="0"/>
           </a:p>
           <a:p>
             <a:pPr lvl="3"/>
@@ -3075,6 +3023,7 @@
               <a:rPr lang="zh-CN" altLang="en-US" smtClean="0"/>
               <a:t>第四级</a:t>
             </a:r>
+            <a:endParaRPr lang="zh-CN" altLang="en-US" smtClean="0"/>
           </a:p>
           <a:p>
             <a:pPr lvl="4"/>
@@ -3146,7 +3095,6 @@
           <a:p>
             <a:fld id="{FF6B7014-1CA7-42FF-9E69-87C27AE33F47}" type="slidenum">
               <a:rPr lang="zh-CN" altLang="en-US" smtClean="0"/>
-              <a:t>‹#›</a:t>
             </a:fld>
             <a:endParaRPr lang="zh-CN" altLang="en-US"/>
           </a:p>
@@ -3251,7 +3199,7 @@
 </file>
 
 <file path=ppt/slideLayouts/slideLayout1.xml><?xml version="1.0" encoding="utf-8"?>
-<p:sldLayout xmlns:a="http://schemas.openxmlformats.org/drawingml/2006/main" xmlns:r="http://schemas.openxmlformats.org/officeDocument/2006/relationships" xmlns:p="http://schemas.openxmlformats.org/presentationml/2006/main" showMasterSp="0" type="title" preserve="1">
+<p:sldLayout xmlns:a="http://schemas.openxmlformats.org/drawingml/2006/main" xmlns:r="http://schemas.openxmlformats.org/officeDocument/2006/relationships" xmlns:p="http://schemas.openxmlformats.org/presentationml/2006/main" type="title" preserve="1" showMasterSp="0">
   <p:cSld name="标题幻灯片">
     <p:spTree>
       <p:nvGrpSpPr>
@@ -3972,7 +3920,6 @@
           <a:p>
             <a:fld id="{F0A08C6D-CA89-457F-88D7-56281A3E4E44}" type="datetimeFigureOut">
               <a:rPr lang="zh-CN" altLang="en-US" smtClean="0"/>
-              <a:t>2018/9/8</a:t>
             </a:fld>
             <a:endParaRPr lang="zh-CN" altLang="en-US"/>
           </a:p>
@@ -4014,7 +3961,6 @@
           <a:p>
             <a:fld id="{B91AF05B-36DC-4AAC-BE10-EF106711337F}" type="slidenum">
               <a:rPr lang="zh-CN" altLang="en-US" smtClean="0"/>
-              <a:t>‹#›</a:t>
             </a:fld>
             <a:endParaRPr lang="zh-CN" altLang="en-US"/>
           </a:p>
@@ -4198,6 +4144,7 @@
               <a:rPr lang="zh-CN" altLang="en-US" smtClean="0"/>
               <a:t>单击此处编辑母版文本样式</a:t>
             </a:r>
+            <a:endParaRPr lang="zh-CN" altLang="en-US" smtClean="0"/>
           </a:p>
         </p:txBody>
       </p:sp>
@@ -4218,7 +4165,6 @@
           <a:p>
             <a:fld id="{F0A08C6D-CA89-457F-88D7-56281A3E4E44}" type="datetimeFigureOut">
               <a:rPr lang="zh-CN" altLang="en-US" smtClean="0"/>
-              <a:t>2018/9/8</a:t>
             </a:fld>
             <a:endParaRPr lang="zh-CN" altLang="en-US"/>
           </a:p>
@@ -4260,7 +4206,6 @@
           <a:p>
             <a:fld id="{B91AF05B-36DC-4AAC-BE10-EF106711337F}" type="slidenum">
               <a:rPr lang="zh-CN" altLang="en-US" smtClean="0"/>
-              <a:t>‹#›</a:t>
             </a:fld>
             <a:endParaRPr lang="zh-CN" altLang="en-US"/>
           </a:p>
@@ -4385,6 +4330,7 @@
               <a:rPr lang="zh-CN" altLang="en-US" smtClean="0"/>
               <a:t>单击此处编辑母版文本样式</a:t>
             </a:r>
+            <a:endParaRPr lang="zh-CN" altLang="en-US" smtClean="0"/>
           </a:p>
         </p:txBody>
       </p:sp>
@@ -4507,6 +4453,7 @@
               <a:rPr lang="zh-CN" altLang="en-US" smtClean="0"/>
               <a:t>单击此处编辑母版文本样式</a:t>
             </a:r>
+            <a:endParaRPr lang="zh-CN" altLang="en-US" smtClean="0"/>
           </a:p>
         </p:txBody>
       </p:sp>
@@ -4527,7 +4474,6 @@
           <a:p>
             <a:fld id="{F0A08C6D-CA89-457F-88D7-56281A3E4E44}" type="datetimeFigureOut">
               <a:rPr lang="zh-CN" altLang="en-US" smtClean="0"/>
-              <a:t>2018/9/8</a:t>
             </a:fld>
             <a:endParaRPr lang="zh-CN" altLang="en-US"/>
           </a:p>
@@ -4569,7 +4515,6 @@
           <a:p>
             <a:fld id="{B91AF05B-36DC-4AAC-BE10-EF106711337F}" type="slidenum">
               <a:rPr lang="zh-CN" altLang="en-US" smtClean="0"/>
-              <a:t>‹#›</a:t>
             </a:fld>
             <a:endParaRPr lang="zh-CN" altLang="en-US"/>
           </a:p>
@@ -4613,6 +4558,19 @@
               </a:rPr>
               <a:t>“</a:t>
             </a:r>
+            <a:endParaRPr lang="en-US" sz="8000" baseline="0" dirty="0">
+              <a:ln w="3175" cmpd="sng">
+                <a:noFill/>
+              </a:ln>
+              <a:solidFill>
+                <a:schemeClr val="accent1">
+                  <a:lumMod val="60000"/>
+                  <a:lumOff val="40000"/>
+                </a:schemeClr>
+              </a:solidFill>
+              <a:effectLst/>
+              <a:latin typeface="Arial" panose="020B0604020202020204"/>
+            </a:endParaRPr>
           </a:p>
         </p:txBody>
       </p:sp>
@@ -4843,6 +4801,7 @@
               <a:rPr lang="zh-CN" altLang="en-US" smtClean="0"/>
               <a:t>单击此处编辑母版文本样式</a:t>
             </a:r>
+            <a:endParaRPr lang="zh-CN" altLang="en-US" smtClean="0"/>
           </a:p>
         </p:txBody>
       </p:sp>
@@ -4863,7 +4822,6 @@
           <a:p>
             <a:fld id="{F0A08C6D-CA89-457F-88D7-56281A3E4E44}" type="datetimeFigureOut">
               <a:rPr lang="zh-CN" altLang="en-US" smtClean="0"/>
-              <a:t>2018/9/8</a:t>
             </a:fld>
             <a:endParaRPr lang="zh-CN" altLang="en-US"/>
           </a:p>
@@ -4905,7 +4863,6 @@
           <a:p>
             <a:fld id="{B91AF05B-36DC-4AAC-BE10-EF106711337F}" type="slidenum">
               <a:rPr lang="zh-CN" altLang="en-US" smtClean="0"/>
-              <a:t>‹#›</a:t>
             </a:fld>
             <a:endParaRPr lang="zh-CN" altLang="en-US"/>
           </a:p>
@@ -5030,6 +4987,7 @@
               <a:rPr lang="zh-CN" altLang="en-US" smtClean="0"/>
               <a:t>单击此处编辑母版文本样式</a:t>
             </a:r>
+            <a:endParaRPr lang="zh-CN" altLang="en-US" smtClean="0"/>
           </a:p>
         </p:txBody>
       </p:sp>
@@ -5152,6 +5110,7 @@
               <a:rPr lang="zh-CN" altLang="en-US" smtClean="0"/>
               <a:t>单击此处编辑母版文本样式</a:t>
             </a:r>
+            <a:endParaRPr lang="zh-CN" altLang="en-US" smtClean="0"/>
           </a:p>
         </p:txBody>
       </p:sp>
@@ -5172,7 +5131,6 @@
           <a:p>
             <a:fld id="{F0A08C6D-CA89-457F-88D7-56281A3E4E44}" type="datetimeFigureOut">
               <a:rPr lang="zh-CN" altLang="en-US" smtClean="0"/>
-              <a:t>2018/9/8</a:t>
             </a:fld>
             <a:endParaRPr lang="zh-CN" altLang="en-US"/>
           </a:p>
@@ -5214,7 +5172,6 @@
           <a:p>
             <a:fld id="{B91AF05B-36DC-4AAC-BE10-EF106711337F}" type="slidenum">
               <a:rPr lang="zh-CN" altLang="en-US" smtClean="0"/>
-              <a:t>‹#›</a:t>
             </a:fld>
             <a:endParaRPr lang="zh-CN" altLang="en-US"/>
           </a:p>
@@ -5258,6 +5215,19 @@
               </a:rPr>
               <a:t>“</a:t>
             </a:r>
+            <a:endParaRPr lang="en-US" sz="8000" baseline="0" dirty="0">
+              <a:ln w="3175" cmpd="sng">
+                <a:noFill/>
+              </a:ln>
+              <a:solidFill>
+                <a:schemeClr val="accent1">
+                  <a:lumMod val="60000"/>
+                  <a:lumOff val="40000"/>
+                </a:schemeClr>
+              </a:solidFill>
+              <a:effectLst/>
+              <a:latin typeface="Arial" panose="020B0604020202020204"/>
+            </a:endParaRPr>
           </a:p>
         </p:txBody>
       </p:sp>
@@ -5299,6 +5269,19 @@
               </a:rPr>
               <a:t>”</a:t>
             </a:r>
+            <a:endParaRPr lang="en-US" sz="8000" baseline="0" dirty="0">
+              <a:ln w="3175" cmpd="sng">
+                <a:noFill/>
+              </a:ln>
+              <a:solidFill>
+                <a:schemeClr val="accent1">
+                  <a:lumMod val="60000"/>
+                  <a:lumOff val="40000"/>
+                </a:schemeClr>
+              </a:solidFill>
+              <a:effectLst/>
+              <a:latin typeface="Arial" panose="020B0604020202020204"/>
+            </a:endParaRPr>
           </a:p>
         </p:txBody>
       </p:sp>
@@ -5418,6 +5401,7 @@
               <a:rPr lang="zh-CN" altLang="en-US" smtClean="0"/>
               <a:t>单击此处编辑母版文本样式</a:t>
             </a:r>
+            <a:endParaRPr lang="zh-CN" altLang="en-US" smtClean="0"/>
           </a:p>
         </p:txBody>
       </p:sp>
@@ -5540,6 +5524,7 @@
               <a:rPr lang="zh-CN" altLang="en-US" smtClean="0"/>
               <a:t>单击此处编辑母版文本样式</a:t>
             </a:r>
+            <a:endParaRPr lang="zh-CN" altLang="en-US" smtClean="0"/>
           </a:p>
         </p:txBody>
       </p:sp>
@@ -5560,7 +5545,6 @@
           <a:p>
             <a:fld id="{F0A08C6D-CA89-457F-88D7-56281A3E4E44}" type="datetimeFigureOut">
               <a:rPr lang="zh-CN" altLang="en-US" smtClean="0"/>
-              <a:t>2018/9/8</a:t>
             </a:fld>
             <a:endParaRPr lang="zh-CN" altLang="en-US"/>
           </a:p>
@@ -5602,7 +5586,6 @@
           <a:p>
             <a:fld id="{B91AF05B-36DC-4AAC-BE10-EF106711337F}" type="slidenum">
               <a:rPr lang="zh-CN" altLang="en-US" smtClean="0"/>
-              <a:t>‹#›</a:t>
             </a:fld>
             <a:endParaRPr lang="zh-CN" altLang="en-US"/>
           </a:p>
@@ -5676,6 +5659,7 @@
               <a:rPr lang="zh-CN" altLang="en-US" smtClean="0"/>
               <a:t>单击此处编辑母版文本样式</a:t>
             </a:r>
+            <a:endParaRPr lang="zh-CN" altLang="en-US" smtClean="0"/>
           </a:p>
           <a:p>
             <a:pPr lvl="1"/>
@@ -5683,6 +5667,7 @@
               <a:rPr lang="zh-CN" altLang="en-US" smtClean="0"/>
               <a:t>第二级</a:t>
             </a:r>
+            <a:endParaRPr lang="zh-CN" altLang="en-US" smtClean="0"/>
           </a:p>
           <a:p>
             <a:pPr lvl="2"/>
@@ -5690,6 +5675,7 @@
               <a:rPr lang="zh-CN" altLang="en-US" smtClean="0"/>
               <a:t>第三级</a:t>
             </a:r>
+            <a:endParaRPr lang="zh-CN" altLang="en-US" smtClean="0"/>
           </a:p>
           <a:p>
             <a:pPr lvl="3"/>
@@ -5697,6 +5683,7 @@
               <a:rPr lang="zh-CN" altLang="en-US" smtClean="0"/>
               <a:t>第四级</a:t>
             </a:r>
+            <a:endParaRPr lang="zh-CN" altLang="en-US" smtClean="0"/>
           </a:p>
           <a:p>
             <a:pPr lvl="4"/>
@@ -5725,7 +5712,6 @@
           <a:p>
             <a:fld id="{F0A08C6D-CA89-457F-88D7-56281A3E4E44}" type="datetimeFigureOut">
               <a:rPr lang="zh-CN" altLang="en-US" smtClean="0"/>
-              <a:t>2018/9/8</a:t>
             </a:fld>
             <a:endParaRPr lang="zh-CN" altLang="en-US"/>
           </a:p>
@@ -5767,7 +5753,6 @@
           <a:p>
             <a:fld id="{B91AF05B-36DC-4AAC-BE10-EF106711337F}" type="slidenum">
               <a:rPr lang="zh-CN" altLang="en-US" smtClean="0"/>
-              <a:t>‹#›</a:t>
             </a:fld>
             <a:endParaRPr lang="zh-CN" altLang="en-US"/>
           </a:p>
@@ -5851,6 +5836,7 @@
               <a:rPr lang="zh-CN" altLang="en-US" smtClean="0"/>
               <a:t>单击此处编辑母版文本样式</a:t>
             </a:r>
+            <a:endParaRPr lang="zh-CN" altLang="en-US" smtClean="0"/>
           </a:p>
           <a:p>
             <a:pPr lvl="1"/>
@@ -5858,6 +5844,7 @@
               <a:rPr lang="zh-CN" altLang="en-US" smtClean="0"/>
               <a:t>第二级</a:t>
             </a:r>
+            <a:endParaRPr lang="zh-CN" altLang="en-US" smtClean="0"/>
           </a:p>
           <a:p>
             <a:pPr lvl="2"/>
@@ -5865,6 +5852,7 @@
               <a:rPr lang="zh-CN" altLang="en-US" smtClean="0"/>
               <a:t>第三级</a:t>
             </a:r>
+            <a:endParaRPr lang="zh-CN" altLang="en-US" smtClean="0"/>
           </a:p>
           <a:p>
             <a:pPr lvl="3"/>
@@ -5872,6 +5860,7 @@
               <a:rPr lang="zh-CN" altLang="en-US" smtClean="0"/>
               <a:t>第四级</a:t>
             </a:r>
+            <a:endParaRPr lang="zh-CN" altLang="en-US" smtClean="0"/>
           </a:p>
           <a:p>
             <a:pPr lvl="4"/>
@@ -5900,7 +5889,6 @@
           <a:p>
             <a:fld id="{F0A08C6D-CA89-457F-88D7-56281A3E4E44}" type="datetimeFigureOut">
               <a:rPr lang="zh-CN" altLang="en-US" smtClean="0"/>
-              <a:t>2018/9/8</a:t>
             </a:fld>
             <a:endParaRPr lang="zh-CN" altLang="en-US"/>
           </a:p>
@@ -5942,7 +5930,6 @@
           <a:p>
             <a:fld id="{B91AF05B-36DC-4AAC-BE10-EF106711337F}" type="slidenum">
               <a:rPr lang="zh-CN" altLang="en-US" smtClean="0"/>
-              <a:t>‹#›</a:t>
             </a:fld>
             <a:endParaRPr lang="zh-CN" altLang="en-US"/>
           </a:p>
@@ -6022,6 +6009,7 @@
               <a:rPr lang="zh-CN" altLang="en-US" smtClean="0"/>
               <a:t>单击此处编辑母版文本样式</a:t>
             </a:r>
+            <a:endParaRPr lang="zh-CN" altLang="en-US" smtClean="0"/>
           </a:p>
           <a:p>
             <a:pPr lvl="1"/>
@@ -6029,6 +6017,7 @@
               <a:rPr lang="zh-CN" altLang="en-US" smtClean="0"/>
               <a:t>第二级</a:t>
             </a:r>
+            <a:endParaRPr lang="zh-CN" altLang="en-US" smtClean="0"/>
           </a:p>
           <a:p>
             <a:pPr lvl="2"/>
@@ -6036,6 +6025,7 @@
               <a:rPr lang="zh-CN" altLang="en-US" smtClean="0"/>
               <a:t>第三级</a:t>
             </a:r>
+            <a:endParaRPr lang="zh-CN" altLang="en-US" smtClean="0"/>
           </a:p>
           <a:p>
             <a:pPr lvl="3"/>
@@ -6043,6 +6033,7 @@
               <a:rPr lang="zh-CN" altLang="en-US" smtClean="0"/>
               <a:t>第四级</a:t>
             </a:r>
+            <a:endParaRPr lang="zh-CN" altLang="en-US" smtClean="0"/>
           </a:p>
           <a:p>
             <a:pPr lvl="4"/>
@@ -6071,7 +6062,6 @@
           <a:p>
             <a:fld id="{F0A08C6D-CA89-457F-88D7-56281A3E4E44}" type="datetimeFigureOut">
               <a:rPr lang="zh-CN" altLang="en-US" smtClean="0"/>
-              <a:t>2018/9/8</a:t>
             </a:fld>
             <a:endParaRPr lang="zh-CN" altLang="en-US"/>
           </a:p>
@@ -6113,7 +6103,6 @@
           <a:p>
             <a:fld id="{B91AF05B-36DC-4AAC-BE10-EF106711337F}" type="slidenum">
               <a:rPr lang="zh-CN" altLang="en-US" smtClean="0"/>
-              <a:t>‹#›</a:t>
             </a:fld>
             <a:endParaRPr lang="zh-CN" altLang="en-US"/>
           </a:p>
@@ -6323,6 +6312,7 @@
               <a:rPr lang="zh-CN" altLang="en-US" smtClean="0"/>
               <a:t>单击此处编辑母版文本样式</a:t>
             </a:r>
+            <a:endParaRPr lang="zh-CN" altLang="en-US" smtClean="0"/>
           </a:p>
         </p:txBody>
       </p:sp>
@@ -6343,7 +6333,6 @@
           <a:p>
             <a:fld id="{F0A08C6D-CA89-457F-88D7-56281A3E4E44}" type="datetimeFigureOut">
               <a:rPr lang="zh-CN" altLang="en-US" smtClean="0"/>
-              <a:t>2018/9/8</a:t>
             </a:fld>
             <a:endParaRPr lang="zh-CN" altLang="en-US"/>
           </a:p>
@@ -6385,7 +6374,6 @@
           <a:p>
             <a:fld id="{B91AF05B-36DC-4AAC-BE10-EF106711337F}" type="slidenum">
               <a:rPr lang="zh-CN" altLang="en-US" smtClean="0"/>
-              <a:t>‹#›</a:t>
             </a:fld>
             <a:endParaRPr lang="zh-CN" altLang="en-US"/>
           </a:p>
@@ -6464,6 +6452,7 @@
               <a:rPr lang="zh-CN" altLang="en-US" smtClean="0"/>
               <a:t>单击此处编辑母版文本样式</a:t>
             </a:r>
+            <a:endParaRPr lang="zh-CN" altLang="en-US" smtClean="0"/>
           </a:p>
           <a:p>
             <a:pPr lvl="1"/>
@@ -6471,6 +6460,7 @@
               <a:rPr lang="zh-CN" altLang="en-US" smtClean="0"/>
               <a:t>第二级</a:t>
             </a:r>
+            <a:endParaRPr lang="zh-CN" altLang="en-US" smtClean="0"/>
           </a:p>
           <a:p>
             <a:pPr lvl="2"/>
@@ -6478,6 +6468,7 @@
               <a:rPr lang="zh-CN" altLang="en-US" smtClean="0"/>
               <a:t>第三级</a:t>
             </a:r>
+            <a:endParaRPr lang="zh-CN" altLang="en-US" smtClean="0"/>
           </a:p>
           <a:p>
             <a:pPr lvl="3"/>
@@ -6485,6 +6476,7 @@
               <a:rPr lang="zh-CN" altLang="en-US" smtClean="0"/>
               <a:t>第四级</a:t>
             </a:r>
+            <a:endParaRPr lang="zh-CN" altLang="en-US" smtClean="0"/>
           </a:p>
           <a:p>
             <a:pPr lvl="4"/>
@@ -6521,6 +6513,7 @@
               <a:rPr lang="zh-CN" altLang="en-US" smtClean="0"/>
               <a:t>单击此处编辑母版文本样式</a:t>
             </a:r>
+            <a:endParaRPr lang="zh-CN" altLang="en-US" smtClean="0"/>
           </a:p>
           <a:p>
             <a:pPr lvl="1"/>
@@ -6528,6 +6521,7 @@
               <a:rPr lang="zh-CN" altLang="en-US" smtClean="0"/>
               <a:t>第二级</a:t>
             </a:r>
+            <a:endParaRPr lang="zh-CN" altLang="en-US" smtClean="0"/>
           </a:p>
           <a:p>
             <a:pPr lvl="2"/>
@@ -6535,6 +6529,7 @@
               <a:rPr lang="zh-CN" altLang="en-US" smtClean="0"/>
               <a:t>第三级</a:t>
             </a:r>
+            <a:endParaRPr lang="zh-CN" altLang="en-US" smtClean="0"/>
           </a:p>
           <a:p>
             <a:pPr lvl="3"/>
@@ -6542,6 +6537,7 @@
               <a:rPr lang="zh-CN" altLang="en-US" smtClean="0"/>
               <a:t>第四级</a:t>
             </a:r>
+            <a:endParaRPr lang="zh-CN" altLang="en-US" smtClean="0"/>
           </a:p>
           <a:p>
             <a:pPr lvl="4"/>
@@ -6570,7 +6566,6 @@
           <a:p>
             <a:fld id="{F0A08C6D-CA89-457F-88D7-56281A3E4E44}" type="datetimeFigureOut">
               <a:rPr lang="zh-CN" altLang="en-US" smtClean="0"/>
-              <a:t>2018/9/8</a:t>
             </a:fld>
             <a:endParaRPr lang="zh-CN" altLang="en-US"/>
           </a:p>
@@ -6612,7 +6607,6 @@
           <a:p>
             <a:fld id="{B91AF05B-36DC-4AAC-BE10-EF106711337F}" type="slidenum">
               <a:rPr lang="zh-CN" altLang="en-US" smtClean="0"/>
-              <a:t>‹#›</a:t>
             </a:fld>
             <a:endParaRPr lang="zh-CN" altLang="en-US"/>
           </a:p>
@@ -6734,6 +6728,7 @@
               <a:rPr lang="zh-CN" altLang="en-US" smtClean="0"/>
               <a:t>单击此处编辑母版文本样式</a:t>
             </a:r>
+            <a:endParaRPr lang="zh-CN" altLang="en-US" smtClean="0"/>
           </a:p>
         </p:txBody>
       </p:sp>
@@ -6764,6 +6759,7 @@
               <a:rPr lang="zh-CN" altLang="en-US" smtClean="0"/>
               <a:t>单击此处编辑母版文本样式</a:t>
             </a:r>
+            <a:endParaRPr lang="zh-CN" altLang="en-US" smtClean="0"/>
           </a:p>
           <a:p>
             <a:pPr lvl="1"/>
@@ -6771,6 +6767,7 @@
               <a:rPr lang="zh-CN" altLang="en-US" smtClean="0"/>
               <a:t>第二级</a:t>
             </a:r>
+            <a:endParaRPr lang="zh-CN" altLang="en-US" smtClean="0"/>
           </a:p>
           <a:p>
             <a:pPr lvl="2"/>
@@ -6778,6 +6775,7 @@
               <a:rPr lang="zh-CN" altLang="en-US" smtClean="0"/>
               <a:t>第三级</a:t>
             </a:r>
+            <a:endParaRPr lang="zh-CN" altLang="en-US" smtClean="0"/>
           </a:p>
           <a:p>
             <a:pPr lvl="3"/>
@@ -6785,6 +6783,7 @@
               <a:rPr lang="zh-CN" altLang="en-US" smtClean="0"/>
               <a:t>第四级</a:t>
             </a:r>
+            <a:endParaRPr lang="zh-CN" altLang="en-US" smtClean="0"/>
           </a:p>
           <a:p>
             <a:pPr lvl="4"/>
@@ -6860,6 +6859,7 @@
               <a:rPr lang="zh-CN" altLang="en-US" smtClean="0"/>
               <a:t>单击此处编辑母版文本样式</a:t>
             </a:r>
+            <a:endParaRPr lang="zh-CN" altLang="en-US" smtClean="0"/>
           </a:p>
         </p:txBody>
       </p:sp>
@@ -6890,6 +6890,7 @@
               <a:rPr lang="zh-CN" altLang="en-US" smtClean="0"/>
               <a:t>单击此处编辑母版文本样式</a:t>
             </a:r>
+            <a:endParaRPr lang="zh-CN" altLang="en-US" smtClean="0"/>
           </a:p>
           <a:p>
             <a:pPr lvl="1"/>
@@ -6897,6 +6898,7 @@
               <a:rPr lang="zh-CN" altLang="en-US" smtClean="0"/>
               <a:t>第二级</a:t>
             </a:r>
+            <a:endParaRPr lang="zh-CN" altLang="en-US" smtClean="0"/>
           </a:p>
           <a:p>
             <a:pPr lvl="2"/>
@@ -6904,6 +6906,7 @@
               <a:rPr lang="zh-CN" altLang="en-US" smtClean="0"/>
               <a:t>第三级</a:t>
             </a:r>
+            <a:endParaRPr lang="zh-CN" altLang="en-US" smtClean="0"/>
           </a:p>
           <a:p>
             <a:pPr lvl="3"/>
@@ -6911,6 +6914,7 @@
               <a:rPr lang="zh-CN" altLang="en-US" smtClean="0"/>
               <a:t>第四级</a:t>
             </a:r>
+            <a:endParaRPr lang="zh-CN" altLang="en-US" smtClean="0"/>
           </a:p>
           <a:p>
             <a:pPr lvl="4"/>
@@ -6939,7 +6943,6 @@
           <a:p>
             <a:fld id="{F0A08C6D-CA89-457F-88D7-56281A3E4E44}" type="datetimeFigureOut">
               <a:rPr lang="zh-CN" altLang="en-US" smtClean="0"/>
-              <a:t>2018/9/8</a:t>
             </a:fld>
             <a:endParaRPr lang="zh-CN" altLang="en-US"/>
           </a:p>
@@ -6981,7 +6984,6 @@
           <a:p>
             <a:fld id="{B91AF05B-36DC-4AAC-BE10-EF106711337F}" type="slidenum">
               <a:rPr lang="zh-CN" altLang="en-US" smtClean="0"/>
-              <a:t>‹#›</a:t>
             </a:fld>
             <a:endParaRPr lang="zh-CN" altLang="en-US"/>
           </a:p>
@@ -7057,7 +7059,6 @@
           <a:p>
             <a:fld id="{F0A08C6D-CA89-457F-88D7-56281A3E4E44}" type="datetimeFigureOut">
               <a:rPr lang="zh-CN" altLang="en-US" smtClean="0"/>
-              <a:t>2018/9/8</a:t>
             </a:fld>
             <a:endParaRPr lang="zh-CN" altLang="en-US"/>
           </a:p>
@@ -7099,7 +7100,6 @@
           <a:p>
             <a:fld id="{B91AF05B-36DC-4AAC-BE10-EF106711337F}" type="slidenum">
               <a:rPr lang="zh-CN" altLang="en-US" smtClean="0"/>
-              <a:t>‹#›</a:t>
             </a:fld>
             <a:endParaRPr lang="zh-CN" altLang="en-US"/>
           </a:p>
@@ -7147,7 +7147,6 @@
           <a:p>
             <a:fld id="{F0A08C6D-CA89-457F-88D7-56281A3E4E44}" type="datetimeFigureOut">
               <a:rPr lang="zh-CN" altLang="en-US" smtClean="0"/>
-              <a:t>2018/9/8</a:t>
             </a:fld>
             <a:endParaRPr lang="zh-CN" altLang="en-US"/>
           </a:p>
@@ -7189,7 +7188,6 @@
           <a:p>
             <a:fld id="{B91AF05B-36DC-4AAC-BE10-EF106711337F}" type="slidenum">
               <a:rPr lang="zh-CN" altLang="en-US" smtClean="0"/>
-              <a:t>‹#›</a:t>
             </a:fld>
             <a:endParaRPr lang="zh-CN" altLang="en-US"/>
           </a:p>
@@ -7281,6 +7279,7 @@
               <a:rPr lang="zh-CN" altLang="en-US" smtClean="0"/>
               <a:t>单击此处编辑母版文本样式</a:t>
             </a:r>
+            <a:endParaRPr lang="zh-CN" altLang="en-US" smtClean="0"/>
           </a:p>
           <a:p>
             <a:pPr lvl="1"/>
@@ -7288,6 +7287,7 @@
               <a:rPr lang="zh-CN" altLang="en-US" smtClean="0"/>
               <a:t>第二级</a:t>
             </a:r>
+            <a:endParaRPr lang="zh-CN" altLang="en-US" smtClean="0"/>
           </a:p>
           <a:p>
             <a:pPr lvl="2"/>
@@ -7295,6 +7295,7 @@
               <a:rPr lang="zh-CN" altLang="en-US" smtClean="0"/>
               <a:t>第三级</a:t>
             </a:r>
+            <a:endParaRPr lang="zh-CN" altLang="en-US" smtClean="0"/>
           </a:p>
           <a:p>
             <a:pPr lvl="3"/>
@@ -7302,6 +7303,7 @@
               <a:rPr lang="zh-CN" altLang="en-US" smtClean="0"/>
               <a:t>第四级</a:t>
             </a:r>
+            <a:endParaRPr lang="zh-CN" altLang="en-US" smtClean="0"/>
           </a:p>
           <a:p>
             <a:pPr lvl="4"/>
@@ -7377,6 +7379,7 @@
               <a:rPr lang="zh-CN" altLang="en-US" smtClean="0"/>
               <a:t>单击此处编辑母版文本样式</a:t>
             </a:r>
+            <a:endParaRPr lang="zh-CN" altLang="en-US" smtClean="0"/>
           </a:p>
         </p:txBody>
       </p:sp>
@@ -7397,7 +7400,6 @@
           <a:p>
             <a:fld id="{F0A08C6D-CA89-457F-88D7-56281A3E4E44}" type="datetimeFigureOut">
               <a:rPr lang="zh-CN" altLang="en-US" smtClean="0"/>
-              <a:t>2018/9/8</a:t>
             </a:fld>
             <a:endParaRPr lang="zh-CN" altLang="en-US"/>
           </a:p>
@@ -7439,7 +7441,6 @@
           <a:p>
             <a:fld id="{B91AF05B-36DC-4AAC-BE10-EF106711337F}" type="slidenum">
               <a:rPr lang="zh-CN" altLang="en-US" smtClean="0"/>
-              <a:t>‹#›</a:t>
             </a:fld>
             <a:endParaRPr lang="zh-CN" altLang="en-US"/>
           </a:p>
@@ -7635,6 +7636,7 @@
               <a:rPr lang="zh-CN" altLang="en-US" smtClean="0"/>
               <a:t>单击此处编辑母版文本样式</a:t>
             </a:r>
+            <a:endParaRPr lang="zh-CN" altLang="en-US" smtClean="0"/>
           </a:p>
         </p:txBody>
       </p:sp>
@@ -7655,7 +7657,6 @@
           <a:p>
             <a:fld id="{F0A08C6D-CA89-457F-88D7-56281A3E4E44}" type="datetimeFigureOut">
               <a:rPr lang="zh-CN" altLang="en-US" smtClean="0"/>
-              <a:t>2018/9/8</a:t>
             </a:fld>
             <a:endParaRPr lang="zh-CN" altLang="en-US"/>
           </a:p>
@@ -7697,7 +7698,6 @@
           <a:p>
             <a:fld id="{B91AF05B-36DC-4AAC-BE10-EF106711337F}" type="slidenum">
               <a:rPr lang="zh-CN" altLang="en-US" smtClean="0"/>
-              <a:t>‹#›</a:t>
             </a:fld>
             <a:endParaRPr lang="zh-CN" altLang="en-US"/>
           </a:p>
@@ -8326,6 +8326,7 @@
               <a:rPr lang="zh-CN" altLang="en-US" smtClean="0"/>
               <a:t>单击此处编辑母版文本样式</a:t>
             </a:r>
+            <a:endParaRPr lang="zh-CN" altLang="en-US" smtClean="0"/>
           </a:p>
           <a:p>
             <a:pPr lvl="1"/>
@@ -8333,6 +8334,7 @@
               <a:rPr lang="zh-CN" altLang="en-US" smtClean="0"/>
               <a:t>第二级</a:t>
             </a:r>
+            <a:endParaRPr lang="zh-CN" altLang="en-US" smtClean="0"/>
           </a:p>
           <a:p>
             <a:pPr lvl="2"/>
@@ -8340,6 +8342,7 @@
               <a:rPr lang="zh-CN" altLang="en-US" smtClean="0"/>
               <a:t>第三级</a:t>
             </a:r>
+            <a:endParaRPr lang="zh-CN" altLang="en-US" smtClean="0"/>
           </a:p>
           <a:p>
             <a:pPr lvl="3"/>
@@ -8347,6 +8350,7 @@
               <a:rPr lang="zh-CN" altLang="en-US" smtClean="0"/>
               <a:t>第四级</a:t>
             </a:r>
+            <a:endParaRPr lang="zh-CN" altLang="en-US" smtClean="0"/>
           </a:p>
           <a:p>
             <a:pPr lvl="4"/>
@@ -8393,7 +8397,6 @@
           <a:p>
             <a:fld id="{F0A08C6D-CA89-457F-88D7-56281A3E4E44}" type="datetimeFigureOut">
               <a:rPr lang="zh-CN" altLang="en-US" smtClean="0"/>
-              <a:t>2018/9/8</a:t>
             </a:fld>
             <a:endParaRPr lang="zh-CN" altLang="en-US"/>
           </a:p>
@@ -8469,7 +8472,6 @@
           <a:p>
             <a:fld id="{B91AF05B-36DC-4AAC-BE10-EF106711337F}" type="slidenum">
               <a:rPr lang="zh-CN" altLang="en-US" smtClean="0"/>
-              <a:t>‹#›</a:t>
             </a:fld>
             <a:endParaRPr lang="zh-CN" altLang="en-US"/>
           </a:p>
@@ -9062,21 +9064,18 @@
           </a:p>
           <a:p>
             <a:r>
-              <a:rPr lang="en-US" altLang="zh-CN" sz="2800" dirty="0" err="1" smtClean="0">
-                <a:solidFill>
-                  <a:schemeClr val="tx1"/>
-                </a:solidFill>
-              </a:rPr>
-              <a:t>jicheng</a:t>
-            </a:r>
-            <a:r>
               <a:rPr lang="en-US" altLang="zh-CN" sz="2800" dirty="0" smtClean="0">
                 <a:solidFill>
                   <a:schemeClr val="tx1"/>
                 </a:solidFill>
               </a:rPr>
-              <a:t>     yahoo . com</a:t>
-            </a:r>
+              <a:t>jicheng @ yahoo . Com</a:t>
+            </a:r>
+            <a:endParaRPr lang="en-US" altLang="zh-CN" sz="2800" dirty="0" smtClean="0">
+              <a:solidFill>
+                <a:schemeClr val="tx1"/>
+              </a:solidFill>
+            </a:endParaRPr>
           </a:p>
           <a:p>
             <a:r>
@@ -9095,6 +9094,11 @@
               </a:rPr>
               <a:t>github.com/jichenghu/</a:t>
             </a:r>
+            <a:endParaRPr lang="en-US" altLang="zh-CN" sz="2800" dirty="0" smtClean="0">
+              <a:solidFill>
+                <a:schemeClr val="tx1"/>
+              </a:solidFill>
+            </a:endParaRPr>
           </a:p>
         </p:txBody>
       </p:sp>
@@ -9107,7 +9111,7 @@
           <p:nvPr/>
         </p:nvPicPr>
         <p:blipFill>
-          <a:blip r:embed="rId2">
+          <a:blip r:embed="rId1">
             <a:extLst>
               <a:ext uri="{28A0092B-C50C-407E-A947-70E740481C1C}">
                 <a14:useLocalDpi xmlns:a14="http://schemas.microsoft.com/office/drawing/2010/main" val="0"/>
@@ -9137,36 +9141,6 @@
               </a14:hiddenFill>
             </a:ext>
           </a:extLst>
-        </p:spPr>
-      </p:pic>
-      <p:pic>
-        <p:nvPicPr>
-          <p:cNvPr id="4" name="图片 3"/>
-          <p:cNvPicPr>
-            <a:picLocks noChangeAspect="1"/>
-          </p:cNvPicPr>
-          <p:nvPr/>
-        </p:nvPicPr>
-        <p:blipFill>
-          <a:blip r:embed="rId3" cstate="print">
-            <a:extLst>
-              <a:ext uri="{28A0092B-C50C-407E-A947-70E740481C1C}">
-                <a14:useLocalDpi xmlns:a14="http://schemas.microsoft.com/office/drawing/2010/main" val="0"/>
-              </a:ext>
-            </a:extLst>
-          </a:blip>
-          <a:stretch>
-            <a:fillRect/>
-          </a:stretch>
-        </p:blipFill>
-        <p:spPr>
-          <a:xfrm>
-            <a:off x="5372377" y="5550010"/>
-            <a:ext cx="466696" cy="446473"/>
-          </a:xfrm>
-          <a:prstGeom prst="rect">
-            <a:avLst/>
-          </a:prstGeom>
         </p:spPr>
       </p:pic>
     </p:spTree>
@@ -9226,7 +9200,6 @@
             </a:pPr>
             <a:fld id="{B18F26D4-EC69-47C4-AAE8-2B8CBD911E17}" type="slidenum">
               <a:rPr lang="zh-CN" altLang="en-US"/>
-              <a:t>10</a:t>
             </a:fld>
             <a:endParaRPr lang="en-US" altLang="zh-CN"/>
           </a:p>
@@ -9257,6 +9230,12 @@
               </a:rPr>
               <a:t>重点补充的内容</a:t>
             </a:r>
+            <a:endParaRPr lang="zh-CN" altLang="en-US" sz="6500">
+              <a:solidFill>
+                <a:schemeClr val="accent2"/>
+              </a:solidFill>
+              <a:ea typeface="华文行楷" panose="02010800040101010101" pitchFamily="2" charset="-122"/>
+            </a:endParaRPr>
           </a:p>
         </p:txBody>
       </p:sp>
@@ -9291,6 +9270,7 @@
               <a:rPr lang="zh-CN" altLang="en-US" sz="4400" dirty="0" smtClean="0"/>
               <a:t>底层事件机制</a:t>
             </a:r>
+            <a:endParaRPr lang="zh-CN" altLang="en-US" sz="4400" dirty="0" smtClean="0"/>
           </a:p>
           <a:p>
             <a:pPr eaLnBrk="1" hangingPunct="1"/>
@@ -9298,6 +9278,7 @@
               <a:rPr lang="zh-CN" altLang="en-US" sz="4400" dirty="0" smtClean="0"/>
               <a:t>回调函数</a:t>
             </a:r>
+            <a:endParaRPr lang="zh-CN" altLang="en-US" sz="4400" dirty="0" smtClean="0"/>
           </a:p>
           <a:p>
             <a:pPr eaLnBrk="1" hangingPunct="1"/>
@@ -9321,6 +9302,7 @@
               <a:rPr lang="zh-CN" altLang="en-US" sz="4400" dirty="0" smtClean="0"/>
               <a:t>打包与部署</a:t>
             </a:r>
+            <a:endParaRPr lang="zh-CN" altLang="en-US" sz="4400" dirty="0" smtClean="0"/>
           </a:p>
         </p:txBody>
       </p:sp>
@@ -9496,7 +9478,6 @@
             </a:pPr>
             <a:fld id="{EF72C54F-E7F3-40EF-9804-25B3E47546A7}" type="slidenum">
               <a:rPr lang="zh-CN" altLang="en-US"/>
-              <a:t>11</a:t>
             </a:fld>
             <a:endParaRPr lang="en-US" altLang="zh-CN"/>
           </a:p>
@@ -9522,6 +9503,7 @@
               <a:rPr lang="zh-CN" altLang="en-US" smtClean="0"/>
               <a:t>学习形式</a:t>
             </a:r>
+            <a:endParaRPr lang="zh-CN" altLang="en-US" smtClean="0"/>
           </a:p>
         </p:txBody>
       </p:sp>
@@ -9550,13 +9532,19 @@
               <a:rPr lang="zh-CN" altLang="en-US" sz="4400" b="1"/>
               <a:t>教师讲授与演示</a:t>
             </a:r>
+            <a:endParaRPr lang="zh-CN" altLang="en-US" sz="4400" b="1"/>
           </a:p>
           <a:p>
             <a:pPr eaLnBrk="1" hangingPunct="1"/>
             <a:r>
               <a:rPr lang="zh-CN" altLang="en-US" sz="4400" b="1"/>
-              <a:t>上机指导书实操</a:t>
-            </a:r>
+              <a:t>上机指导与</a:t>
+            </a:r>
+            <a:r>
+              <a:rPr lang="zh-CN" altLang="en-US" sz="4400" b="1"/>
+              <a:t>实操</a:t>
+            </a:r>
+            <a:endParaRPr lang="zh-CN" altLang="en-US" sz="4400" b="1"/>
           </a:p>
           <a:p>
             <a:pPr eaLnBrk="1" hangingPunct="1"/>
@@ -9564,6 +9552,7 @@
               <a:rPr lang="zh-CN" altLang="en-US" sz="4400" b="1"/>
               <a:t>答疑</a:t>
             </a:r>
+            <a:endParaRPr lang="zh-CN" altLang="en-US" sz="4400" b="1"/>
           </a:p>
         </p:txBody>
       </p:sp>
@@ -9619,7 +9608,6 @@
             </a:pPr>
             <a:fld id="{D91769AA-F29D-4E09-A2EB-48D3D0A55137}" type="slidenum">
               <a:rPr lang="zh-CN" altLang="en-US"/>
-              <a:t>12</a:t>
             </a:fld>
             <a:endParaRPr lang="en-US" altLang="zh-CN"/>
           </a:p>
@@ -9650,6 +9638,7 @@
               <a:rPr lang="zh-CN" altLang="en-US" smtClean="0"/>
               <a:t>联系我</a:t>
             </a:r>
+            <a:endParaRPr lang="zh-CN" altLang="en-US" smtClean="0"/>
           </a:p>
         </p:txBody>
       </p:sp>
@@ -9688,6 +9677,7 @@
               <a:rPr lang="en-US" altLang="zh-CN" sz="4800" dirty="0" smtClean="0"/>
               <a:t>188-2762-8182</a:t>
             </a:r>
+            <a:endParaRPr lang="en-US" altLang="zh-CN" sz="4800" dirty="0" smtClean="0"/>
           </a:p>
           <a:p>
             <a:pPr eaLnBrk="1" hangingPunct="1">
@@ -9696,21 +9686,10 @@
               </a:lnSpc>
             </a:pPr>
             <a:r>
-              <a:rPr lang="en-US" altLang="zh-CN" sz="4800" dirty="0" err="1" smtClean="0"/>
-              <a:t>jicheng</a:t>
-            </a:r>
-            <a:r>
               <a:rPr lang="en-US" altLang="zh-CN" sz="4800" dirty="0" smtClean="0"/>
-              <a:t> </a:t>
-            </a:r>
-            <a:r>
-              <a:rPr lang="en-US" altLang="zh-CN" sz="4800" dirty="0" smtClean="0"/>
-              <a:t>      yahoo </a:t>
-            </a:r>
-            <a:r>
-              <a:rPr lang="en-US" altLang="zh-CN" sz="4800" dirty="0" smtClean="0"/>
-              <a:t>. com</a:t>
-            </a:r>
+              <a:t>jicheng @ yahoo . com</a:t>
+            </a:r>
+            <a:endParaRPr lang="en-US" altLang="zh-CN" sz="4800" dirty="0" smtClean="0"/>
           </a:p>
           <a:p>
             <a:pPr>
@@ -9756,36 +9735,6 @@
           </a:p>
         </p:txBody>
       </p:sp>
-      <p:pic>
-        <p:nvPicPr>
-          <p:cNvPr id="5" name="图片 4"/>
-          <p:cNvPicPr>
-            <a:picLocks noChangeAspect="1"/>
-          </p:cNvPicPr>
-          <p:nvPr/>
-        </p:nvPicPr>
-        <p:blipFill>
-          <a:blip r:embed="rId2" cstate="print">
-            <a:extLst>
-              <a:ext uri="{28A0092B-C50C-407E-A947-70E740481C1C}">
-                <a14:useLocalDpi xmlns:a14="http://schemas.microsoft.com/office/drawing/2010/main" val="0"/>
-              </a:ext>
-            </a:extLst>
-          </a:blip>
-          <a:stretch>
-            <a:fillRect/>
-          </a:stretch>
-        </p:blipFill>
-        <p:spPr>
-          <a:xfrm>
-            <a:off x="3511770" y="2480806"/>
-            <a:ext cx="756343" cy="723569"/>
-          </a:xfrm>
-          <a:prstGeom prst="rect">
-            <a:avLst/>
-          </a:prstGeom>
-        </p:spPr>
-      </p:pic>
     </p:spTree>
   </p:cSld>
   <p:clrMapOvr>
@@ -9830,7 +9779,7 @@
         </p:xfrm>
         <a:graphic>
           <a:graphicData uri="http://schemas.openxmlformats.org/drawingml/2006/diagram">
-            <dgm:relIds xmlns:dgm="http://schemas.openxmlformats.org/drawingml/2006/diagram" xmlns:r="http://schemas.openxmlformats.org/officeDocument/2006/relationships" r:dm="rId2" r:lo="rId3" r:qs="rId4" r:cs="rId5"/>
+            <dgm:relIds xmlns:dgm="http://schemas.openxmlformats.org/drawingml/2006/diagram" xmlns:r="http://schemas.openxmlformats.org/officeDocument/2006/relationships" r:dm="rId1" r:lo="rId2" r:qs="rId3" r:cs="rId4"/>
           </a:graphicData>
         </a:graphic>
       </p:graphicFrame>
@@ -9917,7 +9866,6 @@
             </a:pPr>
             <a:fld id="{8898D075-5ADB-4173-AB5A-B55D3C8574C1}" type="slidenum">
               <a:rPr lang="zh-CN" altLang="en-US"/>
-              <a:t>3</a:t>
             </a:fld>
             <a:endParaRPr lang="en-US" altLang="zh-CN"/>
           </a:p>
@@ -10053,6 +10001,10 @@
               </a:rPr>
               <a:t>等各种设备</a:t>
             </a:r>
+            <a:endParaRPr lang="zh-CN" altLang="en-US" sz="2000" dirty="0" smtClean="0">
+              <a:latin typeface="微软雅黑" panose="020B0503020204020204" pitchFamily="34" charset="-122"/>
+              <a:ea typeface="微软雅黑" panose="020B0503020204020204" pitchFamily="34" charset="-122"/>
+            </a:endParaRPr>
           </a:p>
         </p:txBody>
       </p:sp>
@@ -10062,13 +10014,7 @@
           <p:cNvGraphicFramePr>
             <a:graphicFrameLocks noChangeAspect="1"/>
           </p:cNvGraphicFramePr>
-          <p:nvPr>
-            <p:extLst>
-              <p:ext uri="{D42A27DB-BD31-4B8C-83A1-F6EECF244321}">
-                <p14:modId xmlns:p14="http://schemas.microsoft.com/office/powerpoint/2010/main" val="2021908968"/>
-              </p:ext>
-            </p:extLst>
-          </p:nvPr>
+          <p:nvPr/>
         </p:nvGraphicFramePr>
         <p:xfrm>
           <a:off x="5012939" y="19961"/>
@@ -10078,12 +10024,12 @@
           <a:graphicData uri="http://schemas.openxmlformats.org/presentationml/2006/ole">
             <mc:AlternateContent xmlns:mc="http://schemas.openxmlformats.org/markup-compatibility/2006">
               <mc:Choice xmlns:v="urn:schemas-microsoft-com:vml" Requires="v">
-                <p:oleObj spid="_x0000_s2097" r:id="rId3" imgW="3790950" imgH="2914650" progId="">
+                <p:oleObj spid="_x0000_s2093" name="" r:id="rId1" imgW="3790950" imgH="2914650" progId="">
                   <p:embed/>
                 </p:oleObj>
               </mc:Choice>
               <mc:Fallback>
-                <p:oleObj r:id="rId3" imgW="3790950" imgH="2914650" progId="">
+                <p:oleObj name="" r:id="rId1" imgW="3790950" imgH="2914650" progId="">
                   <p:embed/>
                   <p:pic>
                     <p:nvPicPr>
@@ -10092,7 +10038,7 @@
                       <p:nvPr/>
                     </p:nvPicPr>
                     <p:blipFill>
-                      <a:blip r:embed="rId4"/>
+                      <a:blip r:embed="rId2"/>
                       <a:stretch>
                         <a:fillRect/>
                       </a:stretch>
@@ -10165,7 +10111,6 @@
             </a:pPr>
             <a:fld id="{7AD97E16-7DEB-4BEF-BF0B-12BA76785349}" type="slidenum">
               <a:rPr lang="zh-CN" altLang="en-US"/>
-              <a:t>4</a:t>
             </a:fld>
             <a:endParaRPr lang="en-US" altLang="zh-CN"/>
           </a:p>
@@ -10208,6 +10153,7 @@
               <a:rPr lang="zh-CN" altLang="en-US" sz="4000" dirty="0"/>
               <a:t> </a:t>
             </a:r>
+            <a:endParaRPr lang="zh-CN" altLang="en-US" sz="4000" dirty="0"/>
           </a:p>
         </p:txBody>
       </p:sp>
@@ -10412,7 +10358,6 @@
             </a:pPr>
             <a:fld id="{F32019EC-443F-4288-9251-0F05AE561AAD}" type="slidenum">
               <a:rPr lang="zh-CN" altLang="en-US"/>
-              <a:t>5</a:t>
             </a:fld>
             <a:endParaRPr lang="en-US" altLang="zh-CN"/>
           </a:p>
@@ -10438,6 +10383,7 @@
               <a:rPr lang="zh-CN" altLang="en-US" smtClean="0"/>
               <a:t>课时内容</a:t>
             </a:r>
+            <a:endParaRPr lang="zh-CN" altLang="en-US" smtClean="0"/>
           </a:p>
         </p:txBody>
       </p:sp>
@@ -10640,7 +10586,6 @@
             </a:pPr>
             <a:fld id="{8C27E3E0-8461-4D13-9B1B-5953FA22ABBF}" type="slidenum">
               <a:rPr lang="zh-CN" altLang="en-US"/>
-              <a:t>6</a:t>
             </a:fld>
             <a:endParaRPr lang="en-US" altLang="zh-CN"/>
           </a:p>
@@ -10666,6 +10611,7 @@
               <a:rPr lang="zh-CN" altLang="en-US" smtClean="0"/>
               <a:t>先修课程</a:t>
             </a:r>
+            <a:endParaRPr lang="zh-CN" altLang="en-US" smtClean="0"/>
           </a:p>
         </p:txBody>
       </p:sp>
@@ -10704,6 +10650,7 @@
               <a:rPr lang="zh-CN" altLang="en-US" sz="4400" dirty="0" smtClean="0"/>
               <a:t>程序设计</a:t>
             </a:r>
+            <a:endParaRPr lang="zh-CN" altLang="en-US" sz="4400" dirty="0" smtClean="0"/>
           </a:p>
           <a:p>
             <a:pPr eaLnBrk="1" hangingPunct="1"/>
@@ -10711,6 +10658,7 @@
               <a:rPr lang="zh-CN" altLang="en-US" sz="4400" dirty="0" smtClean="0"/>
               <a:t>数据结构</a:t>
             </a:r>
+            <a:endParaRPr lang="zh-CN" altLang="en-US" sz="4400" dirty="0" smtClean="0"/>
           </a:p>
         </p:txBody>
       </p:sp>
@@ -10766,7 +10714,6 @@
             </a:pPr>
             <a:fld id="{6E23B9E7-0572-49C7-9542-E4DF1B840E45}" type="slidenum">
               <a:rPr lang="zh-CN" altLang="en-US"/>
-              <a:t>7</a:t>
             </a:fld>
             <a:endParaRPr lang="en-US" altLang="zh-CN"/>
           </a:p>
@@ -10792,6 +10739,7 @@
               <a:rPr lang="zh-CN" altLang="en-US" smtClean="0"/>
               <a:t>课时计划</a:t>
             </a:r>
+            <a:endParaRPr lang="zh-CN" altLang="en-US" smtClean="0"/>
           </a:p>
         </p:txBody>
       </p:sp>
@@ -10841,7 +10789,7 @@
                 <a:latin typeface="华文新魏" panose="02010800040101010101" pitchFamily="2" charset="-122"/>
                 <a:ea typeface="华文新魏" panose="02010800040101010101" pitchFamily="2" charset="-122"/>
               </a:rPr>
-              <a:t>18</a:t>
+              <a:t>16</a:t>
             </a:r>
             <a:r>
               <a:rPr lang="zh-CN" altLang="en-US" dirty="0" smtClean="0">
@@ -10851,14 +10799,14 @@
               <a:t>课时，实验</a:t>
             </a:r>
             <a:r>
-              <a:rPr lang="en-US" altLang="zh-CN" smtClean="0">
+              <a:rPr lang="en-US" altLang="zh-CN" dirty="0" smtClean="0">
                 <a:latin typeface="华文新魏" panose="02010800040101010101" pitchFamily="2" charset="-122"/>
                 <a:ea typeface="华文新魏" panose="02010800040101010101" pitchFamily="2" charset="-122"/>
               </a:rPr>
-              <a:t>18</a:t>
-            </a:r>
-            <a:r>
-              <a:rPr lang="zh-CN" altLang="en-US" smtClean="0">
+              <a:t>16</a:t>
+            </a:r>
+            <a:r>
+              <a:rPr lang="zh-CN" altLang="en-US" dirty="0" smtClean="0">
                 <a:latin typeface="华文新魏" panose="02010800040101010101" pitchFamily="2" charset="-122"/>
                 <a:ea typeface="华文新魏" panose="02010800040101010101" pitchFamily="2" charset="-122"/>
               </a:rPr>
@@ -12046,7 +11994,6 @@
             </a:pPr>
             <a:fld id="{7B783012-FB5E-47A4-8E23-2E6E8BA8AACF}" type="slidenum">
               <a:rPr lang="zh-CN" altLang="en-US"/>
-              <a:t>8</a:t>
             </a:fld>
             <a:endParaRPr lang="en-US" altLang="zh-CN"/>
           </a:p>
@@ -12072,6 +12019,7 @@
               <a:rPr lang="zh-CN" altLang="en-US" smtClean="0"/>
               <a:t>考核方式</a:t>
             </a:r>
+            <a:endParaRPr lang="zh-CN" altLang="en-US" smtClean="0"/>
           </a:p>
         </p:txBody>
       </p:sp>
@@ -12106,6 +12054,7 @@
               <a:rPr lang="en-US" altLang="zh-CN" sz="4400" dirty="0" smtClean="0"/>
               <a:t>10</a:t>
             </a:r>
+            <a:endParaRPr lang="en-US" altLang="zh-CN" sz="4400" dirty="0" smtClean="0"/>
           </a:p>
           <a:p>
             <a:pPr eaLnBrk="1" hangingPunct="1"/>
@@ -12117,6 +12066,7 @@
               <a:rPr lang="en-US" altLang="zh-CN" sz="4400" dirty="0" smtClean="0"/>
               <a:t>10</a:t>
             </a:r>
+            <a:endParaRPr lang="en-US" altLang="zh-CN" sz="4400" dirty="0" smtClean="0"/>
           </a:p>
           <a:p>
             <a:pPr eaLnBrk="1" hangingPunct="1"/>
@@ -12696,7 +12646,6 @@
             </a:pPr>
             <a:fld id="{607E340D-0BA1-44CE-B148-5AAE131F883F}" type="slidenum">
               <a:rPr lang="zh-CN" altLang="en-US"/>
-              <a:t>9</a:t>
             </a:fld>
             <a:endParaRPr lang="en-US" altLang="zh-CN"/>
           </a:p>
@@ -12734,6 +12683,12 @@
               </a:rPr>
               <a:t>教材</a:t>
             </a:r>
+            <a:endParaRPr lang="zh-CN" altLang="en-US" sz="6500">
+              <a:solidFill>
+                <a:schemeClr val="accent2"/>
+              </a:solidFill>
+              <a:ea typeface="华文行楷" panose="02010800040101010101" pitchFamily="2" charset="-122"/>
+            </a:endParaRPr>
           </a:p>
         </p:txBody>
       </p:sp>
@@ -12746,7 +12701,7 @@
           <p:nvPr/>
         </p:nvPicPr>
         <p:blipFill>
-          <a:blip r:embed="rId2" cstate="print">
+          <a:blip r:embed="rId1" cstate="print">
             <a:extLst>
               <a:ext uri="{28A0092B-C50C-407E-A947-70E740481C1C}">
                 <a14:useLocalDpi xmlns:a14="http://schemas.microsoft.com/office/drawing/2010/main" val="0"/>
@@ -13149,8 +13104,6 @@
       </a:bgFillStyleLst>
     </a:fmtScheme>
   </a:themeElements>
-  <a:objectDefaults/>
-  <a:extraClrSchemeLst/>
   <a:extLst>
     <a:ext uri="{05A4C25C-085E-4340-85A3-A5531E510DB2}">
       <thm15:themeFamily xmlns:thm15="http://schemas.microsoft.com/office/thememl/2012/main" name="Office Theme" id="{62F939B6-93AF-4DB8-9C6B-D6C7DFDC589F}" vid="{4A3C46E8-61CC-4603-A589-7422A47A8E4A}"/>
@@ -13410,8 +13363,6 @@
       </a:bgFillStyleLst>
     </a:fmtScheme>
   </a:themeElements>
-  <a:objectDefaults/>
-  <a:extraClrSchemeLst/>
   <a:extLst>
     <a:ext uri="{05A4C25C-085E-4340-85A3-A5531E510DB2}">
       <thm15:themeFamily xmlns:thm15="http://schemas.microsoft.com/office/thememl/2012/main" name="Office Theme" id="{62F939B6-93AF-4DB8-9C6B-D6C7DFDC589F}" vid="{4A3C46E8-61CC-4603-A589-7422A47A8E4A}"/>

--- a/introduction.pptx
+++ b/introduction.pptx
@@ -5,21 +5,21 @@
     <p:sldMasterId id="2147483648" r:id="rId1"/>
   </p:sldMasterIdLst>
   <p:notesMasterIdLst>
-    <p:notesMasterId r:id="rId15"/>
+    <p:notesMasterId r:id="rId14"/>
   </p:notesMasterIdLst>
   <p:sldIdLst>
-    <p:sldId id="256" r:id="rId3"/>
-    <p:sldId id="316" r:id="rId4"/>
-    <p:sldId id="317" r:id="rId5"/>
-    <p:sldId id="304" r:id="rId6"/>
-    <p:sldId id="305" r:id="rId7"/>
-    <p:sldId id="307" r:id="rId8"/>
-    <p:sldId id="308" r:id="rId9"/>
-    <p:sldId id="309" r:id="rId10"/>
-    <p:sldId id="312" r:id="rId11"/>
-    <p:sldId id="313" r:id="rId12"/>
-    <p:sldId id="314" r:id="rId13"/>
-    <p:sldId id="315" r:id="rId14"/>
+    <p:sldId id="256" r:id="rId2"/>
+    <p:sldId id="316" r:id="rId3"/>
+    <p:sldId id="317" r:id="rId4"/>
+    <p:sldId id="304" r:id="rId5"/>
+    <p:sldId id="305" r:id="rId6"/>
+    <p:sldId id="307" r:id="rId7"/>
+    <p:sldId id="308" r:id="rId8"/>
+    <p:sldId id="309" r:id="rId9"/>
+    <p:sldId id="312" r:id="rId10"/>
+    <p:sldId id="313" r:id="rId11"/>
+    <p:sldId id="314" r:id="rId12"/>
+    <p:sldId id="315" r:id="rId13"/>
   </p:sldIdLst>
   <p:sldSz cx="12192000" cy="6858000"/>
   <p:notesSz cx="6858000" cy="9144000"/>
@@ -118,6 +118,11 @@
       </a:defRPr>
     </a:lvl9pPr>
   </p:defaultTextStyle>
+  <p:extLst>
+    <p:ext uri="{EFAFB233-063F-42B5-8137-9DF3F51BA10A}">
+      <p15:sldGuideLst xmlns:p15="http://schemas.microsoft.com/office/powerpoint/2012/main"/>
+    </p:ext>
+  </p:extLst>
 </p:presentation>
 </file>
 
@@ -898,7 +903,7 @@
         </a:p>
       </dgm:t>
     </dgm:pt>
-    <dgm:pt modelId="{AF02B0CB-D4D3-4689-AF3F-63B0CF0E9DB7}" cxnId="{86628A9E-22D6-4C60-8249-0BFE480BFF5A}" type="parTrans">
+    <dgm:pt modelId="{AF02B0CB-D4D3-4689-AF3F-63B0CF0E9DB7}" type="parTrans" cxnId="{86628A9E-22D6-4C60-8249-0BFE480BFF5A}">
       <dgm:prSet/>
       <dgm:spPr/>
       <dgm:t>
@@ -909,7 +914,7 @@
         </a:p>
       </dgm:t>
     </dgm:pt>
-    <dgm:pt modelId="{E62A0279-F5C6-468D-A5C5-4AC2E078B623}" cxnId="{86628A9E-22D6-4C60-8249-0BFE480BFF5A}" type="sibTrans">
+    <dgm:pt modelId="{E62A0279-F5C6-468D-A5C5-4AC2E078B623}" type="sibTrans" cxnId="{86628A9E-22D6-4C60-8249-0BFE480BFF5A}">
       <dgm:prSet/>
       <dgm:spPr/>
       <dgm:t>
@@ -936,7 +941,7 @@
         </a:p>
       </dgm:t>
     </dgm:pt>
-    <dgm:pt modelId="{42EC6CF3-FF18-437E-8D44-AA882D54CEE0}" cxnId="{851E7807-5DCB-450F-91CB-BC7CE976400B}" type="parTrans">
+    <dgm:pt modelId="{42EC6CF3-FF18-437E-8D44-AA882D54CEE0}" type="parTrans" cxnId="{851E7807-5DCB-450F-91CB-BC7CE976400B}">
       <dgm:prSet/>
       <dgm:spPr/>
       <dgm:t>
@@ -947,7 +952,7 @@
         </a:p>
       </dgm:t>
     </dgm:pt>
-    <dgm:pt modelId="{9007DD70-9C54-4477-9E19-C04AF4AA79E1}" cxnId="{851E7807-5DCB-450F-91CB-BC7CE976400B}" type="sibTrans">
+    <dgm:pt modelId="{9007DD70-9C54-4477-9E19-C04AF4AA79E1}" type="sibTrans" cxnId="{851E7807-5DCB-450F-91CB-BC7CE976400B}">
       <dgm:prSet/>
       <dgm:spPr/>
       <dgm:t>
@@ -974,7 +979,7 @@
         </a:p>
       </dgm:t>
     </dgm:pt>
-    <dgm:pt modelId="{06FC63D7-59F4-4FCF-BA3C-82CA82021EE0}" cxnId="{33A53B55-5868-4CCC-85AD-17C7FB71C2FC}" type="parTrans">
+    <dgm:pt modelId="{06FC63D7-59F4-4FCF-BA3C-82CA82021EE0}" type="parTrans" cxnId="{33A53B55-5868-4CCC-85AD-17C7FB71C2FC}">
       <dgm:prSet/>
       <dgm:spPr/>
       <dgm:t>
@@ -985,7 +990,7 @@
         </a:p>
       </dgm:t>
     </dgm:pt>
-    <dgm:pt modelId="{1397822D-B5D6-4C7A-B9A1-9207CFE945C4}" cxnId="{33A53B55-5868-4CCC-85AD-17C7FB71C2FC}" type="sibTrans">
+    <dgm:pt modelId="{1397822D-B5D6-4C7A-B9A1-9207CFE945C4}" type="sibTrans" cxnId="{33A53B55-5868-4CCC-85AD-17C7FB71C2FC}">
       <dgm:prSet/>
       <dgm:spPr/>
       <dgm:t>
@@ -1012,7 +1017,7 @@
         </a:p>
       </dgm:t>
     </dgm:pt>
-    <dgm:pt modelId="{78E91C60-98EE-4736-9F1F-0A4515469F8E}" cxnId="{57B5F7F3-A8A8-450D-BF33-D78E8B90296E}" type="parTrans">
+    <dgm:pt modelId="{78E91C60-98EE-4736-9F1F-0A4515469F8E}" type="parTrans" cxnId="{57B5F7F3-A8A8-450D-BF33-D78E8B90296E}">
       <dgm:prSet/>
       <dgm:spPr/>
       <dgm:t>
@@ -1023,7 +1028,7 @@
         </a:p>
       </dgm:t>
     </dgm:pt>
-    <dgm:pt modelId="{063BDEB1-4B9A-40B2-B26D-744EA8FDC352}" cxnId="{57B5F7F3-A8A8-450D-BF33-D78E8B90296E}" type="sibTrans">
+    <dgm:pt modelId="{063BDEB1-4B9A-40B2-B26D-744EA8FDC352}" type="sibTrans" cxnId="{57B5F7F3-A8A8-450D-BF33-D78E8B90296E}">
       <dgm:prSet/>
       <dgm:spPr/>
       <dgm:t>
@@ -1185,7 +1190,7 @@
   <dgm:whole/>
   <dgm:extLst>
     <a:ext uri="http://schemas.microsoft.com/office/drawing/2008/diagram">
-      <dsp:dataModelExt xmlns:dsp="http://schemas.microsoft.com/office/drawing/2008/diagram" relId="rId5" minVer="http://schemas.openxmlformats.org/drawingml/2006/diagram"/>
+      <dsp:dataModelExt xmlns:dsp="http://schemas.microsoft.com/office/drawing/2008/diagram" relId="rId6" minVer="http://schemas.openxmlformats.org/drawingml/2006/diagram"/>
     </a:ext>
   </dgm:extLst>
 </dgm:dataModel>
@@ -1830,7 +1835,7 @@
           <dgm:alg type="tx"/>
           <dgm:choose name="Name4">
             <dgm:if name="Name5" func="var" arg="dir" op="equ" val="norm">
-              <dgm:shape xmlns:r="http://schemas.openxmlformats.org/officeDocument/2006/relationships" type="homePlate" r:blip="" rot="180" zOrderOff="-1">
+              <dgm:shape xmlns:r="http://schemas.openxmlformats.org/officeDocument/2006/relationships" rot="180" type="homePlate" r:blip="" zOrderOff="-1">
                 <dgm:adjLst/>
               </dgm:shape>
             </dgm:if>
@@ -1882,6 +1887,7 @@
       <a:camera prst="orthographicFront"/>
       <a:lightRig rig="threePt" dir="t"/>
     </dgm:scene3d>
+    <dgm:sp3d/>
     <dgm:txPr/>
     <dgm:style>
       <a:lnRef idx="2">
@@ -1901,6 +1907,7 @@
       <a:camera prst="orthographicFront"/>
       <a:lightRig rig="threePt" dir="t"/>
     </dgm:scene3d>
+    <dgm:sp3d/>
     <dgm:txPr/>
     <dgm:style>
       <a:lnRef idx="2">
@@ -1920,6 +1927,7 @@
       <a:camera prst="orthographicFront"/>
       <a:lightRig rig="threePt" dir="t"/>
     </dgm:scene3d>
+    <dgm:sp3d/>
     <dgm:txPr/>
     <dgm:style>
       <a:lnRef idx="2">
@@ -1939,6 +1947,7 @@
       <a:camera prst="orthographicFront"/>
       <a:lightRig rig="threePt" dir="t"/>
     </dgm:scene3d>
+    <dgm:sp3d/>
     <dgm:txPr/>
     <dgm:style>
       <a:lnRef idx="2">
@@ -1960,6 +1969,7 @@
       <a:camera prst="orthographicFront"/>
       <a:lightRig rig="threePt" dir="t"/>
     </dgm:scene3d>
+    <dgm:sp3d/>
     <dgm:txPr/>
     <dgm:style>
       <a:lnRef idx="2">
@@ -1981,6 +1991,7 @@
       <a:camera prst="orthographicFront"/>
       <a:lightRig rig="threePt" dir="t"/>
     </dgm:scene3d>
+    <dgm:sp3d/>
     <dgm:txPr/>
     <dgm:style>
       <a:lnRef idx="2">
@@ -2002,6 +2013,7 @@
       <a:camera prst="orthographicFront"/>
       <a:lightRig rig="threePt" dir="t"/>
     </dgm:scene3d>
+    <dgm:sp3d/>
     <dgm:txPr/>
     <dgm:style>
       <a:lnRef idx="2">
@@ -2023,6 +2035,7 @@
       <a:camera prst="orthographicFront"/>
       <a:lightRig rig="threePt" dir="t"/>
     </dgm:scene3d>
+    <dgm:sp3d/>
     <dgm:txPr/>
     <dgm:style>
       <a:lnRef idx="2">
@@ -2044,6 +2057,7 @@
       <a:camera prst="orthographicFront"/>
       <a:lightRig rig="threePt" dir="t"/>
     </dgm:scene3d>
+    <dgm:sp3d/>
     <dgm:txPr/>
     <dgm:style>
       <a:lnRef idx="2">
@@ -2065,6 +2079,7 @@
       <a:camera prst="orthographicFront"/>
       <a:lightRig rig="threePt" dir="t"/>
     </dgm:scene3d>
+    <dgm:sp3d/>
     <dgm:txPr/>
     <dgm:style>
       <a:lnRef idx="2">
@@ -2084,6 +2099,7 @@
       <a:camera prst="orthographicFront"/>
       <a:lightRig rig="threePt" dir="t"/>
     </dgm:scene3d>
+    <dgm:sp3d/>
     <dgm:txPr/>
     <dgm:style>
       <a:lnRef idx="2">
@@ -2103,6 +2119,7 @@
       <a:camera prst="orthographicFront"/>
       <a:lightRig rig="threePt" dir="t"/>
     </dgm:scene3d>
+    <dgm:sp3d/>
     <dgm:txPr/>
     <dgm:style>
       <a:lnRef idx="2">
@@ -2122,6 +2139,7 @@
       <a:camera prst="orthographicFront"/>
       <a:lightRig rig="threePt" dir="t"/>
     </dgm:scene3d>
+    <dgm:sp3d/>
     <dgm:txPr/>
     <dgm:style>
       <a:lnRef idx="0">
@@ -2141,6 +2159,7 @@
       <a:camera prst="orthographicFront"/>
       <a:lightRig rig="threePt" dir="t"/>
     </dgm:scene3d>
+    <dgm:sp3d/>
     <dgm:txPr/>
     <dgm:style>
       <a:lnRef idx="0">
@@ -2162,6 +2181,7 @@
       <a:camera prst="orthographicFront"/>
       <a:lightRig rig="threePt" dir="t"/>
     </dgm:scene3d>
+    <dgm:sp3d/>
     <dgm:txPr/>
     <dgm:style>
       <a:lnRef idx="2">
@@ -2181,6 +2201,7 @@
       <a:camera prst="orthographicFront"/>
       <a:lightRig rig="threePt" dir="t"/>
     </dgm:scene3d>
+    <dgm:sp3d/>
     <dgm:txPr/>
     <dgm:style>
       <a:lnRef idx="2">
@@ -2200,6 +2221,7 @@
       <a:camera prst="orthographicFront"/>
       <a:lightRig rig="threePt" dir="t"/>
     </dgm:scene3d>
+    <dgm:sp3d/>
     <dgm:txPr/>
     <dgm:style>
       <a:lnRef idx="0">
@@ -2219,6 +2241,7 @@
       <a:camera prst="orthographicFront"/>
       <a:lightRig rig="threePt" dir="t"/>
     </dgm:scene3d>
+    <dgm:sp3d/>
     <dgm:txPr/>
     <dgm:style>
       <a:lnRef idx="2">
@@ -2238,6 +2261,7 @@
       <a:camera prst="orthographicFront"/>
       <a:lightRig rig="threePt" dir="t"/>
     </dgm:scene3d>
+    <dgm:sp3d/>
     <dgm:txPr/>
     <dgm:style>
       <a:lnRef idx="2">
@@ -2257,6 +2281,7 @@
       <a:camera prst="orthographicFront"/>
       <a:lightRig rig="threePt" dir="t"/>
     </dgm:scene3d>
+    <dgm:sp3d/>
     <dgm:txPr/>
     <dgm:style>
       <a:lnRef idx="2">
@@ -2276,6 +2301,7 @@
       <a:camera prst="orthographicFront"/>
       <a:lightRig rig="threePt" dir="t"/>
     </dgm:scene3d>
+    <dgm:sp3d/>
     <dgm:txPr/>
     <dgm:style>
       <a:lnRef idx="2">
@@ -2295,6 +2321,7 @@
       <a:camera prst="orthographicFront"/>
       <a:lightRig rig="threePt" dir="t"/>
     </dgm:scene3d>
+    <dgm:sp3d/>
     <dgm:txPr/>
     <dgm:style>
       <a:lnRef idx="2">
@@ -2314,6 +2341,7 @@
       <a:camera prst="orthographicFront"/>
       <a:lightRig rig="threePt" dir="t"/>
     </dgm:scene3d>
+    <dgm:sp3d/>
     <dgm:txPr/>
     <dgm:style>
       <a:lnRef idx="2">
@@ -2333,6 +2361,7 @@
       <a:camera prst="orthographicFront"/>
       <a:lightRig rig="threePt" dir="t"/>
     </dgm:scene3d>
+    <dgm:sp3d/>
     <dgm:txPr/>
     <dgm:style>
       <a:lnRef idx="2">
@@ -2352,6 +2381,7 @@
       <a:camera prst="orthographicFront"/>
       <a:lightRig rig="threePt" dir="t"/>
     </dgm:scene3d>
+    <dgm:sp3d/>
     <dgm:txPr/>
     <dgm:style>
       <a:lnRef idx="2">
@@ -2371,6 +2401,7 @@
       <a:camera prst="orthographicFront"/>
       <a:lightRig rig="threePt" dir="t"/>
     </dgm:scene3d>
+    <dgm:sp3d/>
     <dgm:txPr/>
     <dgm:style>
       <a:lnRef idx="0">
@@ -2392,6 +2423,7 @@
       <a:camera prst="orthographicFront"/>
       <a:lightRig rig="threePt" dir="t"/>
     </dgm:scene3d>
+    <dgm:sp3d/>
     <dgm:txPr/>
     <dgm:style>
       <a:lnRef idx="2">
@@ -2413,6 +2445,7 @@
       <a:camera prst="orthographicFront"/>
       <a:lightRig rig="threePt" dir="t"/>
     </dgm:scene3d>
+    <dgm:sp3d/>
     <dgm:txPr/>
     <dgm:style>
       <a:lnRef idx="2">
@@ -2434,6 +2467,7 @@
       <a:camera prst="orthographicFront"/>
       <a:lightRig rig="threePt" dir="t"/>
     </dgm:scene3d>
+    <dgm:sp3d/>
     <dgm:txPr/>
     <dgm:style>
       <a:lnRef idx="2">
@@ -2455,6 +2489,7 @@
       <a:camera prst="orthographicFront"/>
       <a:lightRig rig="threePt" dir="t"/>
     </dgm:scene3d>
+    <dgm:sp3d/>
     <dgm:txPr/>
     <dgm:style>
       <a:lnRef idx="2">
@@ -2476,6 +2511,7 @@
       <a:camera prst="orthographicFront"/>
       <a:lightRig rig="threePt" dir="t"/>
     </dgm:scene3d>
+    <dgm:sp3d/>
     <dgm:txPr/>
     <dgm:style>
       <a:lnRef idx="2">
@@ -2497,6 +2533,7 @@
       <a:camera prst="orthographicFront"/>
       <a:lightRig rig="threePt" dir="t"/>
     </dgm:scene3d>
+    <dgm:sp3d/>
     <dgm:txPr/>
     <dgm:style>
       <a:lnRef idx="2">
@@ -2518,6 +2555,7 @@
       <a:camera prst="orthographicFront"/>
       <a:lightRig rig="threePt" dir="t"/>
     </dgm:scene3d>
+    <dgm:sp3d/>
     <dgm:txPr/>
     <dgm:style>
       <a:lnRef idx="2">
@@ -2537,6 +2575,7 @@
       <a:camera prst="orthographicFront"/>
       <a:lightRig rig="threePt" dir="t"/>
     </dgm:scene3d>
+    <dgm:sp3d/>
     <dgm:txPr/>
     <dgm:style>
       <a:lnRef idx="2">
@@ -2556,6 +2595,7 @@
       <a:camera prst="orthographicFront"/>
       <a:lightRig rig="threePt" dir="t"/>
     </dgm:scene3d>
+    <dgm:sp3d/>
     <dgm:txPr/>
     <dgm:style>
       <a:lnRef idx="2">
@@ -2575,6 +2615,7 @@
       <a:camera prst="orthographicFront"/>
       <a:lightRig rig="threePt" dir="t"/>
     </dgm:scene3d>
+    <dgm:sp3d/>
     <dgm:txPr/>
     <dgm:style>
       <a:lnRef idx="2">
@@ -2594,6 +2635,7 @@
       <a:camera prst="orthographicFront"/>
       <a:lightRig rig="threePt" dir="t"/>
     </dgm:scene3d>
+    <dgm:sp3d/>
     <dgm:txPr/>
     <dgm:style>
       <a:lnRef idx="2">
@@ -2615,6 +2657,7 @@
       <a:camera prst="orthographicFront"/>
       <a:lightRig rig="threePt" dir="t"/>
     </dgm:scene3d>
+    <dgm:sp3d/>
     <dgm:txPr/>
     <dgm:style>
       <a:lnRef idx="2">
@@ -2636,6 +2679,7 @@
       <a:camera prst="orthographicFront"/>
       <a:lightRig rig="threePt" dir="t"/>
     </dgm:scene3d>
+    <dgm:sp3d/>
     <dgm:txPr/>
     <dgm:style>
       <a:lnRef idx="2">
@@ -2657,6 +2701,7 @@
       <a:camera prst="orthographicFront"/>
       <a:lightRig rig="threePt" dir="t"/>
     </dgm:scene3d>
+    <dgm:sp3d/>
     <dgm:txPr/>
     <dgm:style>
       <a:lnRef idx="2">
@@ -2678,6 +2723,7 @@
       <a:camera prst="orthographicFront"/>
       <a:lightRig rig="threePt" dir="t"/>
     </dgm:scene3d>
+    <dgm:sp3d/>
     <dgm:txPr/>
     <dgm:style>
       <a:lnRef idx="0">
@@ -2697,6 +2743,7 @@
       <a:camera prst="orthographicFront"/>
       <a:lightRig rig="threePt" dir="t"/>
     </dgm:scene3d>
+    <dgm:sp3d/>
     <dgm:txPr/>
     <dgm:style>
       <a:lnRef idx="1">
@@ -2716,6 +2763,7 @@
       <a:camera prst="orthographicFront"/>
       <a:lightRig rig="threePt" dir="t"/>
     </dgm:scene3d>
+    <dgm:sp3d/>
     <dgm:txPr/>
     <dgm:style>
       <a:lnRef idx="0">
@@ -2737,6 +2785,7 @@
       <a:camera prst="orthographicFront"/>
       <a:lightRig rig="threePt" dir="t"/>
     </dgm:scene3d>
+    <dgm:sp3d/>
     <dgm:txPr/>
     <dgm:style>
       <a:lnRef idx="2">
@@ -2756,6 +2805,7 @@
       <a:camera prst="orthographicFront"/>
       <a:lightRig rig="threePt" dir="t"/>
     </dgm:scene3d>
+    <dgm:sp3d/>
     <dgm:txPr/>
     <dgm:style>
       <a:lnRef idx="2">
@@ -2775,6 +2825,7 @@
       <a:camera prst="orthographicFront"/>
       <a:lightRig rig="threePt" dir="t"/>
     </dgm:scene3d>
+    <dgm:sp3d/>
     <dgm:txPr/>
     <dgm:style>
       <a:lnRef idx="2">
@@ -2794,6 +2845,7 @@
       <a:camera prst="orthographicFront"/>
       <a:lightRig rig="threePt" dir="t"/>
     </dgm:scene3d>
+    <dgm:sp3d/>
     <dgm:txPr/>
     <dgm:style>
       <a:lnRef idx="1">
@@ -2813,6 +2865,7 @@
       <a:camera prst="orthographicFront"/>
       <a:lightRig rig="threePt" dir="t"/>
     </dgm:scene3d>
+    <dgm:sp3d/>
     <dgm:txPr/>
     <dgm:style>
       <a:lnRef idx="0">
@@ -2832,6 +2885,7 @@
       <a:camera prst="orthographicFront"/>
       <a:lightRig rig="threePt" dir="t"/>
     </dgm:scene3d>
+    <dgm:sp3d/>
     <dgm:txPr/>
     <dgm:style>
       <a:lnRef idx="2">
@@ -2933,6 +2987,7 @@
           <a:p>
             <a:fld id="{62B690D2-9F6C-4A40-B045-5871089CDE7B}" type="datetimeFigureOut">
               <a:rPr lang="zh-CN" altLang="en-US" smtClean="0"/>
+              <a:t>2019/6/20</a:t>
             </a:fld>
             <a:endParaRPr lang="zh-CN" altLang="en-US"/>
           </a:p>
@@ -2999,7 +3054,6 @@
               <a:rPr lang="zh-CN" altLang="en-US" smtClean="0"/>
               <a:t>单击此处编辑母版文本样式</a:t>
             </a:r>
-            <a:endParaRPr lang="zh-CN" altLang="en-US" smtClean="0"/>
           </a:p>
           <a:p>
             <a:pPr lvl="1"/>
@@ -3007,7 +3061,6 @@
               <a:rPr lang="zh-CN" altLang="en-US" smtClean="0"/>
               <a:t>第二级</a:t>
             </a:r>
-            <a:endParaRPr lang="zh-CN" altLang="en-US" smtClean="0"/>
           </a:p>
           <a:p>
             <a:pPr lvl="2"/>
@@ -3015,7 +3068,6 @@
               <a:rPr lang="zh-CN" altLang="en-US" smtClean="0"/>
               <a:t>第三级</a:t>
             </a:r>
-            <a:endParaRPr lang="zh-CN" altLang="en-US" smtClean="0"/>
           </a:p>
           <a:p>
             <a:pPr lvl="3"/>
@@ -3023,7 +3075,6 @@
               <a:rPr lang="zh-CN" altLang="en-US" smtClean="0"/>
               <a:t>第四级</a:t>
             </a:r>
-            <a:endParaRPr lang="zh-CN" altLang="en-US" smtClean="0"/>
           </a:p>
           <a:p>
             <a:pPr lvl="4"/>
@@ -3095,6 +3146,7 @@
           <a:p>
             <a:fld id="{FF6B7014-1CA7-42FF-9E69-87C27AE33F47}" type="slidenum">
               <a:rPr lang="zh-CN" altLang="en-US" smtClean="0"/>
+              <a:t>‹#›</a:t>
             </a:fld>
             <a:endParaRPr lang="zh-CN" altLang="en-US"/>
           </a:p>
@@ -3199,7 +3251,7 @@
 </file>
 
 <file path=ppt/slideLayouts/slideLayout1.xml><?xml version="1.0" encoding="utf-8"?>
-<p:sldLayout xmlns:a="http://schemas.openxmlformats.org/drawingml/2006/main" xmlns:r="http://schemas.openxmlformats.org/officeDocument/2006/relationships" xmlns:p="http://schemas.openxmlformats.org/presentationml/2006/main" type="title" preserve="1" showMasterSp="0">
+<p:sldLayout xmlns:a="http://schemas.openxmlformats.org/drawingml/2006/main" xmlns:r="http://schemas.openxmlformats.org/officeDocument/2006/relationships" xmlns:p="http://schemas.openxmlformats.org/presentationml/2006/main" showMasterSp="0" type="title" preserve="1">
   <p:cSld name="标题幻灯片">
     <p:spTree>
       <p:nvGrpSpPr>
@@ -3920,6 +3972,7 @@
           <a:p>
             <a:fld id="{F0A08C6D-CA89-457F-88D7-56281A3E4E44}" type="datetimeFigureOut">
               <a:rPr lang="zh-CN" altLang="en-US" smtClean="0"/>
+              <a:t>2019/6/20</a:t>
             </a:fld>
             <a:endParaRPr lang="zh-CN" altLang="en-US"/>
           </a:p>
@@ -3961,6 +4014,7 @@
           <a:p>
             <a:fld id="{B91AF05B-36DC-4AAC-BE10-EF106711337F}" type="slidenum">
               <a:rPr lang="zh-CN" altLang="en-US" smtClean="0"/>
+              <a:t>‹#›</a:t>
             </a:fld>
             <a:endParaRPr lang="zh-CN" altLang="en-US"/>
           </a:p>
@@ -4144,7 +4198,6 @@
               <a:rPr lang="zh-CN" altLang="en-US" smtClean="0"/>
               <a:t>单击此处编辑母版文本样式</a:t>
             </a:r>
-            <a:endParaRPr lang="zh-CN" altLang="en-US" smtClean="0"/>
           </a:p>
         </p:txBody>
       </p:sp>
@@ -4165,6 +4218,7 @@
           <a:p>
             <a:fld id="{F0A08C6D-CA89-457F-88D7-56281A3E4E44}" type="datetimeFigureOut">
               <a:rPr lang="zh-CN" altLang="en-US" smtClean="0"/>
+              <a:t>2019/6/20</a:t>
             </a:fld>
             <a:endParaRPr lang="zh-CN" altLang="en-US"/>
           </a:p>
@@ -4206,6 +4260,7 @@
           <a:p>
             <a:fld id="{B91AF05B-36DC-4AAC-BE10-EF106711337F}" type="slidenum">
               <a:rPr lang="zh-CN" altLang="en-US" smtClean="0"/>
+              <a:t>‹#›</a:t>
             </a:fld>
             <a:endParaRPr lang="zh-CN" altLang="en-US"/>
           </a:p>
@@ -4330,7 +4385,6 @@
               <a:rPr lang="zh-CN" altLang="en-US" smtClean="0"/>
               <a:t>单击此处编辑母版文本样式</a:t>
             </a:r>
-            <a:endParaRPr lang="zh-CN" altLang="en-US" smtClean="0"/>
           </a:p>
         </p:txBody>
       </p:sp>
@@ -4453,7 +4507,6 @@
               <a:rPr lang="zh-CN" altLang="en-US" smtClean="0"/>
               <a:t>单击此处编辑母版文本样式</a:t>
             </a:r>
-            <a:endParaRPr lang="zh-CN" altLang="en-US" smtClean="0"/>
           </a:p>
         </p:txBody>
       </p:sp>
@@ -4474,6 +4527,7 @@
           <a:p>
             <a:fld id="{F0A08C6D-CA89-457F-88D7-56281A3E4E44}" type="datetimeFigureOut">
               <a:rPr lang="zh-CN" altLang="en-US" smtClean="0"/>
+              <a:t>2019/6/20</a:t>
             </a:fld>
             <a:endParaRPr lang="zh-CN" altLang="en-US"/>
           </a:p>
@@ -4515,6 +4569,7 @@
           <a:p>
             <a:fld id="{B91AF05B-36DC-4AAC-BE10-EF106711337F}" type="slidenum">
               <a:rPr lang="zh-CN" altLang="en-US" smtClean="0"/>
+              <a:t>‹#›</a:t>
             </a:fld>
             <a:endParaRPr lang="zh-CN" altLang="en-US"/>
           </a:p>
@@ -4558,19 +4613,6 @@
               </a:rPr>
               <a:t>“</a:t>
             </a:r>
-            <a:endParaRPr lang="en-US" sz="8000" baseline="0" dirty="0">
-              <a:ln w="3175" cmpd="sng">
-                <a:noFill/>
-              </a:ln>
-              <a:solidFill>
-                <a:schemeClr val="accent1">
-                  <a:lumMod val="60000"/>
-                  <a:lumOff val="40000"/>
-                </a:schemeClr>
-              </a:solidFill>
-              <a:effectLst/>
-              <a:latin typeface="Arial" panose="020B0604020202020204"/>
-            </a:endParaRPr>
           </a:p>
         </p:txBody>
       </p:sp>
@@ -4801,7 +4843,6 @@
               <a:rPr lang="zh-CN" altLang="en-US" smtClean="0"/>
               <a:t>单击此处编辑母版文本样式</a:t>
             </a:r>
-            <a:endParaRPr lang="zh-CN" altLang="en-US" smtClean="0"/>
           </a:p>
         </p:txBody>
       </p:sp>
@@ -4822,6 +4863,7 @@
           <a:p>
             <a:fld id="{F0A08C6D-CA89-457F-88D7-56281A3E4E44}" type="datetimeFigureOut">
               <a:rPr lang="zh-CN" altLang="en-US" smtClean="0"/>
+              <a:t>2019/6/20</a:t>
             </a:fld>
             <a:endParaRPr lang="zh-CN" altLang="en-US"/>
           </a:p>
@@ -4863,6 +4905,7 @@
           <a:p>
             <a:fld id="{B91AF05B-36DC-4AAC-BE10-EF106711337F}" type="slidenum">
               <a:rPr lang="zh-CN" altLang="en-US" smtClean="0"/>
+              <a:t>‹#›</a:t>
             </a:fld>
             <a:endParaRPr lang="zh-CN" altLang="en-US"/>
           </a:p>
@@ -4987,7 +5030,6 @@
               <a:rPr lang="zh-CN" altLang="en-US" smtClean="0"/>
               <a:t>单击此处编辑母版文本样式</a:t>
             </a:r>
-            <a:endParaRPr lang="zh-CN" altLang="en-US" smtClean="0"/>
           </a:p>
         </p:txBody>
       </p:sp>
@@ -5110,7 +5152,6 @@
               <a:rPr lang="zh-CN" altLang="en-US" smtClean="0"/>
               <a:t>单击此处编辑母版文本样式</a:t>
             </a:r>
-            <a:endParaRPr lang="zh-CN" altLang="en-US" smtClean="0"/>
           </a:p>
         </p:txBody>
       </p:sp>
@@ -5131,6 +5172,7 @@
           <a:p>
             <a:fld id="{F0A08C6D-CA89-457F-88D7-56281A3E4E44}" type="datetimeFigureOut">
               <a:rPr lang="zh-CN" altLang="en-US" smtClean="0"/>
+              <a:t>2019/6/20</a:t>
             </a:fld>
             <a:endParaRPr lang="zh-CN" altLang="en-US"/>
           </a:p>
@@ -5172,6 +5214,7 @@
           <a:p>
             <a:fld id="{B91AF05B-36DC-4AAC-BE10-EF106711337F}" type="slidenum">
               <a:rPr lang="zh-CN" altLang="en-US" smtClean="0"/>
+              <a:t>‹#›</a:t>
             </a:fld>
             <a:endParaRPr lang="zh-CN" altLang="en-US"/>
           </a:p>
@@ -5215,19 +5258,6 @@
               </a:rPr>
               <a:t>“</a:t>
             </a:r>
-            <a:endParaRPr lang="en-US" sz="8000" baseline="0" dirty="0">
-              <a:ln w="3175" cmpd="sng">
-                <a:noFill/>
-              </a:ln>
-              <a:solidFill>
-                <a:schemeClr val="accent1">
-                  <a:lumMod val="60000"/>
-                  <a:lumOff val="40000"/>
-                </a:schemeClr>
-              </a:solidFill>
-              <a:effectLst/>
-              <a:latin typeface="Arial" panose="020B0604020202020204"/>
-            </a:endParaRPr>
           </a:p>
         </p:txBody>
       </p:sp>
@@ -5269,19 +5299,6 @@
               </a:rPr>
               <a:t>”</a:t>
             </a:r>
-            <a:endParaRPr lang="en-US" sz="8000" baseline="0" dirty="0">
-              <a:ln w="3175" cmpd="sng">
-                <a:noFill/>
-              </a:ln>
-              <a:solidFill>
-                <a:schemeClr val="accent1">
-                  <a:lumMod val="60000"/>
-                  <a:lumOff val="40000"/>
-                </a:schemeClr>
-              </a:solidFill>
-              <a:effectLst/>
-              <a:latin typeface="Arial" panose="020B0604020202020204"/>
-            </a:endParaRPr>
           </a:p>
         </p:txBody>
       </p:sp>
@@ -5401,7 +5418,6 @@
               <a:rPr lang="zh-CN" altLang="en-US" smtClean="0"/>
               <a:t>单击此处编辑母版文本样式</a:t>
             </a:r>
-            <a:endParaRPr lang="zh-CN" altLang="en-US" smtClean="0"/>
           </a:p>
         </p:txBody>
       </p:sp>
@@ -5524,7 +5540,6 @@
               <a:rPr lang="zh-CN" altLang="en-US" smtClean="0"/>
               <a:t>单击此处编辑母版文本样式</a:t>
             </a:r>
-            <a:endParaRPr lang="zh-CN" altLang="en-US" smtClean="0"/>
           </a:p>
         </p:txBody>
       </p:sp>
@@ -5545,6 +5560,7 @@
           <a:p>
             <a:fld id="{F0A08C6D-CA89-457F-88D7-56281A3E4E44}" type="datetimeFigureOut">
               <a:rPr lang="zh-CN" altLang="en-US" smtClean="0"/>
+              <a:t>2019/6/20</a:t>
             </a:fld>
             <a:endParaRPr lang="zh-CN" altLang="en-US"/>
           </a:p>
@@ -5586,6 +5602,7 @@
           <a:p>
             <a:fld id="{B91AF05B-36DC-4AAC-BE10-EF106711337F}" type="slidenum">
               <a:rPr lang="zh-CN" altLang="en-US" smtClean="0"/>
+              <a:t>‹#›</a:t>
             </a:fld>
             <a:endParaRPr lang="zh-CN" altLang="en-US"/>
           </a:p>
@@ -5659,7 +5676,6 @@
               <a:rPr lang="zh-CN" altLang="en-US" smtClean="0"/>
               <a:t>单击此处编辑母版文本样式</a:t>
             </a:r>
-            <a:endParaRPr lang="zh-CN" altLang="en-US" smtClean="0"/>
           </a:p>
           <a:p>
             <a:pPr lvl="1"/>
@@ -5667,7 +5683,6 @@
               <a:rPr lang="zh-CN" altLang="en-US" smtClean="0"/>
               <a:t>第二级</a:t>
             </a:r>
-            <a:endParaRPr lang="zh-CN" altLang="en-US" smtClean="0"/>
           </a:p>
           <a:p>
             <a:pPr lvl="2"/>
@@ -5675,7 +5690,6 @@
               <a:rPr lang="zh-CN" altLang="en-US" smtClean="0"/>
               <a:t>第三级</a:t>
             </a:r>
-            <a:endParaRPr lang="zh-CN" altLang="en-US" smtClean="0"/>
           </a:p>
           <a:p>
             <a:pPr lvl="3"/>
@@ -5683,7 +5697,6 @@
               <a:rPr lang="zh-CN" altLang="en-US" smtClean="0"/>
               <a:t>第四级</a:t>
             </a:r>
-            <a:endParaRPr lang="zh-CN" altLang="en-US" smtClean="0"/>
           </a:p>
           <a:p>
             <a:pPr lvl="4"/>
@@ -5712,6 +5725,7 @@
           <a:p>
             <a:fld id="{F0A08C6D-CA89-457F-88D7-56281A3E4E44}" type="datetimeFigureOut">
               <a:rPr lang="zh-CN" altLang="en-US" smtClean="0"/>
+              <a:t>2019/6/20</a:t>
             </a:fld>
             <a:endParaRPr lang="zh-CN" altLang="en-US"/>
           </a:p>
@@ -5753,6 +5767,7 @@
           <a:p>
             <a:fld id="{B91AF05B-36DC-4AAC-BE10-EF106711337F}" type="slidenum">
               <a:rPr lang="zh-CN" altLang="en-US" smtClean="0"/>
+              <a:t>‹#›</a:t>
             </a:fld>
             <a:endParaRPr lang="zh-CN" altLang="en-US"/>
           </a:p>
@@ -5836,7 +5851,6 @@
               <a:rPr lang="zh-CN" altLang="en-US" smtClean="0"/>
               <a:t>单击此处编辑母版文本样式</a:t>
             </a:r>
-            <a:endParaRPr lang="zh-CN" altLang="en-US" smtClean="0"/>
           </a:p>
           <a:p>
             <a:pPr lvl="1"/>
@@ -5844,7 +5858,6 @@
               <a:rPr lang="zh-CN" altLang="en-US" smtClean="0"/>
               <a:t>第二级</a:t>
             </a:r>
-            <a:endParaRPr lang="zh-CN" altLang="en-US" smtClean="0"/>
           </a:p>
           <a:p>
             <a:pPr lvl="2"/>
@@ -5852,7 +5865,6 @@
               <a:rPr lang="zh-CN" altLang="en-US" smtClean="0"/>
               <a:t>第三级</a:t>
             </a:r>
-            <a:endParaRPr lang="zh-CN" altLang="en-US" smtClean="0"/>
           </a:p>
           <a:p>
             <a:pPr lvl="3"/>
@@ -5860,7 +5872,6 @@
               <a:rPr lang="zh-CN" altLang="en-US" smtClean="0"/>
               <a:t>第四级</a:t>
             </a:r>
-            <a:endParaRPr lang="zh-CN" altLang="en-US" smtClean="0"/>
           </a:p>
           <a:p>
             <a:pPr lvl="4"/>
@@ -5889,6 +5900,7 @@
           <a:p>
             <a:fld id="{F0A08C6D-CA89-457F-88D7-56281A3E4E44}" type="datetimeFigureOut">
               <a:rPr lang="zh-CN" altLang="en-US" smtClean="0"/>
+              <a:t>2019/6/20</a:t>
             </a:fld>
             <a:endParaRPr lang="zh-CN" altLang="en-US"/>
           </a:p>
@@ -5930,6 +5942,7 @@
           <a:p>
             <a:fld id="{B91AF05B-36DC-4AAC-BE10-EF106711337F}" type="slidenum">
               <a:rPr lang="zh-CN" altLang="en-US" smtClean="0"/>
+              <a:t>‹#›</a:t>
             </a:fld>
             <a:endParaRPr lang="zh-CN" altLang="en-US"/>
           </a:p>
@@ -6009,7 +6022,6 @@
               <a:rPr lang="zh-CN" altLang="en-US" smtClean="0"/>
               <a:t>单击此处编辑母版文本样式</a:t>
             </a:r>
-            <a:endParaRPr lang="zh-CN" altLang="en-US" smtClean="0"/>
           </a:p>
           <a:p>
             <a:pPr lvl="1"/>
@@ -6017,7 +6029,6 @@
               <a:rPr lang="zh-CN" altLang="en-US" smtClean="0"/>
               <a:t>第二级</a:t>
             </a:r>
-            <a:endParaRPr lang="zh-CN" altLang="en-US" smtClean="0"/>
           </a:p>
           <a:p>
             <a:pPr lvl="2"/>
@@ -6025,7 +6036,6 @@
               <a:rPr lang="zh-CN" altLang="en-US" smtClean="0"/>
               <a:t>第三级</a:t>
             </a:r>
-            <a:endParaRPr lang="zh-CN" altLang="en-US" smtClean="0"/>
           </a:p>
           <a:p>
             <a:pPr lvl="3"/>
@@ -6033,7 +6043,6 @@
               <a:rPr lang="zh-CN" altLang="en-US" smtClean="0"/>
               <a:t>第四级</a:t>
             </a:r>
-            <a:endParaRPr lang="zh-CN" altLang="en-US" smtClean="0"/>
           </a:p>
           <a:p>
             <a:pPr lvl="4"/>
@@ -6062,6 +6071,7 @@
           <a:p>
             <a:fld id="{F0A08C6D-CA89-457F-88D7-56281A3E4E44}" type="datetimeFigureOut">
               <a:rPr lang="zh-CN" altLang="en-US" smtClean="0"/>
+              <a:t>2019/6/20</a:t>
             </a:fld>
             <a:endParaRPr lang="zh-CN" altLang="en-US"/>
           </a:p>
@@ -6103,6 +6113,7 @@
           <a:p>
             <a:fld id="{B91AF05B-36DC-4AAC-BE10-EF106711337F}" type="slidenum">
               <a:rPr lang="zh-CN" altLang="en-US" smtClean="0"/>
+              <a:t>‹#›</a:t>
             </a:fld>
             <a:endParaRPr lang="zh-CN" altLang="en-US"/>
           </a:p>
@@ -6312,7 +6323,6 @@
               <a:rPr lang="zh-CN" altLang="en-US" smtClean="0"/>
               <a:t>单击此处编辑母版文本样式</a:t>
             </a:r>
-            <a:endParaRPr lang="zh-CN" altLang="en-US" smtClean="0"/>
           </a:p>
         </p:txBody>
       </p:sp>
@@ -6333,6 +6343,7 @@
           <a:p>
             <a:fld id="{F0A08C6D-CA89-457F-88D7-56281A3E4E44}" type="datetimeFigureOut">
               <a:rPr lang="zh-CN" altLang="en-US" smtClean="0"/>
+              <a:t>2019/6/20</a:t>
             </a:fld>
             <a:endParaRPr lang="zh-CN" altLang="en-US"/>
           </a:p>
@@ -6374,6 +6385,7 @@
           <a:p>
             <a:fld id="{B91AF05B-36DC-4AAC-BE10-EF106711337F}" type="slidenum">
               <a:rPr lang="zh-CN" altLang="en-US" smtClean="0"/>
+              <a:t>‹#›</a:t>
             </a:fld>
             <a:endParaRPr lang="zh-CN" altLang="en-US"/>
           </a:p>
@@ -6452,7 +6464,6 @@
               <a:rPr lang="zh-CN" altLang="en-US" smtClean="0"/>
               <a:t>单击此处编辑母版文本样式</a:t>
             </a:r>
-            <a:endParaRPr lang="zh-CN" altLang="en-US" smtClean="0"/>
           </a:p>
           <a:p>
             <a:pPr lvl="1"/>
@@ -6460,7 +6471,6 @@
               <a:rPr lang="zh-CN" altLang="en-US" smtClean="0"/>
               <a:t>第二级</a:t>
             </a:r>
-            <a:endParaRPr lang="zh-CN" altLang="en-US" smtClean="0"/>
           </a:p>
           <a:p>
             <a:pPr lvl="2"/>
@@ -6468,7 +6478,6 @@
               <a:rPr lang="zh-CN" altLang="en-US" smtClean="0"/>
               <a:t>第三级</a:t>
             </a:r>
-            <a:endParaRPr lang="zh-CN" altLang="en-US" smtClean="0"/>
           </a:p>
           <a:p>
             <a:pPr lvl="3"/>
@@ -6476,7 +6485,6 @@
               <a:rPr lang="zh-CN" altLang="en-US" smtClean="0"/>
               <a:t>第四级</a:t>
             </a:r>
-            <a:endParaRPr lang="zh-CN" altLang="en-US" smtClean="0"/>
           </a:p>
           <a:p>
             <a:pPr lvl="4"/>
@@ -6513,7 +6521,6 @@
               <a:rPr lang="zh-CN" altLang="en-US" smtClean="0"/>
               <a:t>单击此处编辑母版文本样式</a:t>
             </a:r>
-            <a:endParaRPr lang="zh-CN" altLang="en-US" smtClean="0"/>
           </a:p>
           <a:p>
             <a:pPr lvl="1"/>
@@ -6521,7 +6528,6 @@
               <a:rPr lang="zh-CN" altLang="en-US" smtClean="0"/>
               <a:t>第二级</a:t>
             </a:r>
-            <a:endParaRPr lang="zh-CN" altLang="en-US" smtClean="0"/>
           </a:p>
           <a:p>
             <a:pPr lvl="2"/>
@@ -6529,7 +6535,6 @@
               <a:rPr lang="zh-CN" altLang="en-US" smtClean="0"/>
               <a:t>第三级</a:t>
             </a:r>
-            <a:endParaRPr lang="zh-CN" altLang="en-US" smtClean="0"/>
           </a:p>
           <a:p>
             <a:pPr lvl="3"/>
@@ -6537,7 +6542,6 @@
               <a:rPr lang="zh-CN" altLang="en-US" smtClean="0"/>
               <a:t>第四级</a:t>
             </a:r>
-            <a:endParaRPr lang="zh-CN" altLang="en-US" smtClean="0"/>
           </a:p>
           <a:p>
             <a:pPr lvl="4"/>
@@ -6566,6 +6570,7 @@
           <a:p>
             <a:fld id="{F0A08C6D-CA89-457F-88D7-56281A3E4E44}" type="datetimeFigureOut">
               <a:rPr lang="zh-CN" altLang="en-US" smtClean="0"/>
+              <a:t>2019/6/20</a:t>
             </a:fld>
             <a:endParaRPr lang="zh-CN" altLang="en-US"/>
           </a:p>
@@ -6607,6 +6612,7 @@
           <a:p>
             <a:fld id="{B91AF05B-36DC-4AAC-BE10-EF106711337F}" type="slidenum">
               <a:rPr lang="zh-CN" altLang="en-US" smtClean="0"/>
+              <a:t>‹#›</a:t>
             </a:fld>
             <a:endParaRPr lang="zh-CN" altLang="en-US"/>
           </a:p>
@@ -6728,7 +6734,6 @@
               <a:rPr lang="zh-CN" altLang="en-US" smtClean="0"/>
               <a:t>单击此处编辑母版文本样式</a:t>
             </a:r>
-            <a:endParaRPr lang="zh-CN" altLang="en-US" smtClean="0"/>
           </a:p>
         </p:txBody>
       </p:sp>
@@ -6759,7 +6764,6 @@
               <a:rPr lang="zh-CN" altLang="en-US" smtClean="0"/>
               <a:t>单击此处编辑母版文本样式</a:t>
             </a:r>
-            <a:endParaRPr lang="zh-CN" altLang="en-US" smtClean="0"/>
           </a:p>
           <a:p>
             <a:pPr lvl="1"/>
@@ -6767,7 +6771,6 @@
               <a:rPr lang="zh-CN" altLang="en-US" smtClean="0"/>
               <a:t>第二级</a:t>
             </a:r>
-            <a:endParaRPr lang="zh-CN" altLang="en-US" smtClean="0"/>
           </a:p>
           <a:p>
             <a:pPr lvl="2"/>
@@ -6775,7 +6778,6 @@
               <a:rPr lang="zh-CN" altLang="en-US" smtClean="0"/>
               <a:t>第三级</a:t>
             </a:r>
-            <a:endParaRPr lang="zh-CN" altLang="en-US" smtClean="0"/>
           </a:p>
           <a:p>
             <a:pPr lvl="3"/>
@@ -6783,7 +6785,6 @@
               <a:rPr lang="zh-CN" altLang="en-US" smtClean="0"/>
               <a:t>第四级</a:t>
             </a:r>
-            <a:endParaRPr lang="zh-CN" altLang="en-US" smtClean="0"/>
           </a:p>
           <a:p>
             <a:pPr lvl="4"/>
@@ -6859,7 +6860,6 @@
               <a:rPr lang="zh-CN" altLang="en-US" smtClean="0"/>
               <a:t>单击此处编辑母版文本样式</a:t>
             </a:r>
-            <a:endParaRPr lang="zh-CN" altLang="en-US" smtClean="0"/>
           </a:p>
         </p:txBody>
       </p:sp>
@@ -6890,7 +6890,6 @@
               <a:rPr lang="zh-CN" altLang="en-US" smtClean="0"/>
               <a:t>单击此处编辑母版文本样式</a:t>
             </a:r>
-            <a:endParaRPr lang="zh-CN" altLang="en-US" smtClean="0"/>
           </a:p>
           <a:p>
             <a:pPr lvl="1"/>
@@ -6898,7 +6897,6 @@
               <a:rPr lang="zh-CN" altLang="en-US" smtClean="0"/>
               <a:t>第二级</a:t>
             </a:r>
-            <a:endParaRPr lang="zh-CN" altLang="en-US" smtClean="0"/>
           </a:p>
           <a:p>
             <a:pPr lvl="2"/>
@@ -6906,7 +6904,6 @@
               <a:rPr lang="zh-CN" altLang="en-US" smtClean="0"/>
               <a:t>第三级</a:t>
             </a:r>
-            <a:endParaRPr lang="zh-CN" altLang="en-US" smtClean="0"/>
           </a:p>
           <a:p>
             <a:pPr lvl="3"/>
@@ -6914,7 +6911,6 @@
               <a:rPr lang="zh-CN" altLang="en-US" smtClean="0"/>
               <a:t>第四级</a:t>
             </a:r>
-            <a:endParaRPr lang="zh-CN" altLang="en-US" smtClean="0"/>
           </a:p>
           <a:p>
             <a:pPr lvl="4"/>
@@ -6943,6 +6939,7 @@
           <a:p>
             <a:fld id="{F0A08C6D-CA89-457F-88D7-56281A3E4E44}" type="datetimeFigureOut">
               <a:rPr lang="zh-CN" altLang="en-US" smtClean="0"/>
+              <a:t>2019/6/20</a:t>
             </a:fld>
             <a:endParaRPr lang="zh-CN" altLang="en-US"/>
           </a:p>
@@ -6984,6 +6981,7 @@
           <a:p>
             <a:fld id="{B91AF05B-36DC-4AAC-BE10-EF106711337F}" type="slidenum">
               <a:rPr lang="zh-CN" altLang="en-US" smtClean="0"/>
+              <a:t>‹#›</a:t>
             </a:fld>
             <a:endParaRPr lang="zh-CN" altLang="en-US"/>
           </a:p>
@@ -7059,6 +7057,7 @@
           <a:p>
             <a:fld id="{F0A08C6D-CA89-457F-88D7-56281A3E4E44}" type="datetimeFigureOut">
               <a:rPr lang="zh-CN" altLang="en-US" smtClean="0"/>
+              <a:t>2019/6/20</a:t>
             </a:fld>
             <a:endParaRPr lang="zh-CN" altLang="en-US"/>
           </a:p>
@@ -7100,6 +7099,7 @@
           <a:p>
             <a:fld id="{B91AF05B-36DC-4AAC-BE10-EF106711337F}" type="slidenum">
               <a:rPr lang="zh-CN" altLang="en-US" smtClean="0"/>
+              <a:t>‹#›</a:t>
             </a:fld>
             <a:endParaRPr lang="zh-CN" altLang="en-US"/>
           </a:p>
@@ -7147,6 +7147,7 @@
           <a:p>
             <a:fld id="{F0A08C6D-CA89-457F-88D7-56281A3E4E44}" type="datetimeFigureOut">
               <a:rPr lang="zh-CN" altLang="en-US" smtClean="0"/>
+              <a:t>2019/6/20</a:t>
             </a:fld>
             <a:endParaRPr lang="zh-CN" altLang="en-US"/>
           </a:p>
@@ -7188,6 +7189,7 @@
           <a:p>
             <a:fld id="{B91AF05B-36DC-4AAC-BE10-EF106711337F}" type="slidenum">
               <a:rPr lang="zh-CN" altLang="en-US" smtClean="0"/>
+              <a:t>‹#›</a:t>
             </a:fld>
             <a:endParaRPr lang="zh-CN" altLang="en-US"/>
           </a:p>
@@ -7279,7 +7281,6 @@
               <a:rPr lang="zh-CN" altLang="en-US" smtClean="0"/>
               <a:t>单击此处编辑母版文本样式</a:t>
             </a:r>
-            <a:endParaRPr lang="zh-CN" altLang="en-US" smtClean="0"/>
           </a:p>
           <a:p>
             <a:pPr lvl="1"/>
@@ -7287,7 +7288,6 @@
               <a:rPr lang="zh-CN" altLang="en-US" smtClean="0"/>
               <a:t>第二级</a:t>
             </a:r>
-            <a:endParaRPr lang="zh-CN" altLang="en-US" smtClean="0"/>
           </a:p>
           <a:p>
             <a:pPr lvl="2"/>
@@ -7295,7 +7295,6 @@
               <a:rPr lang="zh-CN" altLang="en-US" smtClean="0"/>
               <a:t>第三级</a:t>
             </a:r>
-            <a:endParaRPr lang="zh-CN" altLang="en-US" smtClean="0"/>
           </a:p>
           <a:p>
             <a:pPr lvl="3"/>
@@ -7303,7 +7302,6 @@
               <a:rPr lang="zh-CN" altLang="en-US" smtClean="0"/>
               <a:t>第四级</a:t>
             </a:r>
-            <a:endParaRPr lang="zh-CN" altLang="en-US" smtClean="0"/>
           </a:p>
           <a:p>
             <a:pPr lvl="4"/>
@@ -7379,7 +7377,6 @@
               <a:rPr lang="zh-CN" altLang="en-US" smtClean="0"/>
               <a:t>单击此处编辑母版文本样式</a:t>
             </a:r>
-            <a:endParaRPr lang="zh-CN" altLang="en-US" smtClean="0"/>
           </a:p>
         </p:txBody>
       </p:sp>
@@ -7400,6 +7397,7 @@
           <a:p>
             <a:fld id="{F0A08C6D-CA89-457F-88D7-56281A3E4E44}" type="datetimeFigureOut">
               <a:rPr lang="zh-CN" altLang="en-US" smtClean="0"/>
+              <a:t>2019/6/20</a:t>
             </a:fld>
             <a:endParaRPr lang="zh-CN" altLang="en-US"/>
           </a:p>
@@ -7441,6 +7439,7 @@
           <a:p>
             <a:fld id="{B91AF05B-36DC-4AAC-BE10-EF106711337F}" type="slidenum">
               <a:rPr lang="zh-CN" altLang="en-US" smtClean="0"/>
+              <a:t>‹#›</a:t>
             </a:fld>
             <a:endParaRPr lang="zh-CN" altLang="en-US"/>
           </a:p>
@@ -7636,7 +7635,6 @@
               <a:rPr lang="zh-CN" altLang="en-US" smtClean="0"/>
               <a:t>单击此处编辑母版文本样式</a:t>
             </a:r>
-            <a:endParaRPr lang="zh-CN" altLang="en-US" smtClean="0"/>
           </a:p>
         </p:txBody>
       </p:sp>
@@ -7657,6 +7655,7 @@
           <a:p>
             <a:fld id="{F0A08C6D-CA89-457F-88D7-56281A3E4E44}" type="datetimeFigureOut">
               <a:rPr lang="zh-CN" altLang="en-US" smtClean="0"/>
+              <a:t>2019/6/20</a:t>
             </a:fld>
             <a:endParaRPr lang="zh-CN" altLang="en-US"/>
           </a:p>
@@ -7698,6 +7697,7 @@
           <a:p>
             <a:fld id="{B91AF05B-36DC-4AAC-BE10-EF106711337F}" type="slidenum">
               <a:rPr lang="zh-CN" altLang="en-US" smtClean="0"/>
+              <a:t>‹#›</a:t>
             </a:fld>
             <a:endParaRPr lang="zh-CN" altLang="en-US"/>
           </a:p>
@@ -8326,7 +8326,6 @@
               <a:rPr lang="zh-CN" altLang="en-US" smtClean="0"/>
               <a:t>单击此处编辑母版文本样式</a:t>
             </a:r>
-            <a:endParaRPr lang="zh-CN" altLang="en-US" smtClean="0"/>
           </a:p>
           <a:p>
             <a:pPr lvl="1"/>
@@ -8334,7 +8333,6 @@
               <a:rPr lang="zh-CN" altLang="en-US" smtClean="0"/>
               <a:t>第二级</a:t>
             </a:r>
-            <a:endParaRPr lang="zh-CN" altLang="en-US" smtClean="0"/>
           </a:p>
           <a:p>
             <a:pPr lvl="2"/>
@@ -8342,7 +8340,6 @@
               <a:rPr lang="zh-CN" altLang="en-US" smtClean="0"/>
               <a:t>第三级</a:t>
             </a:r>
-            <a:endParaRPr lang="zh-CN" altLang="en-US" smtClean="0"/>
           </a:p>
           <a:p>
             <a:pPr lvl="3"/>
@@ -8350,7 +8347,6 @@
               <a:rPr lang="zh-CN" altLang="en-US" smtClean="0"/>
               <a:t>第四级</a:t>
             </a:r>
-            <a:endParaRPr lang="zh-CN" altLang="en-US" smtClean="0"/>
           </a:p>
           <a:p>
             <a:pPr lvl="4"/>
@@ -8397,6 +8393,7 @@
           <a:p>
             <a:fld id="{F0A08C6D-CA89-457F-88D7-56281A3E4E44}" type="datetimeFigureOut">
               <a:rPr lang="zh-CN" altLang="en-US" smtClean="0"/>
+              <a:t>2019/6/20</a:t>
             </a:fld>
             <a:endParaRPr lang="zh-CN" altLang="en-US"/>
           </a:p>
@@ -8472,6 +8469,7 @@
           <a:p>
             <a:fld id="{B91AF05B-36DC-4AAC-BE10-EF106711337F}" type="slidenum">
               <a:rPr lang="zh-CN" altLang="en-US" smtClean="0"/>
+              <a:t>‹#›</a:t>
             </a:fld>
             <a:endParaRPr lang="zh-CN" altLang="en-US"/>
           </a:p>
@@ -9064,18 +9062,21 @@
           </a:p>
           <a:p>
             <a:r>
+              <a:rPr lang="en-US" altLang="zh-CN" sz="2800" dirty="0" err="1" smtClean="0">
+                <a:solidFill>
+                  <a:schemeClr val="tx1"/>
+                </a:solidFill>
+              </a:rPr>
+              <a:t>jicheng</a:t>
+            </a:r>
+            <a:r>
               <a:rPr lang="en-US" altLang="zh-CN" sz="2800" dirty="0" smtClean="0">
                 <a:solidFill>
                   <a:schemeClr val="tx1"/>
                 </a:solidFill>
               </a:rPr>
-              <a:t>jicheng @ yahoo . Com</a:t>
-            </a:r>
-            <a:endParaRPr lang="en-US" altLang="zh-CN" sz="2800" dirty="0" smtClean="0">
-              <a:solidFill>
-                <a:schemeClr val="tx1"/>
-              </a:solidFill>
-            </a:endParaRPr>
+              <a:t>     yahoo . com</a:t>
+            </a:r>
           </a:p>
           <a:p>
             <a:r>
@@ -9094,11 +9095,6 @@
               </a:rPr>
               <a:t>github.com/jichenghu/</a:t>
             </a:r>
-            <a:endParaRPr lang="en-US" altLang="zh-CN" sz="2800" dirty="0" smtClean="0">
-              <a:solidFill>
-                <a:schemeClr val="tx1"/>
-              </a:solidFill>
-            </a:endParaRPr>
           </a:p>
         </p:txBody>
       </p:sp>
@@ -9111,7 +9107,7 @@
           <p:nvPr/>
         </p:nvPicPr>
         <p:blipFill>
-          <a:blip r:embed="rId1">
+          <a:blip r:embed="rId2">
             <a:extLst>
               <a:ext uri="{28A0092B-C50C-407E-A947-70E740481C1C}">
                 <a14:useLocalDpi xmlns:a14="http://schemas.microsoft.com/office/drawing/2010/main" val="0"/>
@@ -9141,6 +9137,36 @@
               </a14:hiddenFill>
             </a:ext>
           </a:extLst>
+        </p:spPr>
+      </p:pic>
+      <p:pic>
+        <p:nvPicPr>
+          <p:cNvPr id="4" name="图片 3"/>
+          <p:cNvPicPr>
+            <a:picLocks noChangeAspect="1"/>
+          </p:cNvPicPr>
+          <p:nvPr/>
+        </p:nvPicPr>
+        <p:blipFill>
+          <a:blip r:embed="rId3" cstate="print">
+            <a:extLst>
+              <a:ext uri="{28A0092B-C50C-407E-A947-70E740481C1C}">
+                <a14:useLocalDpi xmlns:a14="http://schemas.microsoft.com/office/drawing/2010/main" val="0"/>
+              </a:ext>
+            </a:extLst>
+          </a:blip>
+          <a:stretch>
+            <a:fillRect/>
+          </a:stretch>
+        </p:blipFill>
+        <p:spPr>
+          <a:xfrm>
+            <a:off x="5372377" y="5550010"/>
+            <a:ext cx="466696" cy="446473"/>
+          </a:xfrm>
+          <a:prstGeom prst="rect">
+            <a:avLst/>
+          </a:prstGeom>
         </p:spPr>
       </p:pic>
     </p:spTree>
@@ -9200,6 +9226,7 @@
             </a:pPr>
             <a:fld id="{B18F26D4-EC69-47C4-AAE8-2B8CBD911E17}" type="slidenum">
               <a:rPr lang="zh-CN" altLang="en-US"/>
+              <a:t>10</a:t>
             </a:fld>
             <a:endParaRPr lang="en-US" altLang="zh-CN"/>
           </a:p>
@@ -9230,12 +9257,6 @@
               </a:rPr>
               <a:t>重点补充的内容</a:t>
             </a:r>
-            <a:endParaRPr lang="zh-CN" altLang="en-US" sz="6500">
-              <a:solidFill>
-                <a:schemeClr val="accent2"/>
-              </a:solidFill>
-              <a:ea typeface="华文行楷" panose="02010800040101010101" pitchFamily="2" charset="-122"/>
-            </a:endParaRPr>
           </a:p>
         </p:txBody>
       </p:sp>
@@ -9270,7 +9291,6 @@
               <a:rPr lang="zh-CN" altLang="en-US" sz="4400" dirty="0" smtClean="0"/>
               <a:t>底层事件机制</a:t>
             </a:r>
-            <a:endParaRPr lang="zh-CN" altLang="en-US" sz="4400" dirty="0" smtClean="0"/>
           </a:p>
           <a:p>
             <a:pPr eaLnBrk="1" hangingPunct="1"/>
@@ -9278,7 +9298,6 @@
               <a:rPr lang="zh-CN" altLang="en-US" sz="4400" dirty="0" smtClean="0"/>
               <a:t>回调函数</a:t>
             </a:r>
-            <a:endParaRPr lang="zh-CN" altLang="en-US" sz="4400" dirty="0" smtClean="0"/>
           </a:p>
           <a:p>
             <a:pPr eaLnBrk="1" hangingPunct="1"/>
@@ -9302,7 +9321,6 @@
               <a:rPr lang="zh-CN" altLang="en-US" sz="4400" dirty="0" smtClean="0"/>
               <a:t>打包与部署</a:t>
             </a:r>
-            <a:endParaRPr lang="zh-CN" altLang="en-US" sz="4400" dirty="0" smtClean="0"/>
           </a:p>
         </p:txBody>
       </p:sp>
@@ -9478,6 +9496,7 @@
             </a:pPr>
             <a:fld id="{EF72C54F-E7F3-40EF-9804-25B3E47546A7}" type="slidenum">
               <a:rPr lang="zh-CN" altLang="en-US"/>
+              <a:t>11</a:t>
             </a:fld>
             <a:endParaRPr lang="en-US" altLang="zh-CN"/>
           </a:p>
@@ -9503,7 +9522,6 @@
               <a:rPr lang="zh-CN" altLang="en-US" smtClean="0"/>
               <a:t>学习形式</a:t>
             </a:r>
-            <a:endParaRPr lang="zh-CN" altLang="en-US" smtClean="0"/>
           </a:p>
         </p:txBody>
       </p:sp>
@@ -9532,19 +9550,13 @@
               <a:rPr lang="zh-CN" altLang="en-US" sz="4400" b="1"/>
               <a:t>教师讲授与演示</a:t>
             </a:r>
-            <a:endParaRPr lang="zh-CN" altLang="en-US" sz="4400" b="1"/>
           </a:p>
           <a:p>
             <a:pPr eaLnBrk="1" hangingPunct="1"/>
             <a:r>
               <a:rPr lang="zh-CN" altLang="en-US" sz="4400" b="1"/>
-              <a:t>上机指导与</a:t>
-            </a:r>
-            <a:r>
-              <a:rPr lang="zh-CN" altLang="en-US" sz="4400" b="1"/>
-              <a:t>实操</a:t>
-            </a:r>
-            <a:endParaRPr lang="zh-CN" altLang="en-US" sz="4400" b="1"/>
+              <a:t>上机指导书实操</a:t>
+            </a:r>
           </a:p>
           <a:p>
             <a:pPr eaLnBrk="1" hangingPunct="1"/>
@@ -9552,7 +9564,6 @@
               <a:rPr lang="zh-CN" altLang="en-US" sz="4400" b="1"/>
               <a:t>答疑</a:t>
             </a:r>
-            <a:endParaRPr lang="zh-CN" altLang="en-US" sz="4400" b="1"/>
           </a:p>
         </p:txBody>
       </p:sp>
@@ -9608,6 +9619,7 @@
             </a:pPr>
             <a:fld id="{D91769AA-F29D-4E09-A2EB-48D3D0A55137}" type="slidenum">
               <a:rPr lang="zh-CN" altLang="en-US"/>
+              <a:t>12</a:t>
             </a:fld>
             <a:endParaRPr lang="en-US" altLang="zh-CN"/>
           </a:p>
@@ -9638,7 +9650,6 @@
               <a:rPr lang="zh-CN" altLang="en-US" smtClean="0"/>
               <a:t>联系我</a:t>
             </a:r>
-            <a:endParaRPr lang="zh-CN" altLang="en-US" smtClean="0"/>
           </a:p>
         </p:txBody>
       </p:sp>
@@ -9677,7 +9688,6 @@
               <a:rPr lang="en-US" altLang="zh-CN" sz="4800" dirty="0" smtClean="0"/>
               <a:t>188-2762-8182</a:t>
             </a:r>
-            <a:endParaRPr lang="en-US" altLang="zh-CN" sz="4800" dirty="0" smtClean="0"/>
           </a:p>
           <a:p>
             <a:pPr eaLnBrk="1" hangingPunct="1">
@@ -9689,7 +9699,6 @@
               <a:rPr lang="en-US" altLang="zh-CN" sz="4800" dirty="0" smtClean="0"/>
               <a:t>jicheng @ yahoo . com</a:t>
             </a:r>
-            <a:endParaRPr lang="en-US" altLang="zh-CN" sz="4800" dirty="0" smtClean="0"/>
           </a:p>
           <a:p>
             <a:pPr>
@@ -9779,7 +9788,7 @@
         </p:xfrm>
         <a:graphic>
           <a:graphicData uri="http://schemas.openxmlformats.org/drawingml/2006/diagram">
-            <dgm:relIds xmlns:dgm="http://schemas.openxmlformats.org/drawingml/2006/diagram" xmlns:r="http://schemas.openxmlformats.org/officeDocument/2006/relationships" r:dm="rId1" r:lo="rId2" r:qs="rId3" r:cs="rId4"/>
+            <dgm:relIds xmlns:dgm="http://schemas.openxmlformats.org/drawingml/2006/diagram" xmlns:r="http://schemas.openxmlformats.org/officeDocument/2006/relationships" r:dm="rId2" r:lo="rId3" r:qs="rId4" r:cs="rId5"/>
           </a:graphicData>
         </a:graphic>
       </p:graphicFrame>
@@ -9866,6 +9875,7 @@
             </a:pPr>
             <a:fld id="{8898D075-5ADB-4173-AB5A-B55D3C8574C1}" type="slidenum">
               <a:rPr lang="zh-CN" altLang="en-US"/>
+              <a:t>3</a:t>
             </a:fld>
             <a:endParaRPr lang="en-US" altLang="zh-CN"/>
           </a:p>
@@ -10001,10 +10011,6 @@
               </a:rPr>
               <a:t>等各种设备</a:t>
             </a:r>
-            <a:endParaRPr lang="zh-CN" altLang="en-US" sz="2000" dirty="0" smtClean="0">
-              <a:latin typeface="微软雅黑" panose="020B0503020204020204" pitchFamily="34" charset="-122"/>
-              <a:ea typeface="微软雅黑" panose="020B0503020204020204" pitchFamily="34" charset="-122"/>
-            </a:endParaRPr>
           </a:p>
         </p:txBody>
       </p:sp>
@@ -10014,7 +10020,13 @@
           <p:cNvGraphicFramePr>
             <a:graphicFrameLocks noChangeAspect="1"/>
           </p:cNvGraphicFramePr>
-          <p:nvPr/>
+          <p:nvPr>
+            <p:extLst>
+              <p:ext uri="{D42A27DB-BD31-4B8C-83A1-F6EECF244321}">
+                <p14:modId xmlns:p14="http://schemas.microsoft.com/office/powerpoint/2010/main" val="2021908968"/>
+              </p:ext>
+            </p:extLst>
+          </p:nvPr>
         </p:nvGraphicFramePr>
         <p:xfrm>
           <a:off x="5012939" y="19961"/>
@@ -10024,12 +10036,12 @@
           <a:graphicData uri="http://schemas.openxmlformats.org/presentationml/2006/ole">
             <mc:AlternateContent xmlns:mc="http://schemas.openxmlformats.org/markup-compatibility/2006">
               <mc:Choice xmlns:v="urn:schemas-microsoft-com:vml" Requires="v">
-                <p:oleObj spid="_x0000_s2093" name="" r:id="rId1" imgW="3790950" imgH="2914650" progId="">
+                <p:oleObj spid="_x0000_s2100" r:id="rId3" imgW="3790950" imgH="2914650" progId="">
                   <p:embed/>
                 </p:oleObj>
               </mc:Choice>
               <mc:Fallback>
-                <p:oleObj name="" r:id="rId1" imgW="3790950" imgH="2914650" progId="">
+                <p:oleObj r:id="rId3" imgW="3790950" imgH="2914650" progId="">
                   <p:embed/>
                   <p:pic>
                     <p:nvPicPr>
@@ -10038,7 +10050,7 @@
                       <p:nvPr/>
                     </p:nvPicPr>
                     <p:blipFill>
-                      <a:blip r:embed="rId2"/>
+                      <a:blip r:embed="rId4"/>
                       <a:stretch>
                         <a:fillRect/>
                       </a:stretch>
@@ -10111,6 +10123,7 @@
             </a:pPr>
             <a:fld id="{7AD97E16-7DEB-4BEF-BF0B-12BA76785349}" type="slidenum">
               <a:rPr lang="zh-CN" altLang="en-US"/>
+              <a:t>4</a:t>
             </a:fld>
             <a:endParaRPr lang="en-US" altLang="zh-CN"/>
           </a:p>
@@ -10153,7 +10166,6 @@
               <a:rPr lang="zh-CN" altLang="en-US" sz="4000" dirty="0"/>
               <a:t> </a:t>
             </a:r>
-            <a:endParaRPr lang="zh-CN" altLang="en-US" sz="4000" dirty="0"/>
           </a:p>
         </p:txBody>
       </p:sp>
@@ -10358,6 +10370,7 @@
             </a:pPr>
             <a:fld id="{F32019EC-443F-4288-9251-0F05AE561AAD}" type="slidenum">
               <a:rPr lang="zh-CN" altLang="en-US"/>
+              <a:t>5</a:t>
             </a:fld>
             <a:endParaRPr lang="en-US" altLang="zh-CN"/>
           </a:p>
@@ -10383,7 +10396,6 @@
               <a:rPr lang="zh-CN" altLang="en-US" smtClean="0"/>
               <a:t>课时内容</a:t>
             </a:r>
-            <a:endParaRPr lang="zh-CN" altLang="en-US" smtClean="0"/>
           </a:p>
         </p:txBody>
       </p:sp>
@@ -10438,13 +10450,25 @@
               <a:rPr lang="en-US" altLang="zh-CN" sz="2800" dirty="0" smtClean="0">
                 <a:ea typeface="华文新魏" panose="02010800040101010101" pitchFamily="2" charset="-122"/>
               </a:rPr>
-              <a:t>Windows Com</a:t>
+              <a:t>Windows </a:t>
+            </a:r>
+            <a:r>
+              <a:rPr lang="en-US" altLang="zh-CN" sz="2800" dirty="0" smtClean="0">
+                <a:ea typeface="华文新魏" panose="02010800040101010101" pitchFamily="2" charset="-122"/>
+              </a:rPr>
+              <a:t>COM</a:t>
             </a:r>
             <a:r>
               <a:rPr lang="zh-CN" altLang="en-US" sz="2800" dirty="0" smtClean="0">
                 <a:ea typeface="华文新魏" panose="02010800040101010101" pitchFamily="2" charset="-122"/>
               </a:rPr>
-              <a:t>原理与技术</a:t>
+              <a:t>原理</a:t>
+            </a:r>
+            <a:r>
+              <a:rPr lang="zh-CN" altLang="en-US" sz="2800" dirty="0" smtClean="0">
+                <a:ea typeface="华文新魏" panose="02010800040101010101" pitchFamily="2" charset="-122"/>
+              </a:rPr>
+              <a:t>与技术</a:t>
             </a:r>
             <a:endParaRPr lang="zh-CN" altLang="en-US" sz="2800" dirty="0">
               <a:ea typeface="华文新魏" panose="02010800040101010101" pitchFamily="2" charset="-122"/>
@@ -10586,6 +10610,7 @@
             </a:pPr>
             <a:fld id="{8C27E3E0-8461-4D13-9B1B-5953FA22ABBF}" type="slidenum">
               <a:rPr lang="zh-CN" altLang="en-US"/>
+              <a:t>6</a:t>
             </a:fld>
             <a:endParaRPr lang="en-US" altLang="zh-CN"/>
           </a:p>
@@ -10611,7 +10636,6 @@
               <a:rPr lang="zh-CN" altLang="en-US" smtClean="0"/>
               <a:t>先修课程</a:t>
             </a:r>
-            <a:endParaRPr lang="zh-CN" altLang="en-US" smtClean="0"/>
           </a:p>
         </p:txBody>
       </p:sp>
@@ -10639,12 +10663,18 @@
           <a:p>
             <a:pPr eaLnBrk="1" hangingPunct="1"/>
             <a:r>
-              <a:rPr lang="zh-CN" altLang="en-US" sz="4400" dirty="0" smtClean="0"/>
-              <a:t>Ｃ</a:t>
-            </a:r>
-            <a:r>
-              <a:rPr lang="en-US" altLang="zh-CN" sz="4400" dirty="0" smtClean="0"/>
-              <a:t>#</a:t>
+              <a:rPr lang="en-US" altLang="zh-CN" sz="4400" dirty="0" smtClean="0">
+                <a:latin typeface="Arial" panose="020B0604020202020204" pitchFamily="34" charset="0"/>
+                <a:cs typeface="Arial" panose="020B0604020202020204" pitchFamily="34" charset="0"/>
+              </a:rPr>
+              <a:t>C#</a:t>
+            </a:r>
+            <a:r>
+              <a:rPr lang="en-US" altLang="zh-CN" sz="4400" dirty="0" smtClean="0">
+                <a:latin typeface="Arial" panose="020B0604020202020204" pitchFamily="34" charset="0"/>
+                <a:cs typeface="Arial" panose="020B0604020202020204" pitchFamily="34" charset="0"/>
+              </a:rPr>
+              <a:t>/C++</a:t>
             </a:r>
             <a:r>
               <a:rPr lang="zh-CN" altLang="en-US" sz="4400" dirty="0" smtClean="0"/>
@@ -10658,7 +10688,6 @@
               <a:rPr lang="zh-CN" altLang="en-US" sz="4400" dirty="0" smtClean="0"/>
               <a:t>数据结构</a:t>
             </a:r>
-            <a:endParaRPr lang="zh-CN" altLang="en-US" sz="4400" dirty="0" smtClean="0"/>
           </a:p>
         </p:txBody>
       </p:sp>
@@ -10714,6 +10743,7 @@
             </a:pPr>
             <a:fld id="{6E23B9E7-0572-49C7-9542-E4DF1B840E45}" type="slidenum">
               <a:rPr lang="zh-CN" altLang="en-US"/>
+              <a:t>7</a:t>
             </a:fld>
             <a:endParaRPr lang="en-US" altLang="zh-CN"/>
           </a:p>
@@ -10739,7 +10769,6 @@
               <a:rPr lang="zh-CN" altLang="en-US" smtClean="0"/>
               <a:t>课时计划</a:t>
             </a:r>
-            <a:endParaRPr lang="zh-CN" altLang="en-US" smtClean="0"/>
           </a:p>
         </p:txBody>
       </p:sp>
@@ -10765,91 +10794,47 @@
           </a:bodyPr>
           <a:lstStyle/>
           <a:p>
-            <a:pPr eaLnBrk="1" hangingPunct="1">
+            <a:pPr>
               <a:lnSpc>
                 <a:spcPct val="110000"/>
               </a:lnSpc>
             </a:pPr>
             <a:r>
-              <a:rPr lang="en-US" altLang="zh-CN" dirty="0" smtClean="0">
-                <a:latin typeface="华文新魏" panose="02010800040101010101" pitchFamily="2" charset="-122"/>
-                <a:ea typeface="华文新魏" panose="02010800040101010101" pitchFamily="2" charset="-122"/>
-              </a:rPr>
-              <a:t>1-12</a:t>
-            </a:r>
-            <a:r>
               <a:rPr lang="zh-CN" altLang="en-US" dirty="0" smtClean="0">
                 <a:latin typeface="华文新魏" panose="02010800040101010101" pitchFamily="2" charset="-122"/>
                 <a:ea typeface="华文新魏" panose="02010800040101010101" pitchFamily="2" charset="-122"/>
               </a:rPr>
-              <a:t>周  理论</a:t>
+              <a:t>理论课，</a:t>
             </a:r>
             <a:r>
               <a:rPr lang="en-US" altLang="zh-CN" dirty="0" smtClean="0">
                 <a:latin typeface="华文新魏" panose="02010800040101010101" pitchFamily="2" charset="-122"/>
-                <a:ea typeface="华文新魏" panose="02010800040101010101" pitchFamily="2" charset="-122"/>
               </a:rPr>
-              <a:t>16</a:t>
+              <a:t>1-6</a:t>
+            </a:r>
+            <a:r>
+              <a:rPr lang="zh-CN" altLang="en-US" dirty="0">
+                <a:latin typeface="华文新魏" panose="02010800040101010101" pitchFamily="2" charset="-122"/>
+              </a:rPr>
+              <a:t>周  </a:t>
             </a:r>
             <a:r>
               <a:rPr lang="zh-CN" altLang="en-US" dirty="0" smtClean="0">
                 <a:latin typeface="华文新魏" panose="02010800040101010101" pitchFamily="2" charset="-122"/>
-                <a:ea typeface="华文新魏" panose="02010800040101010101" pitchFamily="2" charset="-122"/>
               </a:rPr>
-              <a:t>课时，实验</a:t>
+              <a:t>共</a:t>
             </a:r>
             <a:r>
               <a:rPr lang="en-US" altLang="zh-CN" dirty="0" smtClean="0">
                 <a:latin typeface="华文新魏" panose="02010800040101010101" pitchFamily="2" charset="-122"/>
-                <a:ea typeface="华文新魏" panose="02010800040101010101" pitchFamily="2" charset="-122"/>
               </a:rPr>
-              <a:t>16</a:t>
-            </a:r>
-            <a:r>
-              <a:rPr lang="zh-CN" altLang="en-US" dirty="0" smtClean="0">
+              <a:t>18</a:t>
+            </a:r>
+            <a:r>
+              <a:rPr lang="zh-CN" altLang="en-US" dirty="0">
                 <a:latin typeface="华文新魏" panose="02010800040101010101" pitchFamily="2" charset="-122"/>
-                <a:ea typeface="华文新魏" panose="02010800040101010101" pitchFamily="2" charset="-122"/>
               </a:rPr>
-              <a:t>课时</a:t>
-            </a:r>
-            <a:endParaRPr lang="zh-CN" altLang="en-US" dirty="0" smtClean="0">
-              <a:latin typeface="华文新魏" panose="02010800040101010101" pitchFamily="2" charset="-122"/>
-              <a:ea typeface="华文新魏" panose="02010800040101010101" pitchFamily="2" charset="-122"/>
-            </a:endParaRPr>
-          </a:p>
-          <a:p>
-            <a:pPr eaLnBrk="1" hangingPunct="1">
-              <a:lnSpc>
-                <a:spcPct val="110000"/>
-              </a:lnSpc>
-            </a:pPr>
-            <a:r>
-              <a:rPr lang="en-US" altLang="zh-CN" dirty="0" smtClean="0">
-                <a:latin typeface="华文新魏" panose="02010800040101010101" pitchFamily="2" charset="-122"/>
-                <a:ea typeface="华文新魏" panose="02010800040101010101" pitchFamily="2" charset="-122"/>
-              </a:rPr>
-              <a:t>1</a:t>
-            </a:r>
-            <a:r>
-              <a:rPr lang="zh-CN" altLang="en-US" dirty="0" smtClean="0">
-                <a:latin typeface="华文新魏" panose="02010800040101010101" pitchFamily="2" charset="-122"/>
-                <a:ea typeface="华文新魏" panose="02010800040101010101" pitchFamily="2" charset="-122"/>
-              </a:rPr>
-              <a:t>班和</a:t>
-            </a:r>
-            <a:r>
-              <a:rPr lang="en-US" altLang="zh-CN" dirty="0" smtClean="0">
-                <a:latin typeface="华文新魏" panose="02010800040101010101" pitchFamily="2" charset="-122"/>
-                <a:ea typeface="华文新魏" panose="02010800040101010101" pitchFamily="2" charset="-122"/>
-              </a:rPr>
-              <a:t>2</a:t>
-            </a:r>
-            <a:r>
-              <a:rPr lang="zh-CN" altLang="en-US" dirty="0" smtClean="0">
-                <a:latin typeface="华文新魏" panose="02010800040101010101" pitchFamily="2" charset="-122"/>
-                <a:ea typeface="华文新魏" panose="02010800040101010101" pitchFamily="2" charset="-122"/>
-              </a:rPr>
-              <a:t>班</a:t>
+              <a:t>学时</a:t>
             </a:r>
             <a:endParaRPr lang="en-US" altLang="zh-CN" dirty="0" smtClean="0">
               <a:latin typeface="华文新魏" panose="02010800040101010101" pitchFamily="2" charset="-122"/>
@@ -10865,11 +10850,28 @@
               <a:buChar char="Ø"/>
             </a:pPr>
             <a:r>
+              <a:rPr lang="en-US" altLang="zh-CN" dirty="0">
+                <a:latin typeface="华文新魏" panose="02010800040101010101" pitchFamily="2" charset="-122"/>
+              </a:rPr>
+              <a:t>1</a:t>
+            </a:r>
+            <a:r>
+              <a:rPr lang="zh-CN" altLang="en-US" dirty="0">
+                <a:latin typeface="华文新魏" panose="02010800040101010101" pitchFamily="2" charset="-122"/>
+              </a:rPr>
+              <a:t>班和</a:t>
+            </a:r>
+            <a:r>
+              <a:rPr lang="en-US" altLang="zh-CN" dirty="0">
+                <a:latin typeface="华文新魏" panose="02010800040101010101" pitchFamily="2" charset="-122"/>
+              </a:rPr>
+              <a:t>2</a:t>
+            </a:r>
+            <a:r>
               <a:rPr lang="zh-CN" altLang="en-US" dirty="0" smtClean="0">
                 <a:latin typeface="华文新魏" panose="02010800040101010101" pitchFamily="2" charset="-122"/>
-                <a:ea typeface="华文新魏" panose="02010800040101010101" pitchFamily="2" charset="-122"/>
               </a:rPr>
-              <a:t>单周 周五 </a:t>
+              <a:t>班 周二  </a:t>
             </a:r>
             <a:r>
               <a:rPr lang="en-US" altLang="zh-CN" dirty="0" smtClean="0">
@@ -10883,35 +10885,14 @@
                 <a:latin typeface="华文新魏" panose="02010800040101010101" pitchFamily="2" charset="-122"/>
                 <a:ea typeface="华文新魏" panose="02010800040101010101" pitchFamily="2" charset="-122"/>
               </a:rPr>
-              <a:t>节课，</a:t>
-            </a:r>
-            <a:r>
-              <a:rPr lang="en-US" altLang="zh-CN" dirty="0" smtClean="0">
-                <a:latin typeface="华文新魏" panose="02010800040101010101" pitchFamily="2" charset="-122"/>
-                <a:ea typeface="华文新魏" panose="02010800040101010101" pitchFamily="2" charset="-122"/>
-              </a:rPr>
-              <a:t> 3</a:t>
+              <a:t>节课</a:t>
             </a:r>
             <a:r>
               <a:rPr lang="zh-CN" altLang="en-US" dirty="0" smtClean="0">
                 <a:latin typeface="华文新魏" panose="02010800040101010101" pitchFamily="2" charset="-122"/>
                 <a:ea typeface="华文新魏" panose="02010800040101010101" pitchFamily="2" charset="-122"/>
               </a:rPr>
-              <a:t>区</a:t>
-            </a:r>
-            <a:r>
-              <a:rPr lang="en-US" altLang="zh-CN" dirty="0" smtClean="0">
-                <a:latin typeface="华文新魏" panose="02010800040101010101" pitchFamily="2" charset="-122"/>
-                <a:ea typeface="华文新魏" panose="02010800040101010101" pitchFamily="2" charset="-122"/>
-              </a:rPr>
-              <a:t>1-602 </a:t>
-            </a:r>
-            <a:r>
-              <a:rPr lang="zh-CN" altLang="en-US" dirty="0" smtClean="0">
-                <a:latin typeface="华文新魏" panose="02010800040101010101" pitchFamily="2" charset="-122"/>
-                <a:ea typeface="华文新魏" panose="02010800040101010101" pitchFamily="2" charset="-122"/>
-              </a:rPr>
-              <a:t>理论</a:t>
+              <a:t>，地点</a:t>
             </a:r>
             <a:endParaRPr lang="en-US" altLang="zh-CN" dirty="0" smtClean="0">
               <a:latin typeface="华文新魏" panose="02010800040101010101" pitchFamily="2" charset="-122"/>
@@ -10927,104 +10908,96 @@
               <a:buChar char="Ø"/>
             </a:pPr>
             <a:r>
+              <a:rPr lang="en-US" altLang="zh-CN" dirty="0">
+                <a:latin typeface="华文新魏" panose="02010800040101010101" pitchFamily="2" charset="-122"/>
+              </a:rPr>
+              <a:t>3</a:t>
+            </a:r>
+            <a:r>
               <a:rPr lang="zh-CN" altLang="en-US" dirty="0">
                 <a:latin typeface="华文新魏" panose="02010800040101010101" pitchFamily="2" charset="-122"/>
-                <a:ea typeface="华文新魏" panose="02010800040101010101" pitchFamily="2" charset="-122"/>
               </a:rPr>
-              <a:t>双</a:t>
-            </a:r>
-            <a:r>
-              <a:rPr lang="zh-CN" altLang="en-US" dirty="0" smtClean="0">
-                <a:latin typeface="华文新魏" panose="02010800040101010101" pitchFamily="2" charset="-122"/>
-                <a:ea typeface="华文新魏" panose="02010800040101010101" pitchFamily="2" charset="-122"/>
-              </a:rPr>
-              <a:t>周 周五 </a:t>
+              <a:t>班和</a:t>
             </a:r>
             <a:r>
               <a:rPr lang="en-US" altLang="zh-CN" dirty="0">
                 <a:latin typeface="华文新魏" panose="02010800040101010101" pitchFamily="2" charset="-122"/>
-                <a:ea typeface="华文新魏" panose="02010800040101010101" pitchFamily="2" charset="-122"/>
               </a:rPr>
-              <a:t>6</a:t>
-            </a:r>
-            <a:r>
-              <a:rPr lang="en-US" altLang="zh-CN" dirty="0" smtClean="0">
-                <a:latin typeface="华文新魏" panose="02010800040101010101" pitchFamily="2" charset="-122"/>
-                <a:ea typeface="华文新魏" panose="02010800040101010101" pitchFamily="2" charset="-122"/>
-              </a:rPr>
-              <a:t>-8</a:t>
+              <a:t>4</a:t>
             </a:r>
             <a:r>
               <a:rPr lang="zh-CN" altLang="en-US" dirty="0" smtClean="0">
                 <a:latin typeface="华文新魏" panose="02010800040101010101" pitchFamily="2" charset="-122"/>
               </a:rPr>
-              <a:t>节</a:t>
+              <a:t>班 周一  </a:t>
+            </a:r>
+            <a:r>
+              <a:rPr lang="en-US" altLang="zh-CN" dirty="0">
+                <a:latin typeface="华文新魏" panose="02010800040101010101" pitchFamily="2" charset="-122"/>
+              </a:rPr>
+              <a:t>6-8</a:t>
             </a:r>
             <a:r>
               <a:rPr lang="zh-CN" altLang="en-US" dirty="0">
                 <a:latin typeface="华文新魏" panose="02010800040101010101" pitchFamily="2" charset="-122"/>
               </a:rPr>
-              <a:t>课，原</a:t>
+              <a:t>节课</a:t>
             </a:r>
             <a:r>
               <a:rPr lang="zh-CN" altLang="en-US" dirty="0" smtClean="0">
                 <a:latin typeface="华文新魏" panose="02010800040101010101" pitchFamily="2" charset="-122"/>
-                <a:ea typeface="华文新魏" panose="02010800040101010101" pitchFamily="2" charset="-122"/>
               </a:rPr>
-              <a:t>国软机房</a:t>
-            </a:r>
-            <a:r>
-              <a:rPr lang="en-US" altLang="zh-CN" dirty="0" smtClean="0">
-                <a:latin typeface="华文新魏" panose="02010800040101010101" pitchFamily="2" charset="-122"/>
-                <a:ea typeface="华文新魏" panose="02010800040101010101" pitchFamily="2" charset="-122"/>
-              </a:rPr>
-              <a:t>A4-5 </a:t>
-            </a:r>
-            <a:r>
-              <a:rPr lang="zh-CN" altLang="en-US" dirty="0" smtClean="0">
-                <a:latin typeface="华文新魏" panose="02010800040101010101" pitchFamily="2" charset="-122"/>
-                <a:ea typeface="华文新魏" panose="02010800040101010101" pitchFamily="2" charset="-122"/>
-              </a:rPr>
-              <a:t>实验</a:t>
-            </a:r>
-            <a:endParaRPr lang="en-US" altLang="zh-CN" dirty="0" smtClean="0">
+              <a:t>，地点</a:t>
+            </a:r>
+            <a:endParaRPr lang="en-US" altLang="zh-CN" dirty="0">
               <a:latin typeface="华文新魏" panose="02010800040101010101" pitchFamily="2" charset="-122"/>
-              <a:ea typeface="华文新魏" panose="02010800040101010101" pitchFamily="2" charset="-122"/>
             </a:endParaRPr>
           </a:p>
           <a:p>
-            <a:pPr eaLnBrk="1" hangingPunct="1">
+            <a:pPr marL="342900" lvl="1" indent="-342900">
               <a:lnSpc>
                 <a:spcPct val="110000"/>
               </a:lnSpc>
             </a:pPr>
             <a:r>
-              <a:rPr lang="en-US" altLang="zh-CN" dirty="0" smtClean="0">
+              <a:rPr lang="zh-CN" altLang="en-US" sz="1800" dirty="0">
+                <a:latin typeface="华文新魏" panose="02010800040101010101" pitchFamily="2" charset="-122"/>
+              </a:rPr>
+              <a:t>实验</a:t>
+            </a:r>
+            <a:r>
+              <a:rPr lang="zh-CN" altLang="en-US" sz="1800" dirty="0" smtClean="0">
+                <a:latin typeface="华文新魏" panose="02010800040101010101" pitchFamily="2" charset="-122"/>
+              </a:rPr>
+              <a:t>课，</a:t>
+            </a:r>
+            <a:r>
+              <a:rPr lang="en-US" altLang="zh-CN" sz="1800" dirty="0" smtClean="0">
                 <a:latin typeface="华文新魏" panose="02010800040101010101" pitchFamily="2" charset="-122"/>
                 <a:ea typeface="华文新魏" panose="02010800040101010101" pitchFamily="2" charset="-122"/>
               </a:rPr>
-              <a:t>3</a:t>
-            </a:r>
-            <a:r>
-              <a:rPr lang="zh-CN" altLang="en-US" dirty="0" smtClean="0">
+              <a:t>13-16</a:t>
+            </a:r>
+            <a:r>
+              <a:rPr lang="zh-CN" altLang="en-US" sz="1800" dirty="0" smtClean="0">
                 <a:latin typeface="华文新魏" panose="02010800040101010101" pitchFamily="2" charset="-122"/>
                 <a:ea typeface="华文新魏" panose="02010800040101010101" pitchFamily="2" charset="-122"/>
               </a:rPr>
-              <a:t>班和</a:t>
-            </a:r>
-            <a:r>
-              <a:rPr lang="en-US" altLang="zh-CN" dirty="0" smtClean="0">
+              <a:t>周 共</a:t>
+            </a:r>
+            <a:r>
+              <a:rPr lang="en-US" altLang="zh-CN" sz="1800" dirty="0" smtClean="0">
                 <a:latin typeface="华文新魏" panose="02010800040101010101" pitchFamily="2" charset="-122"/>
                 <a:ea typeface="华文新魏" panose="02010800040101010101" pitchFamily="2" charset="-122"/>
               </a:rPr>
-              <a:t>4</a:t>
-            </a:r>
-            <a:r>
-              <a:rPr lang="zh-CN" altLang="en-US" dirty="0" smtClean="0">
+              <a:t>20</a:t>
+            </a:r>
+            <a:r>
+              <a:rPr lang="zh-CN" altLang="en-US" sz="1800" dirty="0" smtClean="0">
                 <a:latin typeface="华文新魏" panose="02010800040101010101" pitchFamily="2" charset="-122"/>
                 <a:ea typeface="华文新魏" panose="02010800040101010101" pitchFamily="2" charset="-122"/>
               </a:rPr>
-              <a:t>班</a:t>
+              <a:t>学时</a:t>
             </a:r>
             <a:endParaRPr lang="en-US" altLang="zh-CN" dirty="0" smtClean="0">
               <a:latin typeface="华文新魏" panose="02010800040101010101" pitchFamily="2" charset="-122"/>
@@ -11040,16 +11013,16 @@
               <a:buChar char="Ø"/>
             </a:pPr>
             <a:r>
-              <a:rPr lang="zh-CN" altLang="en-US" dirty="0">
+              <a:rPr lang="zh-CN" altLang="en-US" dirty="0" smtClean="0">
                 <a:latin typeface="华文新魏" panose="02010800040101010101" pitchFamily="2" charset="-122"/>
               </a:rPr>
-              <a:t>单周 周五 </a:t>
+              <a:t>周四 </a:t>
             </a:r>
             <a:r>
               <a:rPr lang="en-US" altLang="zh-CN" dirty="0" smtClean="0">
                 <a:latin typeface="华文新魏" panose="02010800040101010101" pitchFamily="2" charset="-122"/>
               </a:rPr>
-              <a:t>3-5</a:t>
+              <a:t>1-5</a:t>
             </a:r>
             <a:r>
               <a:rPr lang="zh-CN" altLang="en-US" dirty="0" smtClean="0">
@@ -11067,91 +11040,7 @@
               <a:rPr lang="en-US" altLang="zh-CN" dirty="0" smtClean="0">
                 <a:latin typeface="华文新魏" panose="02010800040101010101" pitchFamily="2" charset="-122"/>
               </a:rPr>
-              <a:t>3</a:t>
-            </a:r>
-            <a:r>
-              <a:rPr lang="zh-CN" altLang="en-US" dirty="0">
-                <a:latin typeface="华文新魏" panose="02010800040101010101" pitchFamily="2" charset="-122"/>
-              </a:rPr>
-              <a:t>区</a:t>
-            </a:r>
-            <a:r>
-              <a:rPr lang="en-US" altLang="zh-CN" dirty="0" smtClean="0">
-                <a:latin typeface="华文新魏" panose="02010800040101010101" pitchFamily="2" charset="-122"/>
-              </a:rPr>
-              <a:t>1-630 </a:t>
-            </a:r>
-            <a:r>
-              <a:rPr lang="zh-CN" altLang="en-US" dirty="0">
-                <a:latin typeface="华文新魏" panose="02010800040101010101" pitchFamily="2" charset="-122"/>
-              </a:rPr>
-              <a:t>理论</a:t>
-            </a:r>
-            <a:endParaRPr lang="en-US" altLang="zh-CN" dirty="0">
-              <a:latin typeface="华文新魏" panose="02010800040101010101" pitchFamily="2" charset="-122"/>
-            </a:endParaRPr>
-          </a:p>
-          <a:p>
-            <a:pPr lvl="1">
-              <a:lnSpc>
-                <a:spcPct val="110000"/>
-              </a:lnSpc>
-              <a:buFont typeface="Wingdings" panose="05000000000000000000" pitchFamily="2" charset="2"/>
-              <a:buChar char="Ø"/>
-            </a:pPr>
-            <a:r>
-              <a:rPr lang="zh-CN" altLang="en-US" dirty="0">
-                <a:latin typeface="华文新魏" panose="02010800040101010101" pitchFamily="2" charset="-122"/>
-              </a:rPr>
-              <a:t>双周 周五 </a:t>
-            </a:r>
-            <a:r>
-              <a:rPr lang="en-US" altLang="zh-CN" dirty="0">
-                <a:latin typeface="华文新魏" panose="02010800040101010101" pitchFamily="2" charset="-122"/>
-              </a:rPr>
-              <a:t>3</a:t>
-            </a:r>
-            <a:r>
-              <a:rPr lang="en-US" altLang="zh-CN" dirty="0" smtClean="0">
-                <a:latin typeface="华文新魏" panose="02010800040101010101" pitchFamily="2" charset="-122"/>
-              </a:rPr>
-              <a:t>-5</a:t>
-            </a:r>
-            <a:r>
-              <a:rPr lang="zh-CN" altLang="en-US" dirty="0" smtClean="0">
-                <a:latin typeface="华文新魏" panose="02010800040101010101" pitchFamily="2" charset="-122"/>
-              </a:rPr>
-              <a:t>节</a:t>
-            </a:r>
-            <a:r>
-              <a:rPr lang="zh-CN" altLang="en-US" dirty="0">
-                <a:latin typeface="华文新魏" panose="02010800040101010101" pitchFamily="2" charset="-122"/>
-              </a:rPr>
-              <a:t>课，</a:t>
-            </a:r>
-            <a:r>
-              <a:rPr lang="zh-CN" altLang="en-US" dirty="0" smtClean="0">
-                <a:latin typeface="华文新魏" panose="02010800040101010101" pitchFamily="2" charset="-122"/>
-              </a:rPr>
-              <a:t>原</a:t>
-            </a:r>
-            <a:r>
-              <a:rPr lang="zh-CN" altLang="en-US" dirty="0">
-                <a:latin typeface="华文新魏" panose="02010800040101010101" pitchFamily="2" charset="-122"/>
-              </a:rPr>
-              <a:t>国软机房</a:t>
-            </a:r>
-            <a:r>
-              <a:rPr lang="en-US" altLang="zh-CN" dirty="0">
-                <a:latin typeface="华文新魏" panose="02010800040101010101" pitchFamily="2" charset="-122"/>
-              </a:rPr>
-              <a:t>A4-5 </a:t>
-            </a:r>
-            <a:r>
-              <a:rPr lang="zh-CN" altLang="en-US" dirty="0">
-                <a:latin typeface="华文新魏" panose="02010800040101010101" pitchFamily="2" charset="-122"/>
-              </a:rPr>
-              <a:t>实验</a:t>
+              <a:t>B303</a:t>
             </a:r>
             <a:endParaRPr lang="en-US" altLang="zh-CN" dirty="0">
               <a:latin typeface="华文新魏" panose="02010800040101010101" pitchFamily="2" charset="-122"/>
@@ -11376,33 +11265,15 @@
                                   </p:childTnLst>
                                 </p:cTn>
                               </p:par>
-                            </p:childTnLst>
-                          </p:cTn>
-                        </p:par>
-                      </p:childTnLst>
-                    </p:cTn>
-                  </p:par>
-                  <p:par>
-                    <p:cTn id="14" fill="hold">
-                      <p:stCondLst>
-                        <p:cond delay="indefinite"/>
-                      </p:stCondLst>
-                      <p:childTnLst>
-                        <p:par>
-                          <p:cTn id="15" fill="hold">
-                            <p:stCondLst>
-                              <p:cond delay="0"/>
-                            </p:stCondLst>
-                            <p:childTnLst>
                               <p:par>
-                                <p:cTn id="16" presetID="2" presetClass="entr" presetSubtype="4" fill="hold" grpId="0" nodeType="clickEffect">
+                                <p:cTn id="14" presetID="2" presetClass="entr" presetSubtype="4" fill="hold" grpId="0" nodeType="withEffect">
                                   <p:stCondLst>
                                     <p:cond delay="0"/>
                                   </p:stCondLst>
                                   <p:childTnLst>
                                     <p:set>
                                       <p:cBhvr>
-                                        <p:cTn id="17" dur="1" fill="hold">
+                                        <p:cTn id="15" dur="1" fill="hold">
                                           <p:stCondLst>
                                             <p:cond delay="0"/>
                                           </p:stCondLst>
@@ -11424,7 +11295,7 @@
                                     </p:set>
                                     <p:anim calcmode="lin" valueType="num">
                                       <p:cBhvr additive="base">
-                                        <p:cTn id="18" dur="500" fill="hold"/>
+                                        <p:cTn id="16" dur="500" fill="hold"/>
                                         <p:tgtEl>
                                           <p:spTgt spid="20483">
                                             <p:txEl>
@@ -11451,7 +11322,7 @@
                                     </p:anim>
                                     <p:anim calcmode="lin" valueType="num">
                                       <p:cBhvr additive="base">
-                                        <p:cTn id="19" dur="500" fill="hold"/>
+                                        <p:cTn id="17" dur="500" fill="hold"/>
                                         <p:tgtEl>
                                           <p:spTgt spid="20483">
                                             <p:txEl>
@@ -11480,14 +11351,14 @@
                                 </p:cTn>
                               </p:par>
                               <p:par>
-                                <p:cTn id="20" presetID="2" presetClass="entr" presetSubtype="4" fill="hold" grpId="0" nodeType="withEffect">
+                                <p:cTn id="18" presetID="2" presetClass="entr" presetSubtype="4" fill="hold" grpId="0" nodeType="withEffect">
                                   <p:stCondLst>
                                     <p:cond delay="0"/>
                                   </p:stCondLst>
                                   <p:childTnLst>
                                     <p:set>
                                       <p:cBhvr>
-                                        <p:cTn id="21" dur="1" fill="hold">
+                                        <p:cTn id="19" dur="1" fill="hold">
                                           <p:stCondLst>
                                             <p:cond delay="0"/>
                                           </p:stCondLst>
@@ -11509,7 +11380,7 @@
                                     </p:set>
                                     <p:anim calcmode="lin" valueType="num">
                                       <p:cBhvr additive="base">
-                                        <p:cTn id="22" dur="500" fill="hold"/>
+                                        <p:cTn id="20" dur="500" fill="hold"/>
                                         <p:tgtEl>
                                           <p:spTgt spid="20483">
                                             <p:txEl>
@@ -11536,7 +11407,7 @@
                                     </p:anim>
                                     <p:anim calcmode="lin" valueType="num">
                                       <p:cBhvr additive="base">
-                                        <p:cTn id="23" dur="500" fill="hold"/>
+                                        <p:cTn id="21" dur="500" fill="hold"/>
                                         <p:tgtEl>
                                           <p:spTgt spid="20483">
                                             <p:txEl>
@@ -11565,14 +11436,14 @@
                                 </p:cTn>
                               </p:par>
                               <p:par>
-                                <p:cTn id="24" presetID="2" presetClass="entr" presetSubtype="4" fill="hold" grpId="0" nodeType="withEffect">
+                                <p:cTn id="22" presetID="2" presetClass="entr" presetSubtype="4" fill="hold" grpId="0" nodeType="withEffect">
                                   <p:stCondLst>
                                     <p:cond delay="0"/>
                                   </p:stCondLst>
                                   <p:childTnLst>
                                     <p:set>
                                       <p:cBhvr>
-                                        <p:cTn id="25" dur="1" fill="hold">
+                                        <p:cTn id="23" dur="1" fill="hold">
                                           <p:stCondLst>
                                             <p:cond delay="0"/>
                                           </p:stCondLst>
@@ -11594,7 +11465,7 @@
                                     </p:set>
                                     <p:anim calcmode="lin" valueType="num">
                                       <p:cBhvr additive="base">
-                                        <p:cTn id="26" dur="500" fill="hold"/>
+                                        <p:cTn id="24" dur="500" fill="hold"/>
                                         <p:tgtEl>
                                           <p:spTgt spid="20483">
                                             <p:txEl>
@@ -11621,7 +11492,7 @@
                                     </p:anim>
                                     <p:anim calcmode="lin" valueType="num">
                                       <p:cBhvr additive="base">
-                                        <p:cTn id="27" dur="500" fill="hold"/>
+                                        <p:cTn id="25" dur="500" fill="hold"/>
                                         <p:tgtEl>
                                           <p:spTgt spid="20483">
                                             <p:txEl>
@@ -11649,33 +11520,15 @@
                                   </p:childTnLst>
                                 </p:cTn>
                               </p:par>
-                            </p:childTnLst>
-                          </p:cTn>
-                        </p:par>
-                      </p:childTnLst>
-                    </p:cTn>
-                  </p:par>
-                  <p:par>
-                    <p:cTn id="28" fill="hold">
-                      <p:stCondLst>
-                        <p:cond delay="indefinite"/>
-                      </p:stCondLst>
-                      <p:childTnLst>
-                        <p:par>
-                          <p:cTn id="29" fill="hold">
-                            <p:stCondLst>
-                              <p:cond delay="0"/>
-                            </p:stCondLst>
-                            <p:childTnLst>
                               <p:par>
-                                <p:cTn id="30" presetID="2" presetClass="entr" presetSubtype="4" fill="hold" grpId="0" nodeType="clickEffect">
+                                <p:cTn id="26" presetID="2" presetClass="entr" presetSubtype="4" fill="hold" grpId="0" nodeType="withEffect">
                                   <p:stCondLst>
                                     <p:cond delay="0"/>
                                   </p:stCondLst>
                                   <p:childTnLst>
                                     <p:set>
                                       <p:cBhvr>
-                                        <p:cTn id="31" dur="1" fill="hold">
+                                        <p:cTn id="27" dur="1" fill="hold">
                                           <p:stCondLst>
                                             <p:cond delay="0"/>
                                           </p:stCondLst>
@@ -11697,7 +11550,7 @@
                                     </p:set>
                                     <p:anim calcmode="lin" valueType="num">
                                       <p:cBhvr additive="base">
-                                        <p:cTn id="32" dur="500" fill="hold"/>
+                                        <p:cTn id="28" dur="500" fill="hold"/>
                                         <p:tgtEl>
                                           <p:spTgt spid="20483">
                                             <p:txEl>
@@ -11724,181 +11577,11 @@
                                     </p:anim>
                                     <p:anim calcmode="lin" valueType="num">
                                       <p:cBhvr additive="base">
-                                        <p:cTn id="33" dur="500" fill="hold"/>
+                                        <p:cTn id="29" dur="500" fill="hold"/>
                                         <p:tgtEl>
                                           <p:spTgt spid="20483">
                                             <p:txEl>
                                               <p:pRg st="4" end="4"/>
-                                            </p:txEl>
-                                          </p:spTgt>
-                                        </p:tgtEl>
-                                        <p:attrNameLst>
-                                          <p:attrName>ppt_y</p:attrName>
-                                        </p:attrNameLst>
-                                      </p:cBhvr>
-                                      <p:tavLst>
-                                        <p:tav tm="0">
-                                          <p:val>
-                                            <p:strVal val="1+#ppt_h/2"/>
-                                          </p:val>
-                                        </p:tav>
-                                        <p:tav tm="100000">
-                                          <p:val>
-                                            <p:strVal val="#ppt_y"/>
-                                          </p:val>
-                                        </p:tav>
-                                      </p:tavLst>
-                                    </p:anim>
-                                  </p:childTnLst>
-                                </p:cTn>
-                              </p:par>
-                              <p:par>
-                                <p:cTn id="34" presetID="2" presetClass="entr" presetSubtype="4" fill="hold" grpId="0" nodeType="withEffect">
-                                  <p:stCondLst>
-                                    <p:cond delay="0"/>
-                                  </p:stCondLst>
-                                  <p:childTnLst>
-                                    <p:set>
-                                      <p:cBhvr>
-                                        <p:cTn id="35" dur="1" fill="hold">
-                                          <p:stCondLst>
-                                            <p:cond delay="0"/>
-                                          </p:stCondLst>
-                                        </p:cTn>
-                                        <p:tgtEl>
-                                          <p:spTgt spid="20483">
-                                            <p:txEl>
-                                              <p:pRg st="5" end="5"/>
-                                            </p:txEl>
-                                          </p:spTgt>
-                                        </p:tgtEl>
-                                        <p:attrNameLst>
-                                          <p:attrName>style.visibility</p:attrName>
-                                        </p:attrNameLst>
-                                      </p:cBhvr>
-                                      <p:to>
-                                        <p:strVal val="visible"/>
-                                      </p:to>
-                                    </p:set>
-                                    <p:anim calcmode="lin" valueType="num">
-                                      <p:cBhvr additive="base">
-                                        <p:cTn id="36" dur="500" fill="hold"/>
-                                        <p:tgtEl>
-                                          <p:spTgt spid="20483">
-                                            <p:txEl>
-                                              <p:pRg st="5" end="5"/>
-                                            </p:txEl>
-                                          </p:spTgt>
-                                        </p:tgtEl>
-                                        <p:attrNameLst>
-                                          <p:attrName>ppt_x</p:attrName>
-                                        </p:attrNameLst>
-                                      </p:cBhvr>
-                                      <p:tavLst>
-                                        <p:tav tm="0">
-                                          <p:val>
-                                            <p:strVal val="#ppt_x"/>
-                                          </p:val>
-                                        </p:tav>
-                                        <p:tav tm="100000">
-                                          <p:val>
-                                            <p:strVal val="#ppt_x"/>
-                                          </p:val>
-                                        </p:tav>
-                                      </p:tavLst>
-                                    </p:anim>
-                                    <p:anim calcmode="lin" valueType="num">
-                                      <p:cBhvr additive="base">
-                                        <p:cTn id="37" dur="500" fill="hold"/>
-                                        <p:tgtEl>
-                                          <p:spTgt spid="20483">
-                                            <p:txEl>
-                                              <p:pRg st="5" end="5"/>
-                                            </p:txEl>
-                                          </p:spTgt>
-                                        </p:tgtEl>
-                                        <p:attrNameLst>
-                                          <p:attrName>ppt_y</p:attrName>
-                                        </p:attrNameLst>
-                                      </p:cBhvr>
-                                      <p:tavLst>
-                                        <p:tav tm="0">
-                                          <p:val>
-                                            <p:strVal val="1+#ppt_h/2"/>
-                                          </p:val>
-                                        </p:tav>
-                                        <p:tav tm="100000">
-                                          <p:val>
-                                            <p:strVal val="#ppt_y"/>
-                                          </p:val>
-                                        </p:tav>
-                                      </p:tavLst>
-                                    </p:anim>
-                                  </p:childTnLst>
-                                </p:cTn>
-                              </p:par>
-                              <p:par>
-                                <p:cTn id="38" presetID="2" presetClass="entr" presetSubtype="4" fill="hold" grpId="0" nodeType="withEffect">
-                                  <p:stCondLst>
-                                    <p:cond delay="0"/>
-                                  </p:stCondLst>
-                                  <p:childTnLst>
-                                    <p:set>
-                                      <p:cBhvr>
-                                        <p:cTn id="39" dur="1" fill="hold">
-                                          <p:stCondLst>
-                                            <p:cond delay="0"/>
-                                          </p:stCondLst>
-                                        </p:cTn>
-                                        <p:tgtEl>
-                                          <p:spTgt spid="20483">
-                                            <p:txEl>
-                                              <p:pRg st="6" end="6"/>
-                                            </p:txEl>
-                                          </p:spTgt>
-                                        </p:tgtEl>
-                                        <p:attrNameLst>
-                                          <p:attrName>style.visibility</p:attrName>
-                                        </p:attrNameLst>
-                                      </p:cBhvr>
-                                      <p:to>
-                                        <p:strVal val="visible"/>
-                                      </p:to>
-                                    </p:set>
-                                    <p:anim calcmode="lin" valueType="num">
-                                      <p:cBhvr additive="base">
-                                        <p:cTn id="40" dur="500" fill="hold"/>
-                                        <p:tgtEl>
-                                          <p:spTgt spid="20483">
-                                            <p:txEl>
-                                              <p:pRg st="6" end="6"/>
-                                            </p:txEl>
-                                          </p:spTgt>
-                                        </p:tgtEl>
-                                        <p:attrNameLst>
-                                          <p:attrName>ppt_x</p:attrName>
-                                        </p:attrNameLst>
-                                      </p:cBhvr>
-                                      <p:tavLst>
-                                        <p:tav tm="0">
-                                          <p:val>
-                                            <p:strVal val="#ppt_x"/>
-                                          </p:val>
-                                        </p:tav>
-                                        <p:tav tm="100000">
-                                          <p:val>
-                                            <p:strVal val="#ppt_x"/>
-                                          </p:val>
-                                        </p:tav>
-                                      </p:tavLst>
-                                    </p:anim>
-                                    <p:anim calcmode="lin" valueType="num">
-                                      <p:cBhvr additive="base">
-                                        <p:cTn id="41" dur="500" fill="hold"/>
-                                        <p:tgtEl>
-                                          <p:spTgt spid="20483">
-                                            <p:txEl>
-                                              <p:pRg st="6" end="6"/>
                                             </p:txEl>
                                           </p:spTgt>
                                         </p:tgtEl>
@@ -11994,6 +11677,7 @@
             </a:pPr>
             <a:fld id="{7B783012-FB5E-47A4-8E23-2E6E8BA8AACF}" type="slidenum">
               <a:rPr lang="zh-CN" altLang="en-US"/>
+              <a:t>8</a:t>
             </a:fld>
             <a:endParaRPr lang="en-US" altLang="zh-CN"/>
           </a:p>
@@ -12019,7 +11703,6 @@
               <a:rPr lang="zh-CN" altLang="en-US" smtClean="0"/>
               <a:t>考核方式</a:t>
             </a:r>
-            <a:endParaRPr lang="zh-CN" altLang="en-US" smtClean="0"/>
           </a:p>
         </p:txBody>
       </p:sp>
@@ -12054,7 +11737,6 @@
               <a:rPr lang="en-US" altLang="zh-CN" sz="4400" dirty="0" smtClean="0"/>
               <a:t>10</a:t>
             </a:r>
-            <a:endParaRPr lang="en-US" altLang="zh-CN" sz="4400" dirty="0" smtClean="0"/>
           </a:p>
           <a:p>
             <a:pPr eaLnBrk="1" hangingPunct="1"/>
@@ -12066,7 +11748,6 @@
               <a:rPr lang="en-US" altLang="zh-CN" sz="4400" dirty="0" smtClean="0"/>
               <a:t>10</a:t>
             </a:r>
-            <a:endParaRPr lang="en-US" altLang="zh-CN" sz="4400" dirty="0" smtClean="0"/>
           </a:p>
           <a:p>
             <a:pPr eaLnBrk="1" hangingPunct="1"/>
@@ -12646,6 +12327,7 @@
             </a:pPr>
             <a:fld id="{607E340D-0BA1-44CE-B148-5AAE131F883F}" type="slidenum">
               <a:rPr lang="zh-CN" altLang="en-US"/>
+              <a:t>9</a:t>
             </a:fld>
             <a:endParaRPr lang="en-US" altLang="zh-CN"/>
           </a:p>
@@ -12683,12 +12365,6 @@
               </a:rPr>
               <a:t>教材</a:t>
             </a:r>
-            <a:endParaRPr lang="zh-CN" altLang="en-US" sz="6500">
-              <a:solidFill>
-                <a:schemeClr val="accent2"/>
-              </a:solidFill>
-              <a:ea typeface="华文行楷" panose="02010800040101010101" pitchFamily="2" charset="-122"/>
-            </a:endParaRPr>
           </a:p>
         </p:txBody>
       </p:sp>
@@ -12701,7 +12377,7 @@
           <p:nvPr/>
         </p:nvPicPr>
         <p:blipFill>
-          <a:blip r:embed="rId1" cstate="print">
+          <a:blip r:embed="rId2" cstate="print">
             <a:extLst>
               <a:ext uri="{28A0092B-C50C-407E-A947-70E740481C1C}">
                 <a14:useLocalDpi xmlns:a14="http://schemas.microsoft.com/office/drawing/2010/main" val="0"/>
@@ -13104,6 +12780,8 @@
       </a:bgFillStyleLst>
     </a:fmtScheme>
   </a:themeElements>
+  <a:objectDefaults/>
+  <a:extraClrSchemeLst/>
   <a:extLst>
     <a:ext uri="{05A4C25C-085E-4340-85A3-A5531E510DB2}">
       <thm15:themeFamily xmlns:thm15="http://schemas.microsoft.com/office/thememl/2012/main" name="Office Theme" id="{62F939B6-93AF-4DB8-9C6B-D6C7DFDC589F}" vid="{4A3C46E8-61CC-4603-A589-7422A47A8E4A}"/>
@@ -13363,6 +13041,8 @@
       </a:bgFillStyleLst>
     </a:fmtScheme>
   </a:themeElements>
+  <a:objectDefaults/>
+  <a:extraClrSchemeLst/>
   <a:extLst>
     <a:ext uri="{05A4C25C-085E-4340-85A3-A5531E510DB2}">
       <thm15:themeFamily xmlns:thm15="http://schemas.microsoft.com/office/thememl/2012/main" name="Office Theme" id="{62F939B6-93AF-4DB8-9C6B-D6C7DFDC589F}" vid="{4A3C46E8-61CC-4603-A589-7422A47A8E4A}"/>
